--- a/Diabetes/Statistics Case Study.pptx
+++ b/Diabetes/Statistics Case Study.pptx
@@ -5,18 +5,43 @@
     <p:sldMasterId id="2147483650" r:id="rId4"/>
   </p:sldMasterIdLst>
   <p:notesMasterIdLst>
-    <p:notesMasterId r:id="rId14"/>
+    <p:notesMasterId r:id="rId39"/>
   </p:notesMasterIdLst>
   <p:sldIdLst>
     <p:sldId id="278" r:id="rId5"/>
     <p:sldId id="279" r:id="rId6"/>
     <p:sldId id="280" r:id="rId7"/>
-    <p:sldId id="281" r:id="rId8"/>
-    <p:sldId id="284" r:id="rId9"/>
-    <p:sldId id="294" r:id="rId10"/>
-    <p:sldId id="291" r:id="rId11"/>
-    <p:sldId id="292" r:id="rId12"/>
-    <p:sldId id="293" r:id="rId13"/>
+    <p:sldId id="294" r:id="rId8"/>
+    <p:sldId id="295" r:id="rId9"/>
+    <p:sldId id="296" r:id="rId10"/>
+    <p:sldId id="290" r:id="rId11"/>
+    <p:sldId id="291" r:id="rId12"/>
+    <p:sldId id="297" r:id="rId13"/>
+    <p:sldId id="298" r:id="rId14"/>
+    <p:sldId id="299" r:id="rId15"/>
+    <p:sldId id="300" r:id="rId16"/>
+    <p:sldId id="301" r:id="rId17"/>
+    <p:sldId id="302" r:id="rId18"/>
+    <p:sldId id="303" r:id="rId19"/>
+    <p:sldId id="308" r:id="rId20"/>
+    <p:sldId id="304" r:id="rId21"/>
+    <p:sldId id="305" r:id="rId22"/>
+    <p:sldId id="306" r:id="rId23"/>
+    <p:sldId id="307" r:id="rId24"/>
+    <p:sldId id="309" r:id="rId25"/>
+    <p:sldId id="310" r:id="rId26"/>
+    <p:sldId id="312" r:id="rId27"/>
+    <p:sldId id="313" r:id="rId28"/>
+    <p:sldId id="314" r:id="rId29"/>
+    <p:sldId id="315" r:id="rId30"/>
+    <p:sldId id="316" r:id="rId31"/>
+    <p:sldId id="311" r:id="rId32"/>
+    <p:sldId id="317" r:id="rId33"/>
+    <p:sldId id="318" r:id="rId34"/>
+    <p:sldId id="319" r:id="rId35"/>
+    <p:sldId id="320" r:id="rId36"/>
+    <p:sldId id="292" r:id="rId37"/>
+    <p:sldId id="293" r:id="rId38"/>
   </p:sldIdLst>
   <p:sldSz cx="12192000" cy="6858000"/>
   <p:notesSz cx="13716000" cy="24384000"/>
@@ -23163,19 +23188,20 @@
             <p:ph type="ctrTitle"/>
           </p:nvPr>
         </p:nvSpPr>
-        <p:spPr/>
+        <p:spPr>
+          <a:xfrm>
+            <a:off x="3403092" y="920559"/>
+            <a:ext cx="5385816" cy="1225296"/>
+          </a:xfrm>
+        </p:spPr>
         <p:txBody>
           <a:bodyPr/>
           <a:lstStyle/>
           <a:p>
             <a:r>
               <a:rPr lang="en-US" dirty="0"/>
-              <a:t>Statistics Case Study</a:t>
+              <a:t>Statistics Case study</a:t>
             </a:r>
-            <a:br>
-              <a:rPr lang="en-US" dirty="0"/>
-            </a:br>
-            <a:endParaRPr lang="en-US" dirty="0"/>
           </a:p>
         </p:txBody>
       </p:sp>
@@ -23195,18 +23221,76 @@
             <p:ph type="subTitle" idx="1"/>
           </p:nvPr>
         </p:nvSpPr>
-        <p:spPr/>
+        <p:spPr>
+          <a:xfrm>
+            <a:off x="3486803" y="2681619"/>
+            <a:ext cx="5218394" cy="2095842"/>
+          </a:xfrm>
+        </p:spPr>
         <p:txBody>
           <a:bodyPr/>
           <a:lstStyle/>
           <a:p>
             <a:r>
-              <a:rPr lang="en-US" dirty="0"/>
-              <a:t>Group-12​</a:t>
+              <a:rPr lang="en-US" dirty="0">
+                <a:solidFill>
+                  <a:schemeClr val="tx1"/>
+                </a:solidFill>
+              </a:rPr>
+              <a:t>Group 12</a:t>
             </a:r>
           </a:p>
           <a:p>
-            <a:endParaRPr lang="en-US" dirty="0"/>
+            <a:endParaRPr lang="en-US" dirty="0">
+              <a:solidFill>
+                <a:schemeClr val="tx1"/>
+              </a:solidFill>
+            </a:endParaRPr>
+          </a:p>
+          <a:p>
+            <a:r>
+              <a:rPr lang="en-US" dirty="0">
+                <a:solidFill>
+                  <a:schemeClr val="tx1"/>
+                </a:solidFill>
+              </a:rPr>
+              <a:t>Ashish Lal ( 21BCs017 )</a:t>
+            </a:r>
+          </a:p>
+          <a:p>
+            <a:r>
+              <a:rPr lang="en-US" dirty="0" err="1">
+                <a:solidFill>
+                  <a:schemeClr val="tx1"/>
+                </a:solidFill>
+              </a:rPr>
+              <a:t>Avinav</a:t>
+            </a:r>
+            <a:r>
+              <a:rPr lang="en-US" dirty="0">
+                <a:solidFill>
+                  <a:schemeClr val="tx1"/>
+                </a:solidFill>
+              </a:rPr>
+              <a:t> Kashyap ( 21BCS021 )​</a:t>
+            </a:r>
+          </a:p>
+          <a:p>
+            <a:r>
+              <a:rPr lang="en-US" dirty="0">
+                <a:solidFill>
+                  <a:schemeClr val="tx1"/>
+                </a:solidFill>
+              </a:rPr>
+              <a:t>Pratik Kunghadkar ( 21BCS058 )</a:t>
+            </a:r>
+          </a:p>
+          <a:p>
+            <a:endParaRPr lang="en-US" dirty="0">
+              <a:solidFill>
+                <a:schemeClr val="tx1"/>
+              </a:solidFill>
+            </a:endParaRPr>
           </a:p>
         </p:txBody>
       </p:sp>
@@ -23214,6 +23298,2298 @@
     <p:extLst>
       <p:ext uri="{BB962C8B-B14F-4D97-AF65-F5344CB8AC3E}">
         <p14:creationId xmlns:p14="http://schemas.microsoft.com/office/powerpoint/2010/main" val="2131568492"/>
+      </p:ext>
+    </p:extLst>
+  </p:cSld>
+  <p:clrMapOvr>
+    <a:masterClrMapping/>
+  </p:clrMapOvr>
+</p:sld>
+</file>
+
+<file path=ppt/slides/slide10.xml><?xml version="1.0" encoding="utf-8"?>
+<p:sld xmlns:a="http://schemas.openxmlformats.org/drawingml/2006/main" xmlns:r="http://schemas.openxmlformats.org/officeDocument/2006/relationships" xmlns:p="http://schemas.openxmlformats.org/presentationml/2006/main">
+  <p:cSld>
+    <p:spTree>
+      <p:nvGrpSpPr>
+        <p:cNvPr id="1" name=""/>
+        <p:cNvGrpSpPr/>
+        <p:nvPr/>
+      </p:nvGrpSpPr>
+      <p:grpSpPr>
+        <a:xfrm>
+          <a:off x="0" y="0"/>
+          <a:ext cx="0" cy="0"/>
+          <a:chOff x="0" y="0"/>
+          <a:chExt cx="0" cy="0"/>
+        </a:xfrm>
+      </p:grpSpPr>
+      <p:sp>
+        <p:nvSpPr>
+          <p:cNvPr id="101" name="Footer Placeholder 100">
+            <a:extLst>
+              <a:ext uri="{FF2B5EF4-FFF2-40B4-BE49-F238E27FC236}">
+                <a16:creationId xmlns:a16="http://schemas.microsoft.com/office/drawing/2014/main" id="{A45E958A-ABCE-B639-C555-90CCC88988C5}"/>
+              </a:ext>
+            </a:extLst>
+          </p:cNvPr>
+          <p:cNvSpPr>
+            <a:spLocks noGrp="1"/>
+          </p:cNvSpPr>
+          <p:nvPr>
+            <p:ph type="ftr" sz="quarter" idx="11"/>
+          </p:nvPr>
+        </p:nvSpPr>
+        <p:spPr/>
+        <p:txBody>
+          <a:bodyPr/>
+          <a:lstStyle/>
+          <a:p>
+            <a:r>
+              <a:rPr lang="en-US"/>
+              <a:t>Presentation title</a:t>
+            </a:r>
+            <a:endParaRPr lang="en-US" dirty="0"/>
+          </a:p>
+        </p:txBody>
+      </p:sp>
+      <p:sp>
+        <p:nvSpPr>
+          <p:cNvPr id="102" name="Slide Number Placeholder 101">
+            <a:extLst>
+              <a:ext uri="{FF2B5EF4-FFF2-40B4-BE49-F238E27FC236}">
+                <a16:creationId xmlns:a16="http://schemas.microsoft.com/office/drawing/2014/main" id="{51BDF1B8-4D26-9C08-3102-6224AA6A4D20}"/>
+              </a:ext>
+            </a:extLst>
+          </p:cNvPr>
+          <p:cNvSpPr>
+            <a:spLocks noGrp="1"/>
+          </p:cNvSpPr>
+          <p:nvPr>
+            <p:ph type="sldNum" sz="quarter" idx="12"/>
+          </p:nvPr>
+        </p:nvSpPr>
+        <p:spPr/>
+        <p:txBody>
+          <a:bodyPr/>
+          <a:lstStyle/>
+          <a:p>
+            <a:fld id="{48F63A3B-78C7-47BE-AE5E-E10140E04643}" type="slidenum">
+              <a:rPr lang="en-US" smtClean="0"/>
+              <a:pPr/>
+              <a:t>10</a:t>
+            </a:fld>
+            <a:endParaRPr lang="en-US" dirty="0"/>
+          </a:p>
+        </p:txBody>
+      </p:sp>
+      <p:sp>
+        <p:nvSpPr>
+          <p:cNvPr id="3" name="Title 2">
+            <a:extLst>
+              <a:ext uri="{FF2B5EF4-FFF2-40B4-BE49-F238E27FC236}">
+                <a16:creationId xmlns:a16="http://schemas.microsoft.com/office/drawing/2014/main" id="{192DCAB3-89B5-B430-5ED6-4980EC61A638}"/>
+              </a:ext>
+            </a:extLst>
+          </p:cNvPr>
+          <p:cNvSpPr>
+            <a:spLocks noGrp="1"/>
+          </p:cNvSpPr>
+          <p:nvPr>
+            <p:ph type="title"/>
+          </p:nvPr>
+        </p:nvSpPr>
+        <p:spPr>
+          <a:xfrm>
+            <a:off x="652956" y="1045028"/>
+            <a:ext cx="3747734" cy="379009"/>
+          </a:xfrm>
+        </p:spPr>
+        <p:txBody>
+          <a:bodyPr/>
+          <a:lstStyle/>
+          <a:p>
+            <a:r>
+              <a:rPr lang="en-US" sz="1600" dirty="0"/>
+              <a:t>2. Z-test Two Sample mean</a:t>
+            </a:r>
+            <a:endParaRPr lang="en-IN" sz="1600" dirty="0"/>
+          </a:p>
+        </p:txBody>
+      </p:sp>
+      <p:sp>
+        <p:nvSpPr>
+          <p:cNvPr id="6" name="Arrow: Right 5">
+            <a:extLst>
+              <a:ext uri="{FF2B5EF4-FFF2-40B4-BE49-F238E27FC236}">
+                <a16:creationId xmlns:a16="http://schemas.microsoft.com/office/drawing/2014/main" id="{C6733BB6-4C6C-371A-5472-DAE81BB4C458}"/>
+              </a:ext>
+            </a:extLst>
+          </p:cNvPr>
+          <p:cNvSpPr/>
+          <p:nvPr/>
+        </p:nvSpPr>
+        <p:spPr>
+          <a:xfrm>
+            <a:off x="5355771" y="2323322"/>
+            <a:ext cx="2304662" cy="1175658"/>
+          </a:xfrm>
+          <a:prstGeom prst="rightArrow">
+            <a:avLst/>
+          </a:prstGeom>
+          <a:solidFill>
+            <a:schemeClr val="accent3">
+              <a:lumMod val="40000"/>
+              <a:lumOff val="60000"/>
+            </a:schemeClr>
+          </a:solidFill>
+        </p:spPr>
+        <p:style>
+          <a:lnRef idx="2">
+            <a:schemeClr val="dk1">
+              <a:shade val="15000"/>
+            </a:schemeClr>
+          </a:lnRef>
+          <a:fillRef idx="1">
+            <a:schemeClr val="dk1"/>
+          </a:fillRef>
+          <a:effectRef idx="0">
+            <a:schemeClr val="dk1"/>
+          </a:effectRef>
+          <a:fontRef idx="minor">
+            <a:schemeClr val="lt1"/>
+          </a:fontRef>
+        </p:style>
+        <p:txBody>
+          <a:bodyPr rtlCol="0" anchor="ctr"/>
+          <a:lstStyle/>
+          <a:p>
+            <a:pPr algn="ctr"/>
+            <a:r>
+              <a:rPr lang="en-US" dirty="0">
+                <a:solidFill>
+                  <a:schemeClr val="tx1"/>
+                </a:solidFill>
+              </a:rPr>
+              <a:t>Output</a:t>
+            </a:r>
+            <a:endParaRPr lang="en-IN" dirty="0">
+              <a:solidFill>
+                <a:schemeClr val="tx1"/>
+              </a:solidFill>
+            </a:endParaRPr>
+          </a:p>
+        </p:txBody>
+      </p:sp>
+      <p:pic>
+        <p:nvPicPr>
+          <p:cNvPr id="4" name="Picture 3">
+            <a:extLst>
+              <a:ext uri="{FF2B5EF4-FFF2-40B4-BE49-F238E27FC236}">
+                <a16:creationId xmlns:a16="http://schemas.microsoft.com/office/drawing/2014/main" id="{BCC2DAA3-BBEB-DC58-9EA8-D864FA924EB0}"/>
+              </a:ext>
+            </a:extLst>
+          </p:cNvPr>
+          <p:cNvPicPr>
+            <a:picLocks noChangeAspect="1"/>
+          </p:cNvPicPr>
+          <p:nvPr/>
+        </p:nvPicPr>
+        <p:blipFill>
+          <a:blip r:embed="rId2"/>
+          <a:stretch>
+            <a:fillRect/>
+          </a:stretch>
+        </p:blipFill>
+        <p:spPr>
+          <a:xfrm>
+            <a:off x="327824" y="1489350"/>
+            <a:ext cx="4625972" cy="5104938"/>
+          </a:xfrm>
+          <a:prstGeom prst="rect">
+            <a:avLst/>
+          </a:prstGeom>
+        </p:spPr>
+      </p:pic>
+      <p:pic>
+        <p:nvPicPr>
+          <p:cNvPr id="9" name="Picture 8">
+            <a:extLst>
+              <a:ext uri="{FF2B5EF4-FFF2-40B4-BE49-F238E27FC236}">
+                <a16:creationId xmlns:a16="http://schemas.microsoft.com/office/drawing/2014/main" id="{60D4F008-363A-2B34-ED9E-FC47FBDFB84E}"/>
+              </a:ext>
+            </a:extLst>
+          </p:cNvPr>
+          <p:cNvPicPr>
+            <a:picLocks noChangeAspect="1"/>
+          </p:cNvPicPr>
+          <p:nvPr/>
+        </p:nvPicPr>
+        <p:blipFill>
+          <a:blip r:embed="rId3"/>
+          <a:stretch>
+            <a:fillRect/>
+          </a:stretch>
+        </p:blipFill>
+        <p:spPr>
+          <a:xfrm>
+            <a:off x="7884367" y="2422806"/>
+            <a:ext cx="4171720" cy="1412076"/>
+          </a:xfrm>
+          <a:prstGeom prst="rect">
+            <a:avLst/>
+          </a:prstGeom>
+        </p:spPr>
+      </p:pic>
+    </p:spTree>
+    <p:extLst>
+      <p:ext uri="{BB962C8B-B14F-4D97-AF65-F5344CB8AC3E}">
+        <p14:creationId xmlns:p14="http://schemas.microsoft.com/office/powerpoint/2010/main" val="3342549073"/>
+      </p:ext>
+    </p:extLst>
+  </p:cSld>
+  <p:clrMapOvr>
+    <a:masterClrMapping/>
+  </p:clrMapOvr>
+</p:sld>
+</file>
+
+<file path=ppt/slides/slide11.xml><?xml version="1.0" encoding="utf-8"?>
+<p:sld xmlns:a="http://schemas.openxmlformats.org/drawingml/2006/main" xmlns:r="http://schemas.openxmlformats.org/officeDocument/2006/relationships" xmlns:p="http://schemas.openxmlformats.org/presentationml/2006/main">
+  <p:cSld>
+    <p:spTree>
+      <p:nvGrpSpPr>
+        <p:cNvPr id="1" name=""/>
+        <p:cNvGrpSpPr/>
+        <p:nvPr/>
+      </p:nvGrpSpPr>
+      <p:grpSpPr>
+        <a:xfrm>
+          <a:off x="0" y="0"/>
+          <a:ext cx="0" cy="0"/>
+          <a:chOff x="0" y="0"/>
+          <a:chExt cx="0" cy="0"/>
+        </a:xfrm>
+      </p:grpSpPr>
+      <p:sp>
+        <p:nvSpPr>
+          <p:cNvPr id="101" name="Footer Placeholder 100">
+            <a:extLst>
+              <a:ext uri="{FF2B5EF4-FFF2-40B4-BE49-F238E27FC236}">
+                <a16:creationId xmlns:a16="http://schemas.microsoft.com/office/drawing/2014/main" id="{A45E958A-ABCE-B639-C555-90CCC88988C5}"/>
+              </a:ext>
+            </a:extLst>
+          </p:cNvPr>
+          <p:cNvSpPr>
+            <a:spLocks noGrp="1"/>
+          </p:cNvSpPr>
+          <p:nvPr>
+            <p:ph type="ftr" sz="quarter" idx="11"/>
+          </p:nvPr>
+        </p:nvSpPr>
+        <p:spPr/>
+        <p:txBody>
+          <a:bodyPr/>
+          <a:lstStyle/>
+          <a:p>
+            <a:r>
+              <a:rPr lang="en-US"/>
+              <a:t>Presentation title</a:t>
+            </a:r>
+            <a:endParaRPr lang="en-US" dirty="0"/>
+          </a:p>
+        </p:txBody>
+      </p:sp>
+      <p:sp>
+        <p:nvSpPr>
+          <p:cNvPr id="102" name="Slide Number Placeholder 101">
+            <a:extLst>
+              <a:ext uri="{FF2B5EF4-FFF2-40B4-BE49-F238E27FC236}">
+                <a16:creationId xmlns:a16="http://schemas.microsoft.com/office/drawing/2014/main" id="{51BDF1B8-4D26-9C08-3102-6224AA6A4D20}"/>
+              </a:ext>
+            </a:extLst>
+          </p:cNvPr>
+          <p:cNvSpPr>
+            <a:spLocks noGrp="1"/>
+          </p:cNvSpPr>
+          <p:nvPr>
+            <p:ph type="sldNum" sz="quarter" idx="12"/>
+          </p:nvPr>
+        </p:nvSpPr>
+        <p:spPr/>
+        <p:txBody>
+          <a:bodyPr/>
+          <a:lstStyle/>
+          <a:p>
+            <a:fld id="{48F63A3B-78C7-47BE-AE5E-E10140E04643}" type="slidenum">
+              <a:rPr lang="en-US" smtClean="0"/>
+              <a:pPr/>
+              <a:t>11</a:t>
+            </a:fld>
+            <a:endParaRPr lang="en-US" dirty="0"/>
+          </a:p>
+        </p:txBody>
+      </p:sp>
+      <p:sp>
+        <p:nvSpPr>
+          <p:cNvPr id="3" name="Title 2">
+            <a:extLst>
+              <a:ext uri="{FF2B5EF4-FFF2-40B4-BE49-F238E27FC236}">
+                <a16:creationId xmlns:a16="http://schemas.microsoft.com/office/drawing/2014/main" id="{192DCAB3-89B5-B430-5ED6-4980EC61A638}"/>
+              </a:ext>
+            </a:extLst>
+          </p:cNvPr>
+          <p:cNvSpPr>
+            <a:spLocks noGrp="1"/>
+          </p:cNvSpPr>
+          <p:nvPr>
+            <p:ph type="title"/>
+          </p:nvPr>
+        </p:nvSpPr>
+        <p:spPr>
+          <a:xfrm>
+            <a:off x="652955" y="1045028"/>
+            <a:ext cx="4880097" cy="379009"/>
+          </a:xfrm>
+        </p:spPr>
+        <p:txBody>
+          <a:bodyPr/>
+          <a:lstStyle/>
+          <a:p>
+            <a:r>
+              <a:rPr lang="en-US" sz="1600" dirty="0"/>
+              <a:t>3. Z-test Single Sample proportion</a:t>
+            </a:r>
+            <a:endParaRPr lang="en-IN" sz="1600" dirty="0"/>
+          </a:p>
+        </p:txBody>
+      </p:sp>
+      <p:sp>
+        <p:nvSpPr>
+          <p:cNvPr id="6" name="Arrow: Right 5">
+            <a:extLst>
+              <a:ext uri="{FF2B5EF4-FFF2-40B4-BE49-F238E27FC236}">
+                <a16:creationId xmlns:a16="http://schemas.microsoft.com/office/drawing/2014/main" id="{C6733BB6-4C6C-371A-5472-DAE81BB4C458}"/>
+              </a:ext>
+            </a:extLst>
+          </p:cNvPr>
+          <p:cNvSpPr/>
+          <p:nvPr/>
+        </p:nvSpPr>
+        <p:spPr>
+          <a:xfrm>
+            <a:off x="4833257" y="2592814"/>
+            <a:ext cx="2304662" cy="1175658"/>
+          </a:xfrm>
+          <a:prstGeom prst="rightArrow">
+            <a:avLst/>
+          </a:prstGeom>
+          <a:solidFill>
+            <a:schemeClr val="accent3">
+              <a:lumMod val="40000"/>
+              <a:lumOff val="60000"/>
+            </a:schemeClr>
+          </a:solidFill>
+        </p:spPr>
+        <p:style>
+          <a:lnRef idx="2">
+            <a:schemeClr val="dk1">
+              <a:shade val="15000"/>
+            </a:schemeClr>
+          </a:lnRef>
+          <a:fillRef idx="1">
+            <a:schemeClr val="dk1"/>
+          </a:fillRef>
+          <a:effectRef idx="0">
+            <a:schemeClr val="dk1"/>
+          </a:effectRef>
+          <a:fontRef idx="minor">
+            <a:schemeClr val="lt1"/>
+          </a:fontRef>
+        </p:style>
+        <p:txBody>
+          <a:bodyPr rtlCol="0" anchor="ctr"/>
+          <a:lstStyle/>
+          <a:p>
+            <a:pPr algn="ctr"/>
+            <a:r>
+              <a:rPr lang="en-US" dirty="0">
+                <a:solidFill>
+                  <a:schemeClr val="tx1"/>
+                </a:solidFill>
+              </a:rPr>
+              <a:t>Output</a:t>
+            </a:r>
+            <a:endParaRPr lang="en-IN" dirty="0">
+              <a:solidFill>
+                <a:schemeClr val="tx1"/>
+              </a:solidFill>
+            </a:endParaRPr>
+          </a:p>
+        </p:txBody>
+      </p:sp>
+      <p:pic>
+        <p:nvPicPr>
+          <p:cNvPr id="4" name="Picture 3">
+            <a:extLst>
+              <a:ext uri="{FF2B5EF4-FFF2-40B4-BE49-F238E27FC236}">
+                <a16:creationId xmlns:a16="http://schemas.microsoft.com/office/drawing/2014/main" id="{E3C3C58F-7CB3-45B3-5D44-4FA37657E4AD}"/>
+              </a:ext>
+            </a:extLst>
+          </p:cNvPr>
+          <p:cNvPicPr>
+            <a:picLocks noChangeAspect="1"/>
+          </p:cNvPicPr>
+          <p:nvPr/>
+        </p:nvPicPr>
+        <p:blipFill>
+          <a:blip r:embed="rId2"/>
+          <a:stretch>
+            <a:fillRect/>
+          </a:stretch>
+        </p:blipFill>
+        <p:spPr>
+          <a:xfrm>
+            <a:off x="7287570" y="2526187"/>
+            <a:ext cx="4773221" cy="1420661"/>
+          </a:xfrm>
+          <a:prstGeom prst="rect">
+            <a:avLst/>
+          </a:prstGeom>
+        </p:spPr>
+      </p:pic>
+      <p:pic>
+        <p:nvPicPr>
+          <p:cNvPr id="9" name="Picture 8" descr="A computer screen with text on it&#10;&#10;Description automatically generated">
+            <a:extLst>
+              <a:ext uri="{FF2B5EF4-FFF2-40B4-BE49-F238E27FC236}">
+                <a16:creationId xmlns:a16="http://schemas.microsoft.com/office/drawing/2014/main" id="{1B903084-7C47-4760-F10C-1DEEBF4CB107}"/>
+              </a:ext>
+            </a:extLst>
+          </p:cNvPr>
+          <p:cNvPicPr>
+            <a:picLocks noChangeAspect="1"/>
+          </p:cNvPicPr>
+          <p:nvPr/>
+        </p:nvPicPr>
+        <p:blipFill>
+          <a:blip r:embed="rId3"/>
+          <a:stretch>
+            <a:fillRect/>
+          </a:stretch>
+        </p:blipFill>
+        <p:spPr>
+          <a:xfrm>
+            <a:off x="131208" y="1760872"/>
+            <a:ext cx="4552397" cy="3555384"/>
+          </a:xfrm>
+          <a:prstGeom prst="rect">
+            <a:avLst/>
+          </a:prstGeom>
+        </p:spPr>
+      </p:pic>
+    </p:spTree>
+    <p:extLst>
+      <p:ext uri="{BB962C8B-B14F-4D97-AF65-F5344CB8AC3E}">
+        <p14:creationId xmlns:p14="http://schemas.microsoft.com/office/powerpoint/2010/main" val="2762742527"/>
+      </p:ext>
+    </p:extLst>
+  </p:cSld>
+  <p:clrMapOvr>
+    <a:masterClrMapping/>
+  </p:clrMapOvr>
+</p:sld>
+</file>
+
+<file path=ppt/slides/slide12.xml><?xml version="1.0" encoding="utf-8"?>
+<p:sld xmlns:a="http://schemas.openxmlformats.org/drawingml/2006/main" xmlns:r="http://schemas.openxmlformats.org/officeDocument/2006/relationships" xmlns:p="http://schemas.openxmlformats.org/presentationml/2006/main">
+  <p:cSld>
+    <p:spTree>
+      <p:nvGrpSpPr>
+        <p:cNvPr id="1" name=""/>
+        <p:cNvGrpSpPr/>
+        <p:nvPr/>
+      </p:nvGrpSpPr>
+      <p:grpSpPr>
+        <a:xfrm>
+          <a:off x="0" y="0"/>
+          <a:ext cx="0" cy="0"/>
+          <a:chOff x="0" y="0"/>
+          <a:chExt cx="0" cy="0"/>
+        </a:xfrm>
+      </p:grpSpPr>
+      <p:sp>
+        <p:nvSpPr>
+          <p:cNvPr id="101" name="Footer Placeholder 100">
+            <a:extLst>
+              <a:ext uri="{FF2B5EF4-FFF2-40B4-BE49-F238E27FC236}">
+                <a16:creationId xmlns:a16="http://schemas.microsoft.com/office/drawing/2014/main" id="{A45E958A-ABCE-B639-C555-90CCC88988C5}"/>
+              </a:ext>
+            </a:extLst>
+          </p:cNvPr>
+          <p:cNvSpPr>
+            <a:spLocks noGrp="1"/>
+          </p:cNvSpPr>
+          <p:nvPr>
+            <p:ph type="ftr" sz="quarter" idx="11"/>
+          </p:nvPr>
+        </p:nvSpPr>
+        <p:spPr/>
+        <p:txBody>
+          <a:bodyPr/>
+          <a:lstStyle/>
+          <a:p>
+            <a:r>
+              <a:rPr lang="en-US"/>
+              <a:t>Presentation title</a:t>
+            </a:r>
+            <a:endParaRPr lang="en-US" dirty="0"/>
+          </a:p>
+        </p:txBody>
+      </p:sp>
+      <p:sp>
+        <p:nvSpPr>
+          <p:cNvPr id="102" name="Slide Number Placeholder 101">
+            <a:extLst>
+              <a:ext uri="{FF2B5EF4-FFF2-40B4-BE49-F238E27FC236}">
+                <a16:creationId xmlns:a16="http://schemas.microsoft.com/office/drawing/2014/main" id="{51BDF1B8-4D26-9C08-3102-6224AA6A4D20}"/>
+              </a:ext>
+            </a:extLst>
+          </p:cNvPr>
+          <p:cNvSpPr>
+            <a:spLocks noGrp="1"/>
+          </p:cNvSpPr>
+          <p:nvPr>
+            <p:ph type="sldNum" sz="quarter" idx="12"/>
+          </p:nvPr>
+        </p:nvSpPr>
+        <p:spPr/>
+        <p:txBody>
+          <a:bodyPr/>
+          <a:lstStyle/>
+          <a:p>
+            <a:fld id="{48F63A3B-78C7-47BE-AE5E-E10140E04643}" type="slidenum">
+              <a:rPr lang="en-US" smtClean="0"/>
+              <a:pPr/>
+              <a:t>12</a:t>
+            </a:fld>
+            <a:endParaRPr lang="en-US" dirty="0"/>
+          </a:p>
+        </p:txBody>
+      </p:sp>
+      <p:sp>
+        <p:nvSpPr>
+          <p:cNvPr id="3" name="Title 2">
+            <a:extLst>
+              <a:ext uri="{FF2B5EF4-FFF2-40B4-BE49-F238E27FC236}">
+                <a16:creationId xmlns:a16="http://schemas.microsoft.com/office/drawing/2014/main" id="{192DCAB3-89B5-B430-5ED6-4980EC61A638}"/>
+              </a:ext>
+            </a:extLst>
+          </p:cNvPr>
+          <p:cNvSpPr>
+            <a:spLocks noGrp="1"/>
+          </p:cNvSpPr>
+          <p:nvPr>
+            <p:ph type="title"/>
+          </p:nvPr>
+        </p:nvSpPr>
+        <p:spPr>
+          <a:xfrm>
+            <a:off x="652956" y="1045028"/>
+            <a:ext cx="4586286" cy="379009"/>
+          </a:xfrm>
+        </p:spPr>
+        <p:txBody>
+          <a:bodyPr/>
+          <a:lstStyle/>
+          <a:p>
+            <a:r>
+              <a:rPr lang="en-US" sz="1600" dirty="0"/>
+              <a:t>4. Z-test two Sample proportion</a:t>
+            </a:r>
+            <a:endParaRPr lang="en-IN" sz="1600" dirty="0"/>
+          </a:p>
+        </p:txBody>
+      </p:sp>
+      <p:sp>
+        <p:nvSpPr>
+          <p:cNvPr id="6" name="Arrow: Right 5">
+            <a:extLst>
+              <a:ext uri="{FF2B5EF4-FFF2-40B4-BE49-F238E27FC236}">
+                <a16:creationId xmlns:a16="http://schemas.microsoft.com/office/drawing/2014/main" id="{C6733BB6-4C6C-371A-5472-DAE81BB4C458}"/>
+              </a:ext>
+            </a:extLst>
+          </p:cNvPr>
+          <p:cNvSpPr/>
+          <p:nvPr/>
+        </p:nvSpPr>
+        <p:spPr>
+          <a:xfrm>
+            <a:off x="4739951" y="2379305"/>
+            <a:ext cx="2304662" cy="1175658"/>
+          </a:xfrm>
+          <a:prstGeom prst="rightArrow">
+            <a:avLst/>
+          </a:prstGeom>
+          <a:solidFill>
+            <a:schemeClr val="accent3">
+              <a:lumMod val="40000"/>
+              <a:lumOff val="60000"/>
+            </a:schemeClr>
+          </a:solidFill>
+        </p:spPr>
+        <p:style>
+          <a:lnRef idx="2">
+            <a:schemeClr val="dk1">
+              <a:shade val="15000"/>
+            </a:schemeClr>
+          </a:lnRef>
+          <a:fillRef idx="1">
+            <a:schemeClr val="dk1"/>
+          </a:fillRef>
+          <a:effectRef idx="0">
+            <a:schemeClr val="dk1"/>
+          </a:effectRef>
+          <a:fontRef idx="minor">
+            <a:schemeClr val="lt1"/>
+          </a:fontRef>
+        </p:style>
+        <p:txBody>
+          <a:bodyPr rtlCol="0" anchor="ctr"/>
+          <a:lstStyle/>
+          <a:p>
+            <a:pPr algn="ctr"/>
+            <a:r>
+              <a:rPr lang="en-US" dirty="0">
+                <a:solidFill>
+                  <a:schemeClr val="tx1"/>
+                </a:solidFill>
+              </a:rPr>
+              <a:t>Output</a:t>
+            </a:r>
+            <a:endParaRPr lang="en-IN" dirty="0">
+              <a:solidFill>
+                <a:schemeClr val="tx1"/>
+              </a:solidFill>
+            </a:endParaRPr>
+          </a:p>
+        </p:txBody>
+      </p:sp>
+      <p:pic>
+        <p:nvPicPr>
+          <p:cNvPr id="4" name="Picture 3">
+            <a:extLst>
+              <a:ext uri="{FF2B5EF4-FFF2-40B4-BE49-F238E27FC236}">
+                <a16:creationId xmlns:a16="http://schemas.microsoft.com/office/drawing/2014/main" id="{22CA35A2-A420-5173-4405-E75D50C23A8A}"/>
+              </a:ext>
+            </a:extLst>
+          </p:cNvPr>
+          <p:cNvPicPr>
+            <a:picLocks noChangeAspect="1"/>
+          </p:cNvPicPr>
+          <p:nvPr/>
+        </p:nvPicPr>
+        <p:blipFill>
+          <a:blip r:embed="rId2"/>
+          <a:stretch>
+            <a:fillRect/>
+          </a:stretch>
+        </p:blipFill>
+        <p:spPr>
+          <a:xfrm>
+            <a:off x="86096" y="1672229"/>
+            <a:ext cx="4529446" cy="4244376"/>
+          </a:xfrm>
+          <a:prstGeom prst="rect">
+            <a:avLst/>
+          </a:prstGeom>
+        </p:spPr>
+      </p:pic>
+      <p:pic>
+        <p:nvPicPr>
+          <p:cNvPr id="9" name="Picture 8">
+            <a:extLst>
+              <a:ext uri="{FF2B5EF4-FFF2-40B4-BE49-F238E27FC236}">
+                <a16:creationId xmlns:a16="http://schemas.microsoft.com/office/drawing/2014/main" id="{C4DB269B-40E3-3145-509C-B7C0B2147AC3}"/>
+              </a:ext>
+            </a:extLst>
+          </p:cNvPr>
+          <p:cNvPicPr>
+            <a:picLocks noChangeAspect="1"/>
+          </p:cNvPicPr>
+          <p:nvPr/>
+        </p:nvPicPr>
+        <p:blipFill>
+          <a:blip r:embed="rId3"/>
+          <a:stretch>
+            <a:fillRect/>
+          </a:stretch>
+        </p:blipFill>
+        <p:spPr>
+          <a:xfrm>
+            <a:off x="7259216" y="2211355"/>
+            <a:ext cx="4846688" cy="1406588"/>
+          </a:xfrm>
+          <a:prstGeom prst="rect">
+            <a:avLst/>
+          </a:prstGeom>
+        </p:spPr>
+      </p:pic>
+    </p:spTree>
+    <p:extLst>
+      <p:ext uri="{BB962C8B-B14F-4D97-AF65-F5344CB8AC3E}">
+        <p14:creationId xmlns:p14="http://schemas.microsoft.com/office/powerpoint/2010/main" val="3464685047"/>
+      </p:ext>
+    </p:extLst>
+  </p:cSld>
+  <p:clrMapOvr>
+    <a:masterClrMapping/>
+  </p:clrMapOvr>
+</p:sld>
+</file>
+
+<file path=ppt/slides/slide13.xml><?xml version="1.0" encoding="utf-8"?>
+<p:sld xmlns:a="http://schemas.openxmlformats.org/drawingml/2006/main" xmlns:r="http://schemas.openxmlformats.org/officeDocument/2006/relationships" xmlns:p="http://schemas.openxmlformats.org/presentationml/2006/main">
+  <p:cSld>
+    <p:spTree>
+      <p:nvGrpSpPr>
+        <p:cNvPr id="1" name=""/>
+        <p:cNvGrpSpPr/>
+        <p:nvPr/>
+      </p:nvGrpSpPr>
+      <p:grpSpPr>
+        <a:xfrm>
+          <a:off x="0" y="0"/>
+          <a:ext cx="0" cy="0"/>
+          <a:chOff x="0" y="0"/>
+          <a:chExt cx="0" cy="0"/>
+        </a:xfrm>
+      </p:grpSpPr>
+      <p:sp>
+        <p:nvSpPr>
+          <p:cNvPr id="101" name="Footer Placeholder 100">
+            <a:extLst>
+              <a:ext uri="{FF2B5EF4-FFF2-40B4-BE49-F238E27FC236}">
+                <a16:creationId xmlns:a16="http://schemas.microsoft.com/office/drawing/2014/main" id="{A45E958A-ABCE-B639-C555-90CCC88988C5}"/>
+              </a:ext>
+            </a:extLst>
+          </p:cNvPr>
+          <p:cNvSpPr>
+            <a:spLocks noGrp="1"/>
+          </p:cNvSpPr>
+          <p:nvPr>
+            <p:ph type="ftr" sz="quarter" idx="11"/>
+          </p:nvPr>
+        </p:nvSpPr>
+        <p:spPr/>
+        <p:txBody>
+          <a:bodyPr/>
+          <a:lstStyle/>
+          <a:p>
+            <a:r>
+              <a:rPr lang="en-US"/>
+              <a:t>Presentation title</a:t>
+            </a:r>
+            <a:endParaRPr lang="en-US" dirty="0"/>
+          </a:p>
+        </p:txBody>
+      </p:sp>
+      <p:sp>
+        <p:nvSpPr>
+          <p:cNvPr id="102" name="Slide Number Placeholder 101">
+            <a:extLst>
+              <a:ext uri="{FF2B5EF4-FFF2-40B4-BE49-F238E27FC236}">
+                <a16:creationId xmlns:a16="http://schemas.microsoft.com/office/drawing/2014/main" id="{51BDF1B8-4D26-9C08-3102-6224AA6A4D20}"/>
+              </a:ext>
+            </a:extLst>
+          </p:cNvPr>
+          <p:cNvSpPr>
+            <a:spLocks noGrp="1"/>
+          </p:cNvSpPr>
+          <p:nvPr>
+            <p:ph type="sldNum" sz="quarter" idx="12"/>
+          </p:nvPr>
+        </p:nvSpPr>
+        <p:spPr/>
+        <p:txBody>
+          <a:bodyPr/>
+          <a:lstStyle/>
+          <a:p>
+            <a:fld id="{48F63A3B-78C7-47BE-AE5E-E10140E04643}" type="slidenum">
+              <a:rPr lang="en-US" smtClean="0"/>
+              <a:pPr/>
+              <a:t>13</a:t>
+            </a:fld>
+            <a:endParaRPr lang="en-US" dirty="0"/>
+          </a:p>
+        </p:txBody>
+      </p:sp>
+      <p:sp>
+        <p:nvSpPr>
+          <p:cNvPr id="3" name="Title 2">
+            <a:extLst>
+              <a:ext uri="{FF2B5EF4-FFF2-40B4-BE49-F238E27FC236}">
+                <a16:creationId xmlns:a16="http://schemas.microsoft.com/office/drawing/2014/main" id="{192DCAB3-89B5-B430-5ED6-4980EC61A638}"/>
+              </a:ext>
+            </a:extLst>
+          </p:cNvPr>
+          <p:cNvSpPr>
+            <a:spLocks noGrp="1"/>
+          </p:cNvSpPr>
+          <p:nvPr>
+            <p:ph type="title"/>
+          </p:nvPr>
+        </p:nvSpPr>
+        <p:spPr>
+          <a:xfrm>
+            <a:off x="652956" y="1045028"/>
+            <a:ext cx="4432228" cy="379009"/>
+          </a:xfrm>
+        </p:spPr>
+        <p:txBody>
+          <a:bodyPr/>
+          <a:lstStyle/>
+          <a:p>
+            <a:r>
+              <a:rPr lang="en-US" sz="1600" dirty="0"/>
+              <a:t>5. t-test Single Sample mean</a:t>
+            </a:r>
+            <a:endParaRPr lang="en-IN" sz="1600" dirty="0"/>
+          </a:p>
+        </p:txBody>
+      </p:sp>
+      <p:sp>
+        <p:nvSpPr>
+          <p:cNvPr id="6" name="Arrow: Right 5">
+            <a:extLst>
+              <a:ext uri="{FF2B5EF4-FFF2-40B4-BE49-F238E27FC236}">
+                <a16:creationId xmlns:a16="http://schemas.microsoft.com/office/drawing/2014/main" id="{C6733BB6-4C6C-371A-5472-DAE81BB4C458}"/>
+              </a:ext>
+            </a:extLst>
+          </p:cNvPr>
+          <p:cNvSpPr/>
+          <p:nvPr/>
+        </p:nvSpPr>
+        <p:spPr>
+          <a:xfrm>
+            <a:off x="4688339" y="2692999"/>
+            <a:ext cx="2304662" cy="1175658"/>
+          </a:xfrm>
+          <a:prstGeom prst="rightArrow">
+            <a:avLst/>
+          </a:prstGeom>
+          <a:solidFill>
+            <a:schemeClr val="accent3">
+              <a:lumMod val="40000"/>
+              <a:lumOff val="60000"/>
+            </a:schemeClr>
+          </a:solidFill>
+        </p:spPr>
+        <p:style>
+          <a:lnRef idx="2">
+            <a:schemeClr val="dk1">
+              <a:shade val="15000"/>
+            </a:schemeClr>
+          </a:lnRef>
+          <a:fillRef idx="1">
+            <a:schemeClr val="dk1"/>
+          </a:fillRef>
+          <a:effectRef idx="0">
+            <a:schemeClr val="dk1"/>
+          </a:effectRef>
+          <a:fontRef idx="minor">
+            <a:schemeClr val="lt1"/>
+          </a:fontRef>
+        </p:style>
+        <p:txBody>
+          <a:bodyPr rtlCol="0" anchor="ctr"/>
+          <a:lstStyle/>
+          <a:p>
+            <a:pPr algn="ctr"/>
+            <a:r>
+              <a:rPr lang="en-US" dirty="0">
+                <a:solidFill>
+                  <a:schemeClr val="tx1"/>
+                </a:solidFill>
+              </a:rPr>
+              <a:t>Output</a:t>
+            </a:r>
+            <a:endParaRPr lang="en-IN" dirty="0">
+              <a:solidFill>
+                <a:schemeClr val="tx1"/>
+              </a:solidFill>
+            </a:endParaRPr>
+          </a:p>
+        </p:txBody>
+      </p:sp>
+      <p:pic>
+        <p:nvPicPr>
+          <p:cNvPr id="4" name="Picture 3">
+            <a:extLst>
+              <a:ext uri="{FF2B5EF4-FFF2-40B4-BE49-F238E27FC236}">
+                <a16:creationId xmlns:a16="http://schemas.microsoft.com/office/drawing/2014/main" id="{FF879908-1FFC-B369-767C-3E885F795DC0}"/>
+              </a:ext>
+            </a:extLst>
+          </p:cNvPr>
+          <p:cNvPicPr>
+            <a:picLocks noChangeAspect="1"/>
+          </p:cNvPicPr>
+          <p:nvPr/>
+        </p:nvPicPr>
+        <p:blipFill>
+          <a:blip r:embed="rId2"/>
+          <a:stretch>
+            <a:fillRect/>
+          </a:stretch>
+        </p:blipFill>
+        <p:spPr>
+          <a:xfrm>
+            <a:off x="62545" y="1686227"/>
+            <a:ext cx="4604023" cy="4597664"/>
+          </a:xfrm>
+          <a:prstGeom prst="rect">
+            <a:avLst/>
+          </a:prstGeom>
+        </p:spPr>
+      </p:pic>
+      <p:pic>
+        <p:nvPicPr>
+          <p:cNvPr id="9" name="Picture 8">
+            <a:extLst>
+              <a:ext uri="{FF2B5EF4-FFF2-40B4-BE49-F238E27FC236}">
+                <a16:creationId xmlns:a16="http://schemas.microsoft.com/office/drawing/2014/main" id="{44A19BAD-C4AB-F272-9984-73CD4AAE0E18}"/>
+              </a:ext>
+            </a:extLst>
+          </p:cNvPr>
+          <p:cNvPicPr>
+            <a:picLocks noChangeAspect="1"/>
+          </p:cNvPicPr>
+          <p:nvPr/>
+        </p:nvPicPr>
+        <p:blipFill>
+          <a:blip r:embed="rId3"/>
+          <a:stretch>
+            <a:fillRect/>
+          </a:stretch>
+        </p:blipFill>
+        <p:spPr>
+          <a:xfrm>
+            <a:off x="7014773" y="2834404"/>
+            <a:ext cx="5177228" cy="914704"/>
+          </a:xfrm>
+          <a:prstGeom prst="rect">
+            <a:avLst/>
+          </a:prstGeom>
+        </p:spPr>
+      </p:pic>
+    </p:spTree>
+    <p:extLst>
+      <p:ext uri="{BB962C8B-B14F-4D97-AF65-F5344CB8AC3E}">
+        <p14:creationId xmlns:p14="http://schemas.microsoft.com/office/powerpoint/2010/main" val="3588246435"/>
+      </p:ext>
+    </p:extLst>
+  </p:cSld>
+  <p:clrMapOvr>
+    <a:masterClrMapping/>
+  </p:clrMapOvr>
+</p:sld>
+</file>
+
+<file path=ppt/slides/slide14.xml><?xml version="1.0" encoding="utf-8"?>
+<p:sld xmlns:a="http://schemas.openxmlformats.org/drawingml/2006/main" xmlns:r="http://schemas.openxmlformats.org/officeDocument/2006/relationships" xmlns:p="http://schemas.openxmlformats.org/presentationml/2006/main">
+  <p:cSld>
+    <p:spTree>
+      <p:nvGrpSpPr>
+        <p:cNvPr id="1" name=""/>
+        <p:cNvGrpSpPr/>
+        <p:nvPr/>
+      </p:nvGrpSpPr>
+      <p:grpSpPr>
+        <a:xfrm>
+          <a:off x="0" y="0"/>
+          <a:ext cx="0" cy="0"/>
+          <a:chOff x="0" y="0"/>
+          <a:chExt cx="0" cy="0"/>
+        </a:xfrm>
+      </p:grpSpPr>
+      <p:sp>
+        <p:nvSpPr>
+          <p:cNvPr id="101" name="Footer Placeholder 100">
+            <a:extLst>
+              <a:ext uri="{FF2B5EF4-FFF2-40B4-BE49-F238E27FC236}">
+                <a16:creationId xmlns:a16="http://schemas.microsoft.com/office/drawing/2014/main" id="{A45E958A-ABCE-B639-C555-90CCC88988C5}"/>
+              </a:ext>
+            </a:extLst>
+          </p:cNvPr>
+          <p:cNvSpPr>
+            <a:spLocks noGrp="1"/>
+          </p:cNvSpPr>
+          <p:nvPr>
+            <p:ph type="ftr" sz="quarter" idx="11"/>
+          </p:nvPr>
+        </p:nvSpPr>
+        <p:spPr/>
+        <p:txBody>
+          <a:bodyPr/>
+          <a:lstStyle/>
+          <a:p>
+            <a:r>
+              <a:rPr lang="en-US"/>
+              <a:t>Presentation title</a:t>
+            </a:r>
+            <a:endParaRPr lang="en-US" dirty="0"/>
+          </a:p>
+        </p:txBody>
+      </p:sp>
+      <p:sp>
+        <p:nvSpPr>
+          <p:cNvPr id="102" name="Slide Number Placeholder 101">
+            <a:extLst>
+              <a:ext uri="{FF2B5EF4-FFF2-40B4-BE49-F238E27FC236}">
+                <a16:creationId xmlns:a16="http://schemas.microsoft.com/office/drawing/2014/main" id="{51BDF1B8-4D26-9C08-3102-6224AA6A4D20}"/>
+              </a:ext>
+            </a:extLst>
+          </p:cNvPr>
+          <p:cNvSpPr>
+            <a:spLocks noGrp="1"/>
+          </p:cNvSpPr>
+          <p:nvPr>
+            <p:ph type="sldNum" sz="quarter" idx="12"/>
+          </p:nvPr>
+        </p:nvSpPr>
+        <p:spPr/>
+        <p:txBody>
+          <a:bodyPr/>
+          <a:lstStyle/>
+          <a:p>
+            <a:fld id="{48F63A3B-78C7-47BE-AE5E-E10140E04643}" type="slidenum">
+              <a:rPr lang="en-US" smtClean="0"/>
+              <a:pPr/>
+              <a:t>14</a:t>
+            </a:fld>
+            <a:endParaRPr lang="en-US" dirty="0"/>
+          </a:p>
+        </p:txBody>
+      </p:sp>
+      <p:sp>
+        <p:nvSpPr>
+          <p:cNvPr id="3" name="Title 2">
+            <a:extLst>
+              <a:ext uri="{FF2B5EF4-FFF2-40B4-BE49-F238E27FC236}">
+                <a16:creationId xmlns:a16="http://schemas.microsoft.com/office/drawing/2014/main" id="{192DCAB3-89B5-B430-5ED6-4980EC61A638}"/>
+              </a:ext>
+            </a:extLst>
+          </p:cNvPr>
+          <p:cNvSpPr>
+            <a:spLocks noGrp="1"/>
+          </p:cNvSpPr>
+          <p:nvPr>
+            <p:ph type="title"/>
+          </p:nvPr>
+        </p:nvSpPr>
+        <p:spPr>
+          <a:xfrm>
+            <a:off x="652956" y="1045028"/>
+            <a:ext cx="3747734" cy="379009"/>
+          </a:xfrm>
+        </p:spPr>
+        <p:txBody>
+          <a:bodyPr/>
+          <a:lstStyle/>
+          <a:p>
+            <a:r>
+              <a:rPr lang="en-US" sz="1600" dirty="0"/>
+              <a:t>6. t-test two Sample mean</a:t>
+            </a:r>
+            <a:endParaRPr lang="en-IN" sz="1600" dirty="0"/>
+          </a:p>
+        </p:txBody>
+      </p:sp>
+      <p:sp>
+        <p:nvSpPr>
+          <p:cNvPr id="6" name="Arrow: Right 5">
+            <a:extLst>
+              <a:ext uri="{FF2B5EF4-FFF2-40B4-BE49-F238E27FC236}">
+                <a16:creationId xmlns:a16="http://schemas.microsoft.com/office/drawing/2014/main" id="{C6733BB6-4C6C-371A-5472-DAE81BB4C458}"/>
+              </a:ext>
+            </a:extLst>
+          </p:cNvPr>
+          <p:cNvSpPr/>
+          <p:nvPr/>
+        </p:nvSpPr>
+        <p:spPr>
+          <a:xfrm>
+            <a:off x="4276822" y="2856029"/>
+            <a:ext cx="2304662" cy="1175658"/>
+          </a:xfrm>
+          <a:prstGeom prst="rightArrow">
+            <a:avLst/>
+          </a:prstGeom>
+          <a:solidFill>
+            <a:schemeClr val="accent3">
+              <a:lumMod val="40000"/>
+              <a:lumOff val="60000"/>
+            </a:schemeClr>
+          </a:solidFill>
+        </p:spPr>
+        <p:style>
+          <a:lnRef idx="2">
+            <a:schemeClr val="dk1">
+              <a:shade val="15000"/>
+            </a:schemeClr>
+          </a:lnRef>
+          <a:fillRef idx="1">
+            <a:schemeClr val="dk1"/>
+          </a:fillRef>
+          <a:effectRef idx="0">
+            <a:schemeClr val="dk1"/>
+          </a:effectRef>
+          <a:fontRef idx="minor">
+            <a:schemeClr val="lt1"/>
+          </a:fontRef>
+        </p:style>
+        <p:txBody>
+          <a:bodyPr rtlCol="0" anchor="ctr"/>
+          <a:lstStyle/>
+          <a:p>
+            <a:pPr algn="ctr"/>
+            <a:r>
+              <a:rPr lang="en-US" dirty="0">
+                <a:solidFill>
+                  <a:schemeClr val="tx1"/>
+                </a:solidFill>
+              </a:rPr>
+              <a:t>Output</a:t>
+            </a:r>
+            <a:endParaRPr lang="en-IN" dirty="0">
+              <a:solidFill>
+                <a:schemeClr val="tx1"/>
+              </a:solidFill>
+            </a:endParaRPr>
+          </a:p>
+        </p:txBody>
+      </p:sp>
+      <p:pic>
+        <p:nvPicPr>
+          <p:cNvPr id="11" name="Picture 10">
+            <a:extLst>
+              <a:ext uri="{FF2B5EF4-FFF2-40B4-BE49-F238E27FC236}">
+                <a16:creationId xmlns:a16="http://schemas.microsoft.com/office/drawing/2014/main" id="{8C7FAF17-AEAF-3F21-0AA2-E0AA62289305}"/>
+              </a:ext>
+            </a:extLst>
+          </p:cNvPr>
+          <p:cNvPicPr>
+            <a:picLocks noChangeAspect="1"/>
+          </p:cNvPicPr>
+          <p:nvPr/>
+        </p:nvPicPr>
+        <p:blipFill>
+          <a:blip r:embed="rId2"/>
+          <a:stretch>
+            <a:fillRect/>
+          </a:stretch>
+        </p:blipFill>
+        <p:spPr>
+          <a:xfrm>
+            <a:off x="480725" y="1495835"/>
+            <a:ext cx="3671397" cy="5152726"/>
+          </a:xfrm>
+          <a:prstGeom prst="rect">
+            <a:avLst/>
+          </a:prstGeom>
+        </p:spPr>
+      </p:pic>
+      <p:pic>
+        <p:nvPicPr>
+          <p:cNvPr id="13" name="Picture 12">
+            <a:extLst>
+              <a:ext uri="{FF2B5EF4-FFF2-40B4-BE49-F238E27FC236}">
+                <a16:creationId xmlns:a16="http://schemas.microsoft.com/office/drawing/2014/main" id="{5E1E8E35-6721-A510-688C-283996A4C1E2}"/>
+              </a:ext>
+            </a:extLst>
+          </p:cNvPr>
+          <p:cNvPicPr>
+            <a:picLocks noChangeAspect="1"/>
+          </p:cNvPicPr>
+          <p:nvPr/>
+        </p:nvPicPr>
+        <p:blipFill>
+          <a:blip r:embed="rId3"/>
+          <a:stretch>
+            <a:fillRect/>
+          </a:stretch>
+        </p:blipFill>
+        <p:spPr>
+          <a:xfrm>
+            <a:off x="6693746" y="2944029"/>
+            <a:ext cx="5485816" cy="1175658"/>
+          </a:xfrm>
+          <a:prstGeom prst="rect">
+            <a:avLst/>
+          </a:prstGeom>
+        </p:spPr>
+      </p:pic>
+    </p:spTree>
+    <p:extLst>
+      <p:ext uri="{BB962C8B-B14F-4D97-AF65-F5344CB8AC3E}">
+        <p14:creationId xmlns:p14="http://schemas.microsoft.com/office/powerpoint/2010/main" val="1382264393"/>
+      </p:ext>
+    </p:extLst>
+  </p:cSld>
+  <p:clrMapOvr>
+    <a:masterClrMapping/>
+  </p:clrMapOvr>
+</p:sld>
+</file>
+
+<file path=ppt/slides/slide15.xml><?xml version="1.0" encoding="utf-8"?>
+<p:sld xmlns:a="http://schemas.openxmlformats.org/drawingml/2006/main" xmlns:r="http://schemas.openxmlformats.org/officeDocument/2006/relationships" xmlns:p="http://schemas.openxmlformats.org/presentationml/2006/main">
+  <p:cSld>
+    <p:spTree>
+      <p:nvGrpSpPr>
+        <p:cNvPr id="1" name=""/>
+        <p:cNvGrpSpPr/>
+        <p:nvPr/>
+      </p:nvGrpSpPr>
+      <p:grpSpPr>
+        <a:xfrm>
+          <a:off x="0" y="0"/>
+          <a:ext cx="0" cy="0"/>
+          <a:chOff x="0" y="0"/>
+          <a:chExt cx="0" cy="0"/>
+        </a:xfrm>
+      </p:grpSpPr>
+      <p:sp>
+        <p:nvSpPr>
+          <p:cNvPr id="101" name="Footer Placeholder 100">
+            <a:extLst>
+              <a:ext uri="{FF2B5EF4-FFF2-40B4-BE49-F238E27FC236}">
+                <a16:creationId xmlns:a16="http://schemas.microsoft.com/office/drawing/2014/main" id="{A45E958A-ABCE-B639-C555-90CCC88988C5}"/>
+              </a:ext>
+            </a:extLst>
+          </p:cNvPr>
+          <p:cNvSpPr>
+            <a:spLocks noGrp="1"/>
+          </p:cNvSpPr>
+          <p:nvPr>
+            <p:ph type="ftr" sz="quarter" idx="11"/>
+          </p:nvPr>
+        </p:nvSpPr>
+        <p:spPr/>
+        <p:txBody>
+          <a:bodyPr/>
+          <a:lstStyle/>
+          <a:p>
+            <a:r>
+              <a:rPr lang="en-US"/>
+              <a:t>Presentation title</a:t>
+            </a:r>
+            <a:endParaRPr lang="en-US" dirty="0"/>
+          </a:p>
+        </p:txBody>
+      </p:sp>
+      <p:sp>
+        <p:nvSpPr>
+          <p:cNvPr id="102" name="Slide Number Placeholder 101">
+            <a:extLst>
+              <a:ext uri="{FF2B5EF4-FFF2-40B4-BE49-F238E27FC236}">
+                <a16:creationId xmlns:a16="http://schemas.microsoft.com/office/drawing/2014/main" id="{51BDF1B8-4D26-9C08-3102-6224AA6A4D20}"/>
+              </a:ext>
+            </a:extLst>
+          </p:cNvPr>
+          <p:cNvSpPr>
+            <a:spLocks noGrp="1"/>
+          </p:cNvSpPr>
+          <p:nvPr>
+            <p:ph type="sldNum" sz="quarter" idx="12"/>
+          </p:nvPr>
+        </p:nvSpPr>
+        <p:spPr/>
+        <p:txBody>
+          <a:bodyPr/>
+          <a:lstStyle/>
+          <a:p>
+            <a:fld id="{48F63A3B-78C7-47BE-AE5E-E10140E04643}" type="slidenum">
+              <a:rPr lang="en-US" smtClean="0"/>
+              <a:pPr/>
+              <a:t>15</a:t>
+            </a:fld>
+            <a:endParaRPr lang="en-US" dirty="0"/>
+          </a:p>
+        </p:txBody>
+      </p:sp>
+      <p:sp>
+        <p:nvSpPr>
+          <p:cNvPr id="3" name="Title 2">
+            <a:extLst>
+              <a:ext uri="{FF2B5EF4-FFF2-40B4-BE49-F238E27FC236}">
+                <a16:creationId xmlns:a16="http://schemas.microsoft.com/office/drawing/2014/main" id="{192DCAB3-89B5-B430-5ED6-4980EC61A638}"/>
+              </a:ext>
+            </a:extLst>
+          </p:cNvPr>
+          <p:cNvSpPr>
+            <a:spLocks noGrp="1"/>
+          </p:cNvSpPr>
+          <p:nvPr>
+            <p:ph type="title"/>
+          </p:nvPr>
+        </p:nvSpPr>
+        <p:spPr>
+          <a:xfrm>
+            <a:off x="652956" y="1045028"/>
+            <a:ext cx="3747734" cy="379009"/>
+          </a:xfrm>
+        </p:spPr>
+        <p:txBody>
+          <a:bodyPr/>
+          <a:lstStyle/>
+          <a:p>
+            <a:r>
+              <a:rPr lang="en-US" sz="1600" dirty="0"/>
+              <a:t>1. Z-test Single Sample</a:t>
+            </a:r>
+            <a:endParaRPr lang="en-IN" sz="1600" dirty="0"/>
+          </a:p>
+        </p:txBody>
+      </p:sp>
+      <p:pic>
+        <p:nvPicPr>
+          <p:cNvPr id="5" name="Picture 4" descr="A computer screen shot of text&#10;&#10;Description automatically generated">
+            <a:extLst>
+              <a:ext uri="{FF2B5EF4-FFF2-40B4-BE49-F238E27FC236}">
+                <a16:creationId xmlns:a16="http://schemas.microsoft.com/office/drawing/2014/main" id="{A2E61B5D-F318-044B-11E1-721041C6490F}"/>
+              </a:ext>
+            </a:extLst>
+          </p:cNvPr>
+          <p:cNvPicPr>
+            <a:picLocks noChangeAspect="1"/>
+          </p:cNvPicPr>
+          <p:nvPr/>
+        </p:nvPicPr>
+        <p:blipFill>
+          <a:blip r:embed="rId2"/>
+          <a:stretch>
+            <a:fillRect/>
+          </a:stretch>
+        </p:blipFill>
+        <p:spPr>
+          <a:xfrm>
+            <a:off x="140938" y="1737545"/>
+            <a:ext cx="5098304" cy="2759810"/>
+          </a:xfrm>
+          <a:prstGeom prst="rect">
+            <a:avLst/>
+          </a:prstGeom>
+        </p:spPr>
+      </p:pic>
+      <p:sp>
+        <p:nvSpPr>
+          <p:cNvPr id="6" name="Arrow: Right 5">
+            <a:extLst>
+              <a:ext uri="{FF2B5EF4-FFF2-40B4-BE49-F238E27FC236}">
+                <a16:creationId xmlns:a16="http://schemas.microsoft.com/office/drawing/2014/main" id="{C6733BB6-4C6C-371A-5472-DAE81BB4C458}"/>
+              </a:ext>
+            </a:extLst>
+          </p:cNvPr>
+          <p:cNvSpPr/>
+          <p:nvPr/>
+        </p:nvSpPr>
+        <p:spPr>
+          <a:xfrm>
+            <a:off x="5355771" y="2323322"/>
+            <a:ext cx="2304662" cy="1175658"/>
+          </a:xfrm>
+          <a:prstGeom prst="rightArrow">
+            <a:avLst/>
+          </a:prstGeom>
+          <a:solidFill>
+            <a:schemeClr val="accent3">
+              <a:lumMod val="40000"/>
+              <a:lumOff val="60000"/>
+            </a:schemeClr>
+          </a:solidFill>
+        </p:spPr>
+        <p:style>
+          <a:lnRef idx="2">
+            <a:schemeClr val="dk1">
+              <a:shade val="15000"/>
+            </a:schemeClr>
+          </a:lnRef>
+          <a:fillRef idx="1">
+            <a:schemeClr val="dk1"/>
+          </a:fillRef>
+          <a:effectRef idx="0">
+            <a:schemeClr val="dk1"/>
+          </a:effectRef>
+          <a:fontRef idx="minor">
+            <a:schemeClr val="lt1"/>
+          </a:fontRef>
+        </p:style>
+        <p:txBody>
+          <a:bodyPr rtlCol="0" anchor="ctr"/>
+          <a:lstStyle/>
+          <a:p>
+            <a:pPr algn="ctr"/>
+            <a:r>
+              <a:rPr lang="en-US" dirty="0">
+                <a:solidFill>
+                  <a:schemeClr val="tx1"/>
+                </a:solidFill>
+              </a:rPr>
+              <a:t>Output</a:t>
+            </a:r>
+            <a:endParaRPr lang="en-IN" dirty="0">
+              <a:solidFill>
+                <a:schemeClr val="tx1"/>
+              </a:solidFill>
+            </a:endParaRPr>
+          </a:p>
+        </p:txBody>
+      </p:sp>
+      <p:pic>
+        <p:nvPicPr>
+          <p:cNvPr id="8" name="Picture 7">
+            <a:extLst>
+              <a:ext uri="{FF2B5EF4-FFF2-40B4-BE49-F238E27FC236}">
+                <a16:creationId xmlns:a16="http://schemas.microsoft.com/office/drawing/2014/main" id="{77D1F08B-755D-4378-79DC-5A60B458278B}"/>
+              </a:ext>
+            </a:extLst>
+          </p:cNvPr>
+          <p:cNvPicPr>
+            <a:picLocks noChangeAspect="1"/>
+          </p:cNvPicPr>
+          <p:nvPr/>
+        </p:nvPicPr>
+        <p:blipFill>
+          <a:blip r:embed="rId3"/>
+          <a:stretch>
+            <a:fillRect/>
+          </a:stretch>
+        </p:blipFill>
+        <p:spPr>
+          <a:xfrm>
+            <a:off x="7815738" y="2435638"/>
+            <a:ext cx="4163951" cy="1175658"/>
+          </a:xfrm>
+          <a:prstGeom prst="rect">
+            <a:avLst/>
+          </a:prstGeom>
+        </p:spPr>
+      </p:pic>
+    </p:spTree>
+    <p:extLst>
+      <p:ext uri="{BB962C8B-B14F-4D97-AF65-F5344CB8AC3E}">
+        <p14:creationId xmlns:p14="http://schemas.microsoft.com/office/powerpoint/2010/main" val="268338272"/>
+      </p:ext>
+    </p:extLst>
+  </p:cSld>
+  <p:clrMapOvr>
+    <a:masterClrMapping/>
+  </p:clrMapOvr>
+</p:sld>
+</file>
+
+<file path=ppt/slides/slide16.xml><?xml version="1.0" encoding="utf-8"?>
+<p:sld xmlns:a="http://schemas.openxmlformats.org/drawingml/2006/main" xmlns:r="http://schemas.openxmlformats.org/officeDocument/2006/relationships" xmlns:p="http://schemas.openxmlformats.org/presentationml/2006/main">
+  <p:cSld>
+    <p:spTree>
+      <p:nvGrpSpPr>
+        <p:cNvPr id="1" name=""/>
+        <p:cNvGrpSpPr/>
+        <p:nvPr/>
+      </p:nvGrpSpPr>
+      <p:grpSpPr>
+        <a:xfrm>
+          <a:off x="0" y="0"/>
+          <a:ext cx="0" cy="0"/>
+          <a:chOff x="0" y="0"/>
+          <a:chExt cx="0" cy="0"/>
+        </a:xfrm>
+      </p:grpSpPr>
+      <p:sp>
+        <p:nvSpPr>
+          <p:cNvPr id="101" name="Footer Placeholder 100">
+            <a:extLst>
+              <a:ext uri="{FF2B5EF4-FFF2-40B4-BE49-F238E27FC236}">
+                <a16:creationId xmlns:a16="http://schemas.microsoft.com/office/drawing/2014/main" id="{A45E958A-ABCE-B639-C555-90CCC88988C5}"/>
+              </a:ext>
+            </a:extLst>
+          </p:cNvPr>
+          <p:cNvSpPr>
+            <a:spLocks noGrp="1"/>
+          </p:cNvSpPr>
+          <p:nvPr>
+            <p:ph type="ftr" sz="quarter" idx="11"/>
+          </p:nvPr>
+        </p:nvSpPr>
+        <p:spPr/>
+        <p:txBody>
+          <a:bodyPr/>
+          <a:lstStyle/>
+          <a:p>
+            <a:r>
+              <a:rPr lang="en-US"/>
+              <a:t>Presentation title</a:t>
+            </a:r>
+            <a:endParaRPr lang="en-US" dirty="0"/>
+          </a:p>
+        </p:txBody>
+      </p:sp>
+      <p:sp>
+        <p:nvSpPr>
+          <p:cNvPr id="102" name="Slide Number Placeholder 101">
+            <a:extLst>
+              <a:ext uri="{FF2B5EF4-FFF2-40B4-BE49-F238E27FC236}">
+                <a16:creationId xmlns:a16="http://schemas.microsoft.com/office/drawing/2014/main" id="{51BDF1B8-4D26-9C08-3102-6224AA6A4D20}"/>
+              </a:ext>
+            </a:extLst>
+          </p:cNvPr>
+          <p:cNvSpPr>
+            <a:spLocks noGrp="1"/>
+          </p:cNvSpPr>
+          <p:nvPr>
+            <p:ph type="sldNum" sz="quarter" idx="12"/>
+          </p:nvPr>
+        </p:nvSpPr>
+        <p:spPr/>
+        <p:txBody>
+          <a:bodyPr/>
+          <a:lstStyle/>
+          <a:p>
+            <a:fld id="{48F63A3B-78C7-47BE-AE5E-E10140E04643}" type="slidenum">
+              <a:rPr lang="en-US" smtClean="0"/>
+              <a:pPr/>
+              <a:t>16</a:t>
+            </a:fld>
+            <a:endParaRPr lang="en-US" dirty="0"/>
+          </a:p>
+        </p:txBody>
+      </p:sp>
+      <p:sp>
+        <p:nvSpPr>
+          <p:cNvPr id="29" name="TextBox 28">
+            <a:extLst>
+              <a:ext uri="{FF2B5EF4-FFF2-40B4-BE49-F238E27FC236}">
+                <a16:creationId xmlns:a16="http://schemas.microsoft.com/office/drawing/2014/main" id="{18DA91F8-18F2-D3C6-6ABB-0FFB2CD8EBCF}"/>
+              </a:ext>
+            </a:extLst>
+          </p:cNvPr>
+          <p:cNvSpPr txBox="1"/>
+          <p:nvPr/>
+        </p:nvSpPr>
+        <p:spPr>
+          <a:xfrm>
+            <a:off x="5047099" y="3136612"/>
+            <a:ext cx="2097802" cy="584775"/>
+          </a:xfrm>
+          <a:prstGeom prst="rect">
+            <a:avLst/>
+          </a:prstGeom>
+          <a:noFill/>
+        </p:spPr>
+        <p:txBody>
+          <a:bodyPr wrap="square" rtlCol="0">
+            <a:spAutoFit/>
+          </a:bodyPr>
+          <a:lstStyle/>
+          <a:p>
+            <a:r>
+              <a:rPr lang="en-US" sz="3200" dirty="0">
+                <a:latin typeface="+mj-lt"/>
+              </a:rPr>
+              <a:t>Unit-III</a:t>
+            </a:r>
+            <a:endParaRPr lang="en-IN" sz="3200" dirty="0">
+              <a:latin typeface="+mj-lt"/>
+            </a:endParaRPr>
+          </a:p>
+        </p:txBody>
+      </p:sp>
+    </p:spTree>
+    <p:extLst>
+      <p:ext uri="{BB962C8B-B14F-4D97-AF65-F5344CB8AC3E}">
+        <p14:creationId xmlns:p14="http://schemas.microsoft.com/office/powerpoint/2010/main" val="1204039702"/>
+      </p:ext>
+    </p:extLst>
+  </p:cSld>
+  <p:clrMapOvr>
+    <a:masterClrMapping/>
+  </p:clrMapOvr>
+</p:sld>
+</file>
+
+<file path=ppt/slides/slide17.xml><?xml version="1.0" encoding="utf-8"?>
+<p:sld xmlns:a="http://schemas.openxmlformats.org/drawingml/2006/main" xmlns:r="http://schemas.openxmlformats.org/officeDocument/2006/relationships" xmlns:p="http://schemas.openxmlformats.org/presentationml/2006/main">
+  <p:cSld>
+    <p:spTree>
+      <p:nvGrpSpPr>
+        <p:cNvPr id="1" name=""/>
+        <p:cNvGrpSpPr/>
+        <p:nvPr/>
+      </p:nvGrpSpPr>
+      <p:grpSpPr>
+        <a:xfrm>
+          <a:off x="0" y="0"/>
+          <a:ext cx="0" cy="0"/>
+          <a:chOff x="0" y="0"/>
+          <a:chExt cx="0" cy="0"/>
+        </a:xfrm>
+      </p:grpSpPr>
+      <p:sp>
+        <p:nvSpPr>
+          <p:cNvPr id="101" name="Footer Placeholder 100">
+            <a:extLst>
+              <a:ext uri="{FF2B5EF4-FFF2-40B4-BE49-F238E27FC236}">
+                <a16:creationId xmlns:a16="http://schemas.microsoft.com/office/drawing/2014/main" id="{A45E958A-ABCE-B639-C555-90CCC88988C5}"/>
+              </a:ext>
+            </a:extLst>
+          </p:cNvPr>
+          <p:cNvSpPr>
+            <a:spLocks noGrp="1"/>
+          </p:cNvSpPr>
+          <p:nvPr>
+            <p:ph type="ftr" sz="quarter" idx="11"/>
+          </p:nvPr>
+        </p:nvSpPr>
+        <p:spPr/>
+        <p:txBody>
+          <a:bodyPr/>
+          <a:lstStyle/>
+          <a:p>
+            <a:r>
+              <a:rPr lang="en-US"/>
+              <a:t>Presentation title</a:t>
+            </a:r>
+            <a:endParaRPr lang="en-US" dirty="0"/>
+          </a:p>
+        </p:txBody>
+      </p:sp>
+      <p:sp>
+        <p:nvSpPr>
+          <p:cNvPr id="102" name="Slide Number Placeholder 101">
+            <a:extLst>
+              <a:ext uri="{FF2B5EF4-FFF2-40B4-BE49-F238E27FC236}">
+                <a16:creationId xmlns:a16="http://schemas.microsoft.com/office/drawing/2014/main" id="{51BDF1B8-4D26-9C08-3102-6224AA6A4D20}"/>
+              </a:ext>
+            </a:extLst>
+          </p:cNvPr>
+          <p:cNvSpPr>
+            <a:spLocks noGrp="1"/>
+          </p:cNvSpPr>
+          <p:nvPr>
+            <p:ph type="sldNum" sz="quarter" idx="12"/>
+          </p:nvPr>
+        </p:nvSpPr>
+        <p:spPr/>
+        <p:txBody>
+          <a:bodyPr/>
+          <a:lstStyle/>
+          <a:p>
+            <a:fld id="{48F63A3B-78C7-47BE-AE5E-E10140E04643}" type="slidenum">
+              <a:rPr lang="en-US" smtClean="0"/>
+              <a:pPr/>
+              <a:t>17</a:t>
+            </a:fld>
+            <a:endParaRPr lang="en-US" dirty="0"/>
+          </a:p>
+        </p:txBody>
+      </p:sp>
+      <p:sp>
+        <p:nvSpPr>
+          <p:cNvPr id="3" name="Title 2">
+            <a:extLst>
+              <a:ext uri="{FF2B5EF4-FFF2-40B4-BE49-F238E27FC236}">
+                <a16:creationId xmlns:a16="http://schemas.microsoft.com/office/drawing/2014/main" id="{192DCAB3-89B5-B430-5ED6-4980EC61A638}"/>
+              </a:ext>
+            </a:extLst>
+          </p:cNvPr>
+          <p:cNvSpPr>
+            <a:spLocks noGrp="1"/>
+          </p:cNvSpPr>
+          <p:nvPr>
+            <p:ph type="title"/>
+          </p:nvPr>
+        </p:nvSpPr>
+        <p:spPr>
+          <a:xfrm>
+            <a:off x="652956" y="1045028"/>
+            <a:ext cx="3747734" cy="379009"/>
+          </a:xfrm>
+        </p:spPr>
+        <p:txBody>
+          <a:bodyPr/>
+          <a:lstStyle/>
+          <a:p>
+            <a:r>
+              <a:rPr lang="en-US" sz="1600" dirty="0"/>
+              <a:t>1. Runs test</a:t>
+            </a:r>
+            <a:endParaRPr lang="en-IN" sz="1600" dirty="0"/>
+          </a:p>
+        </p:txBody>
+      </p:sp>
+      <p:sp>
+        <p:nvSpPr>
+          <p:cNvPr id="6" name="Arrow: Right 5">
+            <a:extLst>
+              <a:ext uri="{FF2B5EF4-FFF2-40B4-BE49-F238E27FC236}">
+                <a16:creationId xmlns:a16="http://schemas.microsoft.com/office/drawing/2014/main" id="{C6733BB6-4C6C-371A-5472-DAE81BB4C458}"/>
+              </a:ext>
+            </a:extLst>
+          </p:cNvPr>
+          <p:cNvSpPr/>
+          <p:nvPr/>
+        </p:nvSpPr>
+        <p:spPr>
+          <a:xfrm>
+            <a:off x="4590660" y="2593910"/>
+            <a:ext cx="2304662" cy="1175658"/>
+          </a:xfrm>
+          <a:prstGeom prst="rightArrow">
+            <a:avLst/>
+          </a:prstGeom>
+          <a:solidFill>
+            <a:schemeClr val="accent3">
+              <a:lumMod val="40000"/>
+              <a:lumOff val="60000"/>
+            </a:schemeClr>
+          </a:solidFill>
+        </p:spPr>
+        <p:style>
+          <a:lnRef idx="2">
+            <a:schemeClr val="dk1">
+              <a:shade val="15000"/>
+            </a:schemeClr>
+          </a:lnRef>
+          <a:fillRef idx="1">
+            <a:schemeClr val="dk1"/>
+          </a:fillRef>
+          <a:effectRef idx="0">
+            <a:schemeClr val="dk1"/>
+          </a:effectRef>
+          <a:fontRef idx="minor">
+            <a:schemeClr val="lt1"/>
+          </a:fontRef>
+        </p:style>
+        <p:txBody>
+          <a:bodyPr rtlCol="0" anchor="ctr"/>
+          <a:lstStyle/>
+          <a:p>
+            <a:pPr algn="ctr"/>
+            <a:r>
+              <a:rPr lang="en-US" dirty="0">
+                <a:solidFill>
+                  <a:schemeClr val="tx1"/>
+                </a:solidFill>
+              </a:rPr>
+              <a:t>Output</a:t>
+            </a:r>
+            <a:endParaRPr lang="en-IN" dirty="0">
+              <a:solidFill>
+                <a:schemeClr val="tx1"/>
+              </a:solidFill>
+            </a:endParaRPr>
+          </a:p>
+        </p:txBody>
+      </p:sp>
+      <p:pic>
+        <p:nvPicPr>
+          <p:cNvPr id="4" name="Picture 3">
+            <a:extLst>
+              <a:ext uri="{FF2B5EF4-FFF2-40B4-BE49-F238E27FC236}">
+                <a16:creationId xmlns:a16="http://schemas.microsoft.com/office/drawing/2014/main" id="{F855AC79-C1E2-229C-7C19-7AAE69215275}"/>
+              </a:ext>
+            </a:extLst>
+          </p:cNvPr>
+          <p:cNvPicPr>
+            <a:picLocks noChangeAspect="1"/>
+          </p:cNvPicPr>
+          <p:nvPr/>
+        </p:nvPicPr>
+        <p:blipFill>
+          <a:blip r:embed="rId2"/>
+          <a:stretch>
+            <a:fillRect/>
+          </a:stretch>
+        </p:blipFill>
+        <p:spPr>
+          <a:xfrm>
+            <a:off x="15473" y="1737545"/>
+            <a:ext cx="4413037" cy="5067076"/>
+          </a:xfrm>
+          <a:prstGeom prst="rect">
+            <a:avLst/>
+          </a:prstGeom>
+        </p:spPr>
+      </p:pic>
+      <p:pic>
+        <p:nvPicPr>
+          <p:cNvPr id="9" name="Picture 8">
+            <a:extLst>
+              <a:ext uri="{FF2B5EF4-FFF2-40B4-BE49-F238E27FC236}">
+                <a16:creationId xmlns:a16="http://schemas.microsoft.com/office/drawing/2014/main" id="{6DB079A1-7164-D023-9174-C03600D84DCE}"/>
+              </a:ext>
+            </a:extLst>
+          </p:cNvPr>
+          <p:cNvPicPr>
+            <a:picLocks noChangeAspect="1"/>
+          </p:cNvPicPr>
+          <p:nvPr/>
+        </p:nvPicPr>
+        <p:blipFill>
+          <a:blip r:embed="rId3"/>
+          <a:stretch>
+            <a:fillRect/>
+          </a:stretch>
+        </p:blipFill>
+        <p:spPr>
+          <a:xfrm>
+            <a:off x="7057472" y="2677533"/>
+            <a:ext cx="4982273" cy="1073293"/>
+          </a:xfrm>
+          <a:prstGeom prst="rect">
+            <a:avLst/>
+          </a:prstGeom>
+        </p:spPr>
+      </p:pic>
+    </p:spTree>
+    <p:extLst>
+      <p:ext uri="{BB962C8B-B14F-4D97-AF65-F5344CB8AC3E}">
+        <p14:creationId xmlns:p14="http://schemas.microsoft.com/office/powerpoint/2010/main" val="280332661"/>
+      </p:ext>
+    </p:extLst>
+  </p:cSld>
+  <p:clrMapOvr>
+    <a:masterClrMapping/>
+  </p:clrMapOvr>
+</p:sld>
+</file>
+
+<file path=ppt/slides/slide18.xml><?xml version="1.0" encoding="utf-8"?>
+<p:sld xmlns:a="http://schemas.openxmlformats.org/drawingml/2006/main" xmlns:r="http://schemas.openxmlformats.org/officeDocument/2006/relationships" xmlns:p="http://schemas.openxmlformats.org/presentationml/2006/main">
+  <p:cSld>
+    <p:spTree>
+      <p:nvGrpSpPr>
+        <p:cNvPr id="1" name=""/>
+        <p:cNvGrpSpPr/>
+        <p:nvPr/>
+      </p:nvGrpSpPr>
+      <p:grpSpPr>
+        <a:xfrm>
+          <a:off x="0" y="0"/>
+          <a:ext cx="0" cy="0"/>
+          <a:chOff x="0" y="0"/>
+          <a:chExt cx="0" cy="0"/>
+        </a:xfrm>
+      </p:grpSpPr>
+      <p:sp>
+        <p:nvSpPr>
+          <p:cNvPr id="101" name="Footer Placeholder 100">
+            <a:extLst>
+              <a:ext uri="{FF2B5EF4-FFF2-40B4-BE49-F238E27FC236}">
+                <a16:creationId xmlns:a16="http://schemas.microsoft.com/office/drawing/2014/main" id="{A45E958A-ABCE-B639-C555-90CCC88988C5}"/>
+              </a:ext>
+            </a:extLst>
+          </p:cNvPr>
+          <p:cNvSpPr>
+            <a:spLocks noGrp="1"/>
+          </p:cNvSpPr>
+          <p:nvPr>
+            <p:ph type="ftr" sz="quarter" idx="11"/>
+          </p:nvPr>
+        </p:nvSpPr>
+        <p:spPr/>
+        <p:txBody>
+          <a:bodyPr/>
+          <a:lstStyle/>
+          <a:p>
+            <a:r>
+              <a:rPr lang="en-US"/>
+              <a:t>Presentation title</a:t>
+            </a:r>
+            <a:endParaRPr lang="en-US" dirty="0"/>
+          </a:p>
+        </p:txBody>
+      </p:sp>
+      <p:sp>
+        <p:nvSpPr>
+          <p:cNvPr id="102" name="Slide Number Placeholder 101">
+            <a:extLst>
+              <a:ext uri="{FF2B5EF4-FFF2-40B4-BE49-F238E27FC236}">
+                <a16:creationId xmlns:a16="http://schemas.microsoft.com/office/drawing/2014/main" id="{51BDF1B8-4D26-9C08-3102-6224AA6A4D20}"/>
+              </a:ext>
+            </a:extLst>
+          </p:cNvPr>
+          <p:cNvSpPr>
+            <a:spLocks noGrp="1"/>
+          </p:cNvSpPr>
+          <p:nvPr>
+            <p:ph type="sldNum" sz="quarter" idx="12"/>
+          </p:nvPr>
+        </p:nvSpPr>
+        <p:spPr/>
+        <p:txBody>
+          <a:bodyPr/>
+          <a:lstStyle/>
+          <a:p>
+            <a:fld id="{48F63A3B-78C7-47BE-AE5E-E10140E04643}" type="slidenum">
+              <a:rPr lang="en-US" smtClean="0"/>
+              <a:pPr/>
+              <a:t>18</a:t>
+            </a:fld>
+            <a:endParaRPr lang="en-US" dirty="0"/>
+          </a:p>
+        </p:txBody>
+      </p:sp>
+      <p:sp>
+        <p:nvSpPr>
+          <p:cNvPr id="3" name="Title 2">
+            <a:extLst>
+              <a:ext uri="{FF2B5EF4-FFF2-40B4-BE49-F238E27FC236}">
+                <a16:creationId xmlns:a16="http://schemas.microsoft.com/office/drawing/2014/main" id="{192DCAB3-89B5-B430-5ED6-4980EC61A638}"/>
+              </a:ext>
+            </a:extLst>
+          </p:cNvPr>
+          <p:cNvSpPr>
+            <a:spLocks noGrp="1"/>
+          </p:cNvSpPr>
+          <p:nvPr>
+            <p:ph type="title"/>
+          </p:nvPr>
+        </p:nvSpPr>
+        <p:spPr>
+          <a:xfrm>
+            <a:off x="652956" y="1045028"/>
+            <a:ext cx="3747734" cy="379009"/>
+          </a:xfrm>
+        </p:spPr>
+        <p:txBody>
+          <a:bodyPr/>
+          <a:lstStyle/>
+          <a:p>
+            <a:r>
+              <a:rPr lang="en-US" sz="1600" dirty="0"/>
+              <a:t>2. Sign test</a:t>
+            </a:r>
+            <a:endParaRPr lang="en-IN" sz="1600" dirty="0"/>
+          </a:p>
+        </p:txBody>
+      </p:sp>
+      <p:sp>
+        <p:nvSpPr>
+          <p:cNvPr id="6" name="Arrow: Right 5">
+            <a:extLst>
+              <a:ext uri="{FF2B5EF4-FFF2-40B4-BE49-F238E27FC236}">
+                <a16:creationId xmlns:a16="http://schemas.microsoft.com/office/drawing/2014/main" id="{C6733BB6-4C6C-371A-5472-DAE81BB4C458}"/>
+              </a:ext>
+            </a:extLst>
+          </p:cNvPr>
+          <p:cNvSpPr/>
+          <p:nvPr/>
+        </p:nvSpPr>
+        <p:spPr>
+          <a:xfrm>
+            <a:off x="5355771" y="2323322"/>
+            <a:ext cx="2304662" cy="1175658"/>
+          </a:xfrm>
+          <a:prstGeom prst="rightArrow">
+            <a:avLst/>
+          </a:prstGeom>
+          <a:solidFill>
+            <a:schemeClr val="accent3">
+              <a:lumMod val="40000"/>
+              <a:lumOff val="60000"/>
+            </a:schemeClr>
+          </a:solidFill>
+        </p:spPr>
+        <p:style>
+          <a:lnRef idx="2">
+            <a:schemeClr val="dk1">
+              <a:shade val="15000"/>
+            </a:schemeClr>
+          </a:lnRef>
+          <a:fillRef idx="1">
+            <a:schemeClr val="dk1"/>
+          </a:fillRef>
+          <a:effectRef idx="0">
+            <a:schemeClr val="dk1"/>
+          </a:effectRef>
+          <a:fontRef idx="minor">
+            <a:schemeClr val="lt1"/>
+          </a:fontRef>
+        </p:style>
+        <p:txBody>
+          <a:bodyPr rtlCol="0" anchor="ctr"/>
+          <a:lstStyle/>
+          <a:p>
+            <a:pPr algn="ctr"/>
+            <a:r>
+              <a:rPr lang="en-US" dirty="0">
+                <a:solidFill>
+                  <a:schemeClr val="tx1"/>
+                </a:solidFill>
+              </a:rPr>
+              <a:t>Output</a:t>
+            </a:r>
+            <a:endParaRPr lang="en-IN" dirty="0">
+              <a:solidFill>
+                <a:schemeClr val="tx1"/>
+              </a:solidFill>
+            </a:endParaRPr>
+          </a:p>
+        </p:txBody>
+      </p:sp>
+    </p:spTree>
+    <p:extLst>
+      <p:ext uri="{BB962C8B-B14F-4D97-AF65-F5344CB8AC3E}">
+        <p14:creationId xmlns:p14="http://schemas.microsoft.com/office/powerpoint/2010/main" val="1958217870"/>
+      </p:ext>
+    </p:extLst>
+  </p:cSld>
+  <p:clrMapOvr>
+    <a:masterClrMapping/>
+  </p:clrMapOvr>
+</p:sld>
+</file>
+
+<file path=ppt/slides/slide19.xml><?xml version="1.0" encoding="utf-8"?>
+<p:sld xmlns:a="http://schemas.openxmlformats.org/drawingml/2006/main" xmlns:r="http://schemas.openxmlformats.org/officeDocument/2006/relationships" xmlns:p="http://schemas.openxmlformats.org/presentationml/2006/main">
+  <p:cSld>
+    <p:spTree>
+      <p:nvGrpSpPr>
+        <p:cNvPr id="1" name=""/>
+        <p:cNvGrpSpPr/>
+        <p:nvPr/>
+      </p:nvGrpSpPr>
+      <p:grpSpPr>
+        <a:xfrm>
+          <a:off x="0" y="0"/>
+          <a:ext cx="0" cy="0"/>
+          <a:chOff x="0" y="0"/>
+          <a:chExt cx="0" cy="0"/>
+        </a:xfrm>
+      </p:grpSpPr>
+      <p:sp>
+        <p:nvSpPr>
+          <p:cNvPr id="101" name="Footer Placeholder 100">
+            <a:extLst>
+              <a:ext uri="{FF2B5EF4-FFF2-40B4-BE49-F238E27FC236}">
+                <a16:creationId xmlns:a16="http://schemas.microsoft.com/office/drawing/2014/main" id="{A45E958A-ABCE-B639-C555-90CCC88988C5}"/>
+              </a:ext>
+            </a:extLst>
+          </p:cNvPr>
+          <p:cNvSpPr>
+            <a:spLocks noGrp="1"/>
+          </p:cNvSpPr>
+          <p:nvPr>
+            <p:ph type="ftr" sz="quarter" idx="11"/>
+          </p:nvPr>
+        </p:nvSpPr>
+        <p:spPr/>
+        <p:txBody>
+          <a:bodyPr/>
+          <a:lstStyle/>
+          <a:p>
+            <a:r>
+              <a:rPr lang="en-US"/>
+              <a:t>Presentation title</a:t>
+            </a:r>
+            <a:endParaRPr lang="en-US" dirty="0"/>
+          </a:p>
+        </p:txBody>
+      </p:sp>
+      <p:sp>
+        <p:nvSpPr>
+          <p:cNvPr id="102" name="Slide Number Placeholder 101">
+            <a:extLst>
+              <a:ext uri="{FF2B5EF4-FFF2-40B4-BE49-F238E27FC236}">
+                <a16:creationId xmlns:a16="http://schemas.microsoft.com/office/drawing/2014/main" id="{51BDF1B8-4D26-9C08-3102-6224AA6A4D20}"/>
+              </a:ext>
+            </a:extLst>
+          </p:cNvPr>
+          <p:cNvSpPr>
+            <a:spLocks noGrp="1"/>
+          </p:cNvSpPr>
+          <p:nvPr>
+            <p:ph type="sldNum" sz="quarter" idx="12"/>
+          </p:nvPr>
+        </p:nvSpPr>
+        <p:spPr/>
+        <p:txBody>
+          <a:bodyPr/>
+          <a:lstStyle/>
+          <a:p>
+            <a:fld id="{48F63A3B-78C7-47BE-AE5E-E10140E04643}" type="slidenum">
+              <a:rPr lang="en-US" smtClean="0"/>
+              <a:pPr/>
+              <a:t>19</a:t>
+            </a:fld>
+            <a:endParaRPr lang="en-US" dirty="0"/>
+          </a:p>
+        </p:txBody>
+      </p:sp>
+      <p:sp>
+        <p:nvSpPr>
+          <p:cNvPr id="3" name="Title 2">
+            <a:extLst>
+              <a:ext uri="{FF2B5EF4-FFF2-40B4-BE49-F238E27FC236}">
+                <a16:creationId xmlns:a16="http://schemas.microsoft.com/office/drawing/2014/main" id="{192DCAB3-89B5-B430-5ED6-4980EC61A638}"/>
+              </a:ext>
+            </a:extLst>
+          </p:cNvPr>
+          <p:cNvSpPr>
+            <a:spLocks noGrp="1"/>
+          </p:cNvSpPr>
+          <p:nvPr>
+            <p:ph type="title"/>
+          </p:nvPr>
+        </p:nvSpPr>
+        <p:spPr>
+          <a:xfrm>
+            <a:off x="652956" y="1045028"/>
+            <a:ext cx="3747734" cy="379009"/>
+          </a:xfrm>
+        </p:spPr>
+        <p:txBody>
+          <a:bodyPr/>
+          <a:lstStyle/>
+          <a:p>
+            <a:r>
+              <a:rPr lang="en-US" sz="1600" dirty="0"/>
+              <a:t>3. paired-sign test</a:t>
+            </a:r>
+            <a:endParaRPr lang="en-IN" sz="1600" dirty="0"/>
+          </a:p>
+        </p:txBody>
+      </p:sp>
+      <p:pic>
+        <p:nvPicPr>
+          <p:cNvPr id="4" name="Picture 3">
+            <a:extLst>
+              <a:ext uri="{FF2B5EF4-FFF2-40B4-BE49-F238E27FC236}">
+                <a16:creationId xmlns:a16="http://schemas.microsoft.com/office/drawing/2014/main" id="{8FC5C87A-06F0-1E50-22AE-2EC7E645BF1A}"/>
+              </a:ext>
+            </a:extLst>
+          </p:cNvPr>
+          <p:cNvPicPr>
+            <a:picLocks noChangeAspect="1"/>
+          </p:cNvPicPr>
+          <p:nvPr/>
+        </p:nvPicPr>
+        <p:blipFill>
+          <a:blip r:embed="rId2"/>
+          <a:stretch>
+            <a:fillRect/>
+          </a:stretch>
+        </p:blipFill>
+        <p:spPr>
+          <a:xfrm>
+            <a:off x="0" y="1424037"/>
+            <a:ext cx="4945224" cy="5281649"/>
+          </a:xfrm>
+          <a:prstGeom prst="rect">
+            <a:avLst/>
+          </a:prstGeom>
+        </p:spPr>
+      </p:pic>
+      <p:pic>
+        <p:nvPicPr>
+          <p:cNvPr id="9" name="Picture 8">
+            <a:extLst>
+              <a:ext uri="{FF2B5EF4-FFF2-40B4-BE49-F238E27FC236}">
+                <a16:creationId xmlns:a16="http://schemas.microsoft.com/office/drawing/2014/main" id="{9DA49328-49EA-D219-893C-149FD55E329D}"/>
+              </a:ext>
+            </a:extLst>
+          </p:cNvPr>
+          <p:cNvPicPr>
+            <a:picLocks noChangeAspect="1"/>
+          </p:cNvPicPr>
+          <p:nvPr/>
+        </p:nvPicPr>
+        <p:blipFill>
+          <a:blip r:embed="rId3"/>
+          <a:stretch>
+            <a:fillRect/>
+          </a:stretch>
+        </p:blipFill>
+        <p:spPr>
+          <a:xfrm>
+            <a:off x="5019870" y="4433751"/>
+            <a:ext cx="7017114" cy="944347"/>
+          </a:xfrm>
+          <a:prstGeom prst="rect">
+            <a:avLst/>
+          </a:prstGeom>
+        </p:spPr>
+      </p:pic>
+      <p:sp>
+        <p:nvSpPr>
+          <p:cNvPr id="11" name="Arrow: Right 10">
+            <a:extLst>
+              <a:ext uri="{FF2B5EF4-FFF2-40B4-BE49-F238E27FC236}">
+                <a16:creationId xmlns:a16="http://schemas.microsoft.com/office/drawing/2014/main" id="{B01CF92C-7404-690F-AEFD-65C3BA2154CB}"/>
+              </a:ext>
+            </a:extLst>
+          </p:cNvPr>
+          <p:cNvSpPr/>
+          <p:nvPr/>
+        </p:nvSpPr>
+        <p:spPr>
+          <a:xfrm>
+            <a:off x="5355771" y="2323322"/>
+            <a:ext cx="2304662" cy="1175658"/>
+          </a:xfrm>
+          <a:prstGeom prst="rightArrow">
+            <a:avLst/>
+          </a:prstGeom>
+          <a:solidFill>
+            <a:schemeClr val="accent3">
+              <a:lumMod val="40000"/>
+              <a:lumOff val="60000"/>
+            </a:schemeClr>
+          </a:solidFill>
+        </p:spPr>
+        <p:style>
+          <a:lnRef idx="2">
+            <a:schemeClr val="dk1">
+              <a:shade val="15000"/>
+            </a:schemeClr>
+          </a:lnRef>
+          <a:fillRef idx="1">
+            <a:schemeClr val="dk1"/>
+          </a:fillRef>
+          <a:effectRef idx="0">
+            <a:schemeClr val="dk1"/>
+          </a:effectRef>
+          <a:fontRef idx="minor">
+            <a:schemeClr val="lt1"/>
+          </a:fontRef>
+        </p:style>
+        <p:txBody>
+          <a:bodyPr rtlCol="0" anchor="ctr"/>
+          <a:lstStyle/>
+          <a:p>
+            <a:pPr algn="ctr"/>
+            <a:r>
+              <a:rPr lang="en-US" dirty="0">
+                <a:solidFill>
+                  <a:schemeClr val="tx1"/>
+                </a:solidFill>
+              </a:rPr>
+              <a:t>Output</a:t>
+            </a:r>
+            <a:endParaRPr lang="en-IN" dirty="0">
+              <a:solidFill>
+                <a:schemeClr val="tx1"/>
+              </a:solidFill>
+            </a:endParaRPr>
+          </a:p>
+        </p:txBody>
+      </p:sp>
+    </p:spTree>
+    <p:extLst>
+      <p:ext uri="{BB962C8B-B14F-4D97-AF65-F5344CB8AC3E}">
+        <p14:creationId xmlns:p14="http://schemas.microsoft.com/office/powerpoint/2010/main" val="109294379"/>
       </p:ext>
     </p:extLst>
   </p:cSld>
@@ -23344,6 +25720,2245 @@
 </p:sld>
 </file>
 
+<file path=ppt/slides/slide20.xml><?xml version="1.0" encoding="utf-8"?>
+<p:sld xmlns:a="http://schemas.openxmlformats.org/drawingml/2006/main" xmlns:r="http://schemas.openxmlformats.org/officeDocument/2006/relationships" xmlns:p="http://schemas.openxmlformats.org/presentationml/2006/main">
+  <p:cSld>
+    <p:spTree>
+      <p:nvGrpSpPr>
+        <p:cNvPr id="1" name=""/>
+        <p:cNvGrpSpPr/>
+        <p:nvPr/>
+      </p:nvGrpSpPr>
+      <p:grpSpPr>
+        <a:xfrm>
+          <a:off x="0" y="0"/>
+          <a:ext cx="0" cy="0"/>
+          <a:chOff x="0" y="0"/>
+          <a:chExt cx="0" cy="0"/>
+        </a:xfrm>
+      </p:grpSpPr>
+      <p:sp>
+        <p:nvSpPr>
+          <p:cNvPr id="101" name="Footer Placeholder 100">
+            <a:extLst>
+              <a:ext uri="{FF2B5EF4-FFF2-40B4-BE49-F238E27FC236}">
+                <a16:creationId xmlns:a16="http://schemas.microsoft.com/office/drawing/2014/main" id="{A45E958A-ABCE-B639-C555-90CCC88988C5}"/>
+              </a:ext>
+            </a:extLst>
+          </p:cNvPr>
+          <p:cNvSpPr>
+            <a:spLocks noGrp="1"/>
+          </p:cNvSpPr>
+          <p:nvPr>
+            <p:ph type="ftr" sz="quarter" idx="11"/>
+          </p:nvPr>
+        </p:nvSpPr>
+        <p:spPr/>
+        <p:txBody>
+          <a:bodyPr/>
+          <a:lstStyle/>
+          <a:p>
+            <a:r>
+              <a:rPr lang="en-US"/>
+              <a:t>Presentation title</a:t>
+            </a:r>
+            <a:endParaRPr lang="en-US" dirty="0"/>
+          </a:p>
+        </p:txBody>
+      </p:sp>
+      <p:sp>
+        <p:nvSpPr>
+          <p:cNvPr id="102" name="Slide Number Placeholder 101">
+            <a:extLst>
+              <a:ext uri="{FF2B5EF4-FFF2-40B4-BE49-F238E27FC236}">
+                <a16:creationId xmlns:a16="http://schemas.microsoft.com/office/drawing/2014/main" id="{51BDF1B8-4D26-9C08-3102-6224AA6A4D20}"/>
+              </a:ext>
+            </a:extLst>
+          </p:cNvPr>
+          <p:cNvSpPr>
+            <a:spLocks noGrp="1"/>
+          </p:cNvSpPr>
+          <p:nvPr>
+            <p:ph type="sldNum" sz="quarter" idx="12"/>
+          </p:nvPr>
+        </p:nvSpPr>
+        <p:spPr/>
+        <p:txBody>
+          <a:bodyPr/>
+          <a:lstStyle/>
+          <a:p>
+            <a:fld id="{48F63A3B-78C7-47BE-AE5E-E10140E04643}" type="slidenum">
+              <a:rPr lang="en-US" smtClean="0"/>
+              <a:pPr/>
+              <a:t>20</a:t>
+            </a:fld>
+            <a:endParaRPr lang="en-US" dirty="0"/>
+          </a:p>
+        </p:txBody>
+      </p:sp>
+      <p:sp>
+        <p:nvSpPr>
+          <p:cNvPr id="3" name="Title 2">
+            <a:extLst>
+              <a:ext uri="{FF2B5EF4-FFF2-40B4-BE49-F238E27FC236}">
+                <a16:creationId xmlns:a16="http://schemas.microsoft.com/office/drawing/2014/main" id="{192DCAB3-89B5-B430-5ED6-4980EC61A638}"/>
+              </a:ext>
+            </a:extLst>
+          </p:cNvPr>
+          <p:cNvSpPr>
+            <a:spLocks noGrp="1"/>
+          </p:cNvSpPr>
+          <p:nvPr>
+            <p:ph type="title"/>
+          </p:nvPr>
+        </p:nvSpPr>
+        <p:spPr>
+          <a:xfrm>
+            <a:off x="652955" y="1045028"/>
+            <a:ext cx="7595305" cy="379009"/>
+          </a:xfrm>
+        </p:spPr>
+        <p:txBody>
+          <a:bodyPr/>
+          <a:lstStyle/>
+          <a:p>
+            <a:r>
+              <a:rPr lang="en-US" sz="1600" dirty="0"/>
+              <a:t>4. Wilcoxon rank sum test or </a:t>
+            </a:r>
+            <a:r>
+              <a:rPr lang="en-US" sz="1600" dirty="0" err="1"/>
+              <a:t>mann-whitney</a:t>
+            </a:r>
+            <a:r>
+              <a:rPr lang="en-US" sz="1600" dirty="0"/>
+              <a:t> u-test</a:t>
+            </a:r>
+            <a:endParaRPr lang="en-IN" sz="1600" dirty="0"/>
+          </a:p>
+        </p:txBody>
+      </p:sp>
+      <p:sp>
+        <p:nvSpPr>
+          <p:cNvPr id="6" name="Arrow: Right 5">
+            <a:extLst>
+              <a:ext uri="{FF2B5EF4-FFF2-40B4-BE49-F238E27FC236}">
+                <a16:creationId xmlns:a16="http://schemas.microsoft.com/office/drawing/2014/main" id="{C6733BB6-4C6C-371A-5472-DAE81BB4C458}"/>
+              </a:ext>
+            </a:extLst>
+          </p:cNvPr>
+          <p:cNvSpPr/>
+          <p:nvPr/>
+        </p:nvSpPr>
+        <p:spPr>
+          <a:xfrm>
+            <a:off x="4450607" y="2724539"/>
+            <a:ext cx="2304662" cy="1175658"/>
+          </a:xfrm>
+          <a:prstGeom prst="rightArrow">
+            <a:avLst/>
+          </a:prstGeom>
+          <a:solidFill>
+            <a:schemeClr val="accent3">
+              <a:lumMod val="40000"/>
+              <a:lumOff val="60000"/>
+            </a:schemeClr>
+          </a:solidFill>
+        </p:spPr>
+        <p:style>
+          <a:lnRef idx="2">
+            <a:schemeClr val="dk1">
+              <a:shade val="15000"/>
+            </a:schemeClr>
+          </a:lnRef>
+          <a:fillRef idx="1">
+            <a:schemeClr val="dk1"/>
+          </a:fillRef>
+          <a:effectRef idx="0">
+            <a:schemeClr val="dk1"/>
+          </a:effectRef>
+          <a:fontRef idx="minor">
+            <a:schemeClr val="lt1"/>
+          </a:fontRef>
+        </p:style>
+        <p:txBody>
+          <a:bodyPr rtlCol="0" anchor="ctr"/>
+          <a:lstStyle/>
+          <a:p>
+            <a:pPr algn="ctr"/>
+            <a:r>
+              <a:rPr lang="en-US" dirty="0">
+                <a:solidFill>
+                  <a:schemeClr val="tx1"/>
+                </a:solidFill>
+              </a:rPr>
+              <a:t>Output</a:t>
+            </a:r>
+            <a:endParaRPr lang="en-IN" dirty="0">
+              <a:solidFill>
+                <a:schemeClr val="tx1"/>
+              </a:solidFill>
+            </a:endParaRPr>
+          </a:p>
+        </p:txBody>
+      </p:sp>
+      <p:pic>
+        <p:nvPicPr>
+          <p:cNvPr id="4" name="Picture 3">
+            <a:extLst>
+              <a:ext uri="{FF2B5EF4-FFF2-40B4-BE49-F238E27FC236}">
+                <a16:creationId xmlns:a16="http://schemas.microsoft.com/office/drawing/2014/main" id="{F0EE5D92-0BC5-0530-A51E-CED9DFB65132}"/>
+              </a:ext>
+            </a:extLst>
+          </p:cNvPr>
+          <p:cNvPicPr>
+            <a:picLocks noChangeAspect="1"/>
+          </p:cNvPicPr>
+          <p:nvPr/>
+        </p:nvPicPr>
+        <p:blipFill>
+          <a:blip r:embed="rId2"/>
+          <a:stretch>
+            <a:fillRect/>
+          </a:stretch>
+        </p:blipFill>
+        <p:spPr>
+          <a:xfrm>
+            <a:off x="0" y="1558211"/>
+            <a:ext cx="4357396" cy="4506686"/>
+          </a:xfrm>
+          <a:prstGeom prst="rect">
+            <a:avLst/>
+          </a:prstGeom>
+        </p:spPr>
+      </p:pic>
+      <p:pic>
+        <p:nvPicPr>
+          <p:cNvPr id="9" name="Picture 8">
+            <a:extLst>
+              <a:ext uri="{FF2B5EF4-FFF2-40B4-BE49-F238E27FC236}">
+                <a16:creationId xmlns:a16="http://schemas.microsoft.com/office/drawing/2014/main" id="{2780DF97-9BFF-AA45-D346-253B1CEEACC3}"/>
+              </a:ext>
+            </a:extLst>
+          </p:cNvPr>
+          <p:cNvPicPr>
+            <a:picLocks noChangeAspect="1"/>
+          </p:cNvPicPr>
+          <p:nvPr/>
+        </p:nvPicPr>
+        <p:blipFill>
+          <a:blip r:embed="rId3"/>
+          <a:stretch>
+            <a:fillRect/>
+          </a:stretch>
+        </p:blipFill>
+        <p:spPr>
+          <a:xfrm>
+            <a:off x="5029200" y="3974841"/>
+            <a:ext cx="7216096" cy="1094976"/>
+          </a:xfrm>
+          <a:prstGeom prst="rect">
+            <a:avLst/>
+          </a:prstGeom>
+        </p:spPr>
+      </p:pic>
+    </p:spTree>
+    <p:extLst>
+      <p:ext uri="{BB962C8B-B14F-4D97-AF65-F5344CB8AC3E}">
+        <p14:creationId xmlns:p14="http://schemas.microsoft.com/office/powerpoint/2010/main" val="2022357455"/>
+      </p:ext>
+    </p:extLst>
+  </p:cSld>
+  <p:clrMapOvr>
+    <a:masterClrMapping/>
+  </p:clrMapOvr>
+</p:sld>
+</file>
+
+<file path=ppt/slides/slide21.xml><?xml version="1.0" encoding="utf-8"?>
+<p:sld xmlns:a="http://schemas.openxmlformats.org/drawingml/2006/main" xmlns:r="http://schemas.openxmlformats.org/officeDocument/2006/relationships" xmlns:p="http://schemas.openxmlformats.org/presentationml/2006/main">
+  <p:cSld>
+    <p:spTree>
+      <p:nvGrpSpPr>
+        <p:cNvPr id="1" name=""/>
+        <p:cNvGrpSpPr/>
+        <p:nvPr/>
+      </p:nvGrpSpPr>
+      <p:grpSpPr>
+        <a:xfrm>
+          <a:off x="0" y="0"/>
+          <a:ext cx="0" cy="0"/>
+          <a:chOff x="0" y="0"/>
+          <a:chExt cx="0" cy="0"/>
+        </a:xfrm>
+      </p:grpSpPr>
+      <p:sp>
+        <p:nvSpPr>
+          <p:cNvPr id="101" name="Footer Placeholder 100">
+            <a:extLst>
+              <a:ext uri="{FF2B5EF4-FFF2-40B4-BE49-F238E27FC236}">
+                <a16:creationId xmlns:a16="http://schemas.microsoft.com/office/drawing/2014/main" id="{A45E958A-ABCE-B639-C555-90CCC88988C5}"/>
+              </a:ext>
+            </a:extLst>
+          </p:cNvPr>
+          <p:cNvSpPr>
+            <a:spLocks noGrp="1"/>
+          </p:cNvSpPr>
+          <p:nvPr>
+            <p:ph type="ftr" sz="quarter" idx="11"/>
+          </p:nvPr>
+        </p:nvSpPr>
+        <p:spPr/>
+        <p:txBody>
+          <a:bodyPr/>
+          <a:lstStyle/>
+          <a:p>
+            <a:r>
+              <a:rPr lang="en-US"/>
+              <a:t>Presentation title</a:t>
+            </a:r>
+            <a:endParaRPr lang="en-US" dirty="0"/>
+          </a:p>
+        </p:txBody>
+      </p:sp>
+      <p:sp>
+        <p:nvSpPr>
+          <p:cNvPr id="102" name="Slide Number Placeholder 101">
+            <a:extLst>
+              <a:ext uri="{FF2B5EF4-FFF2-40B4-BE49-F238E27FC236}">
+                <a16:creationId xmlns:a16="http://schemas.microsoft.com/office/drawing/2014/main" id="{51BDF1B8-4D26-9C08-3102-6224AA6A4D20}"/>
+              </a:ext>
+            </a:extLst>
+          </p:cNvPr>
+          <p:cNvSpPr>
+            <a:spLocks noGrp="1"/>
+          </p:cNvSpPr>
+          <p:nvPr>
+            <p:ph type="sldNum" sz="quarter" idx="12"/>
+          </p:nvPr>
+        </p:nvSpPr>
+        <p:spPr/>
+        <p:txBody>
+          <a:bodyPr/>
+          <a:lstStyle/>
+          <a:p>
+            <a:fld id="{48F63A3B-78C7-47BE-AE5E-E10140E04643}" type="slidenum">
+              <a:rPr lang="en-US" smtClean="0"/>
+              <a:pPr/>
+              <a:t>21</a:t>
+            </a:fld>
+            <a:endParaRPr lang="en-US" dirty="0"/>
+          </a:p>
+        </p:txBody>
+      </p:sp>
+      <p:sp>
+        <p:nvSpPr>
+          <p:cNvPr id="3" name="Title 2">
+            <a:extLst>
+              <a:ext uri="{FF2B5EF4-FFF2-40B4-BE49-F238E27FC236}">
+                <a16:creationId xmlns:a16="http://schemas.microsoft.com/office/drawing/2014/main" id="{192DCAB3-89B5-B430-5ED6-4980EC61A638}"/>
+              </a:ext>
+            </a:extLst>
+          </p:cNvPr>
+          <p:cNvSpPr>
+            <a:spLocks noGrp="1"/>
+          </p:cNvSpPr>
+          <p:nvPr>
+            <p:ph type="title"/>
+          </p:nvPr>
+        </p:nvSpPr>
+        <p:spPr>
+          <a:xfrm>
+            <a:off x="652956" y="1045028"/>
+            <a:ext cx="4320260" cy="379009"/>
+          </a:xfrm>
+        </p:spPr>
+        <p:txBody>
+          <a:bodyPr/>
+          <a:lstStyle/>
+          <a:p>
+            <a:r>
+              <a:rPr lang="en-US" sz="1600" dirty="0"/>
+              <a:t>5. Wilcoxon signed-rank test</a:t>
+            </a:r>
+            <a:endParaRPr lang="en-IN" sz="1600" dirty="0"/>
+          </a:p>
+        </p:txBody>
+      </p:sp>
+      <p:sp>
+        <p:nvSpPr>
+          <p:cNvPr id="6" name="Arrow: Right 5">
+            <a:extLst>
+              <a:ext uri="{FF2B5EF4-FFF2-40B4-BE49-F238E27FC236}">
+                <a16:creationId xmlns:a16="http://schemas.microsoft.com/office/drawing/2014/main" id="{C6733BB6-4C6C-371A-5472-DAE81BB4C458}"/>
+              </a:ext>
+            </a:extLst>
+          </p:cNvPr>
+          <p:cNvSpPr/>
+          <p:nvPr/>
+        </p:nvSpPr>
+        <p:spPr>
+          <a:xfrm>
+            <a:off x="4943669" y="2323322"/>
+            <a:ext cx="2304662" cy="1175658"/>
+          </a:xfrm>
+          <a:prstGeom prst="rightArrow">
+            <a:avLst/>
+          </a:prstGeom>
+          <a:solidFill>
+            <a:schemeClr val="accent3">
+              <a:lumMod val="40000"/>
+              <a:lumOff val="60000"/>
+            </a:schemeClr>
+          </a:solidFill>
+        </p:spPr>
+        <p:style>
+          <a:lnRef idx="2">
+            <a:schemeClr val="dk1">
+              <a:shade val="15000"/>
+            </a:schemeClr>
+          </a:lnRef>
+          <a:fillRef idx="1">
+            <a:schemeClr val="dk1"/>
+          </a:fillRef>
+          <a:effectRef idx="0">
+            <a:schemeClr val="dk1"/>
+          </a:effectRef>
+          <a:fontRef idx="minor">
+            <a:schemeClr val="lt1"/>
+          </a:fontRef>
+        </p:style>
+        <p:txBody>
+          <a:bodyPr rtlCol="0" anchor="ctr"/>
+          <a:lstStyle/>
+          <a:p>
+            <a:pPr algn="ctr"/>
+            <a:r>
+              <a:rPr lang="en-US" dirty="0">
+                <a:solidFill>
+                  <a:schemeClr val="tx1"/>
+                </a:solidFill>
+              </a:rPr>
+              <a:t>Output</a:t>
+            </a:r>
+            <a:endParaRPr lang="en-IN" dirty="0">
+              <a:solidFill>
+                <a:schemeClr val="tx1"/>
+              </a:solidFill>
+            </a:endParaRPr>
+          </a:p>
+        </p:txBody>
+      </p:sp>
+      <p:pic>
+        <p:nvPicPr>
+          <p:cNvPr id="4" name="Picture 3">
+            <a:extLst>
+              <a:ext uri="{FF2B5EF4-FFF2-40B4-BE49-F238E27FC236}">
+                <a16:creationId xmlns:a16="http://schemas.microsoft.com/office/drawing/2014/main" id="{DFF7EE59-D364-11F3-FD7A-29B4BF51642D}"/>
+              </a:ext>
+            </a:extLst>
+          </p:cNvPr>
+          <p:cNvPicPr>
+            <a:picLocks noChangeAspect="1"/>
+          </p:cNvPicPr>
+          <p:nvPr/>
+        </p:nvPicPr>
+        <p:blipFill>
+          <a:blip r:embed="rId2"/>
+          <a:stretch>
+            <a:fillRect/>
+          </a:stretch>
+        </p:blipFill>
+        <p:spPr>
+          <a:xfrm>
+            <a:off x="10468" y="1728215"/>
+            <a:ext cx="4804128" cy="4414892"/>
+          </a:xfrm>
+          <a:prstGeom prst="rect">
+            <a:avLst/>
+          </a:prstGeom>
+        </p:spPr>
+      </p:pic>
+      <p:pic>
+        <p:nvPicPr>
+          <p:cNvPr id="7" name="Picture 6">
+            <a:extLst>
+              <a:ext uri="{FF2B5EF4-FFF2-40B4-BE49-F238E27FC236}">
+                <a16:creationId xmlns:a16="http://schemas.microsoft.com/office/drawing/2014/main" id="{FF39DC5F-3779-9A66-C9EE-9A8DBB045EA5}"/>
+              </a:ext>
+            </a:extLst>
+          </p:cNvPr>
+          <p:cNvPicPr>
+            <a:picLocks noChangeAspect="1"/>
+          </p:cNvPicPr>
+          <p:nvPr/>
+        </p:nvPicPr>
+        <p:blipFill>
+          <a:blip r:embed="rId3"/>
+          <a:stretch>
+            <a:fillRect/>
+          </a:stretch>
+        </p:blipFill>
+        <p:spPr>
+          <a:xfrm>
+            <a:off x="5381958" y="3767484"/>
+            <a:ext cx="6799574" cy="1175658"/>
+          </a:xfrm>
+          <a:prstGeom prst="rect">
+            <a:avLst/>
+          </a:prstGeom>
+        </p:spPr>
+      </p:pic>
+    </p:spTree>
+    <p:extLst>
+      <p:ext uri="{BB962C8B-B14F-4D97-AF65-F5344CB8AC3E}">
+        <p14:creationId xmlns:p14="http://schemas.microsoft.com/office/powerpoint/2010/main" val="3057135485"/>
+      </p:ext>
+    </p:extLst>
+  </p:cSld>
+  <p:clrMapOvr>
+    <a:masterClrMapping/>
+  </p:clrMapOvr>
+</p:sld>
+</file>
+
+<file path=ppt/slides/slide22.xml><?xml version="1.0" encoding="utf-8"?>
+<p:sld xmlns:a="http://schemas.openxmlformats.org/drawingml/2006/main" xmlns:r="http://schemas.openxmlformats.org/officeDocument/2006/relationships" xmlns:p="http://schemas.openxmlformats.org/presentationml/2006/main">
+  <p:cSld>
+    <p:spTree>
+      <p:nvGrpSpPr>
+        <p:cNvPr id="1" name=""/>
+        <p:cNvGrpSpPr/>
+        <p:nvPr/>
+      </p:nvGrpSpPr>
+      <p:grpSpPr>
+        <a:xfrm>
+          <a:off x="0" y="0"/>
+          <a:ext cx="0" cy="0"/>
+          <a:chOff x="0" y="0"/>
+          <a:chExt cx="0" cy="0"/>
+        </a:xfrm>
+      </p:grpSpPr>
+      <p:sp>
+        <p:nvSpPr>
+          <p:cNvPr id="101" name="Footer Placeholder 100">
+            <a:extLst>
+              <a:ext uri="{FF2B5EF4-FFF2-40B4-BE49-F238E27FC236}">
+                <a16:creationId xmlns:a16="http://schemas.microsoft.com/office/drawing/2014/main" id="{A45E958A-ABCE-B639-C555-90CCC88988C5}"/>
+              </a:ext>
+            </a:extLst>
+          </p:cNvPr>
+          <p:cNvSpPr>
+            <a:spLocks noGrp="1"/>
+          </p:cNvSpPr>
+          <p:nvPr>
+            <p:ph type="ftr" sz="quarter" idx="11"/>
+          </p:nvPr>
+        </p:nvSpPr>
+        <p:spPr/>
+        <p:txBody>
+          <a:bodyPr/>
+          <a:lstStyle/>
+          <a:p>
+            <a:r>
+              <a:rPr lang="en-US"/>
+              <a:t>Presentation title</a:t>
+            </a:r>
+            <a:endParaRPr lang="en-US" dirty="0"/>
+          </a:p>
+        </p:txBody>
+      </p:sp>
+      <p:sp>
+        <p:nvSpPr>
+          <p:cNvPr id="102" name="Slide Number Placeholder 101">
+            <a:extLst>
+              <a:ext uri="{FF2B5EF4-FFF2-40B4-BE49-F238E27FC236}">
+                <a16:creationId xmlns:a16="http://schemas.microsoft.com/office/drawing/2014/main" id="{51BDF1B8-4D26-9C08-3102-6224AA6A4D20}"/>
+              </a:ext>
+            </a:extLst>
+          </p:cNvPr>
+          <p:cNvSpPr>
+            <a:spLocks noGrp="1"/>
+          </p:cNvSpPr>
+          <p:nvPr>
+            <p:ph type="sldNum" sz="quarter" idx="12"/>
+          </p:nvPr>
+        </p:nvSpPr>
+        <p:spPr/>
+        <p:txBody>
+          <a:bodyPr/>
+          <a:lstStyle/>
+          <a:p>
+            <a:fld id="{48F63A3B-78C7-47BE-AE5E-E10140E04643}" type="slidenum">
+              <a:rPr lang="en-US" smtClean="0"/>
+              <a:pPr/>
+              <a:t>22</a:t>
+            </a:fld>
+            <a:endParaRPr lang="en-US" dirty="0"/>
+          </a:p>
+        </p:txBody>
+      </p:sp>
+      <p:sp>
+        <p:nvSpPr>
+          <p:cNvPr id="29" name="TextBox 28">
+            <a:extLst>
+              <a:ext uri="{FF2B5EF4-FFF2-40B4-BE49-F238E27FC236}">
+                <a16:creationId xmlns:a16="http://schemas.microsoft.com/office/drawing/2014/main" id="{18DA91F8-18F2-D3C6-6ABB-0FFB2CD8EBCF}"/>
+              </a:ext>
+            </a:extLst>
+          </p:cNvPr>
+          <p:cNvSpPr txBox="1"/>
+          <p:nvPr/>
+        </p:nvSpPr>
+        <p:spPr>
+          <a:xfrm>
+            <a:off x="5047099" y="3136612"/>
+            <a:ext cx="2097802" cy="584775"/>
+          </a:xfrm>
+          <a:prstGeom prst="rect">
+            <a:avLst/>
+          </a:prstGeom>
+          <a:noFill/>
+        </p:spPr>
+        <p:txBody>
+          <a:bodyPr wrap="square" rtlCol="0">
+            <a:spAutoFit/>
+          </a:bodyPr>
+          <a:lstStyle/>
+          <a:p>
+            <a:r>
+              <a:rPr lang="en-US" sz="3200" dirty="0">
+                <a:latin typeface="+mj-lt"/>
+              </a:rPr>
+              <a:t>Unit-IV</a:t>
+            </a:r>
+            <a:endParaRPr lang="en-IN" sz="3200" dirty="0">
+              <a:latin typeface="+mj-lt"/>
+            </a:endParaRPr>
+          </a:p>
+        </p:txBody>
+      </p:sp>
+    </p:spTree>
+    <p:extLst>
+      <p:ext uri="{BB962C8B-B14F-4D97-AF65-F5344CB8AC3E}">
+        <p14:creationId xmlns:p14="http://schemas.microsoft.com/office/powerpoint/2010/main" val="3466572236"/>
+      </p:ext>
+    </p:extLst>
+  </p:cSld>
+  <p:clrMapOvr>
+    <a:masterClrMapping/>
+  </p:clrMapOvr>
+</p:sld>
+</file>
+
+<file path=ppt/slides/slide23.xml><?xml version="1.0" encoding="utf-8"?>
+<p:sld xmlns:a="http://schemas.openxmlformats.org/drawingml/2006/main" xmlns:r="http://schemas.openxmlformats.org/officeDocument/2006/relationships" xmlns:p="http://schemas.openxmlformats.org/presentationml/2006/main">
+  <p:cSld>
+    <p:spTree>
+      <p:nvGrpSpPr>
+        <p:cNvPr id="1" name=""/>
+        <p:cNvGrpSpPr/>
+        <p:nvPr/>
+      </p:nvGrpSpPr>
+      <p:grpSpPr>
+        <a:xfrm>
+          <a:off x="0" y="0"/>
+          <a:ext cx="0" cy="0"/>
+          <a:chOff x="0" y="0"/>
+          <a:chExt cx="0" cy="0"/>
+        </a:xfrm>
+      </p:grpSpPr>
+      <p:sp>
+        <p:nvSpPr>
+          <p:cNvPr id="101" name="Footer Placeholder 100">
+            <a:extLst>
+              <a:ext uri="{FF2B5EF4-FFF2-40B4-BE49-F238E27FC236}">
+                <a16:creationId xmlns:a16="http://schemas.microsoft.com/office/drawing/2014/main" id="{A45E958A-ABCE-B639-C555-90CCC88988C5}"/>
+              </a:ext>
+            </a:extLst>
+          </p:cNvPr>
+          <p:cNvSpPr>
+            <a:spLocks noGrp="1"/>
+          </p:cNvSpPr>
+          <p:nvPr>
+            <p:ph type="ftr" sz="quarter" idx="11"/>
+          </p:nvPr>
+        </p:nvSpPr>
+        <p:spPr/>
+        <p:txBody>
+          <a:bodyPr/>
+          <a:lstStyle/>
+          <a:p>
+            <a:r>
+              <a:rPr lang="en-US"/>
+              <a:t>Presentation title</a:t>
+            </a:r>
+            <a:endParaRPr lang="en-US" dirty="0"/>
+          </a:p>
+        </p:txBody>
+      </p:sp>
+      <p:sp>
+        <p:nvSpPr>
+          <p:cNvPr id="102" name="Slide Number Placeholder 101">
+            <a:extLst>
+              <a:ext uri="{FF2B5EF4-FFF2-40B4-BE49-F238E27FC236}">
+                <a16:creationId xmlns:a16="http://schemas.microsoft.com/office/drawing/2014/main" id="{51BDF1B8-4D26-9C08-3102-6224AA6A4D20}"/>
+              </a:ext>
+            </a:extLst>
+          </p:cNvPr>
+          <p:cNvSpPr>
+            <a:spLocks noGrp="1"/>
+          </p:cNvSpPr>
+          <p:nvPr>
+            <p:ph type="sldNum" sz="quarter" idx="12"/>
+          </p:nvPr>
+        </p:nvSpPr>
+        <p:spPr/>
+        <p:txBody>
+          <a:bodyPr/>
+          <a:lstStyle/>
+          <a:p>
+            <a:fld id="{48F63A3B-78C7-47BE-AE5E-E10140E04643}" type="slidenum">
+              <a:rPr lang="en-US" smtClean="0"/>
+              <a:pPr/>
+              <a:t>23</a:t>
+            </a:fld>
+            <a:endParaRPr lang="en-US" dirty="0"/>
+          </a:p>
+        </p:txBody>
+      </p:sp>
+      <p:sp>
+        <p:nvSpPr>
+          <p:cNvPr id="3" name="Title 2">
+            <a:extLst>
+              <a:ext uri="{FF2B5EF4-FFF2-40B4-BE49-F238E27FC236}">
+                <a16:creationId xmlns:a16="http://schemas.microsoft.com/office/drawing/2014/main" id="{192DCAB3-89B5-B430-5ED6-4980EC61A638}"/>
+              </a:ext>
+            </a:extLst>
+          </p:cNvPr>
+          <p:cNvSpPr>
+            <a:spLocks noGrp="1"/>
+          </p:cNvSpPr>
+          <p:nvPr>
+            <p:ph type="title"/>
+          </p:nvPr>
+        </p:nvSpPr>
+        <p:spPr>
+          <a:xfrm>
+            <a:off x="652956" y="1045028"/>
+            <a:ext cx="3747734" cy="379009"/>
+          </a:xfrm>
+        </p:spPr>
+        <p:txBody>
+          <a:bodyPr/>
+          <a:lstStyle/>
+          <a:p>
+            <a:r>
+              <a:rPr lang="en-US" sz="1600" dirty="0"/>
+              <a:t>1. Goodness test</a:t>
+            </a:r>
+            <a:endParaRPr lang="en-IN" sz="1600" dirty="0"/>
+          </a:p>
+        </p:txBody>
+      </p:sp>
+      <p:sp>
+        <p:nvSpPr>
+          <p:cNvPr id="6" name="Arrow: Right 5">
+            <a:extLst>
+              <a:ext uri="{FF2B5EF4-FFF2-40B4-BE49-F238E27FC236}">
+                <a16:creationId xmlns:a16="http://schemas.microsoft.com/office/drawing/2014/main" id="{C6733BB6-4C6C-371A-5472-DAE81BB4C458}"/>
+              </a:ext>
+            </a:extLst>
+          </p:cNvPr>
+          <p:cNvSpPr/>
+          <p:nvPr/>
+        </p:nvSpPr>
+        <p:spPr>
+          <a:xfrm>
+            <a:off x="5663681" y="2078422"/>
+            <a:ext cx="2304662" cy="1175658"/>
+          </a:xfrm>
+          <a:prstGeom prst="rightArrow">
+            <a:avLst/>
+          </a:prstGeom>
+          <a:solidFill>
+            <a:schemeClr val="accent3">
+              <a:lumMod val="40000"/>
+              <a:lumOff val="60000"/>
+            </a:schemeClr>
+          </a:solidFill>
+        </p:spPr>
+        <p:style>
+          <a:lnRef idx="2">
+            <a:schemeClr val="dk1">
+              <a:shade val="15000"/>
+            </a:schemeClr>
+          </a:lnRef>
+          <a:fillRef idx="1">
+            <a:schemeClr val="dk1"/>
+          </a:fillRef>
+          <a:effectRef idx="0">
+            <a:schemeClr val="dk1"/>
+          </a:effectRef>
+          <a:fontRef idx="minor">
+            <a:schemeClr val="lt1"/>
+          </a:fontRef>
+        </p:style>
+        <p:txBody>
+          <a:bodyPr rtlCol="0" anchor="ctr"/>
+          <a:lstStyle/>
+          <a:p>
+            <a:pPr algn="ctr"/>
+            <a:r>
+              <a:rPr lang="en-US" dirty="0">
+                <a:solidFill>
+                  <a:schemeClr val="tx1"/>
+                </a:solidFill>
+              </a:rPr>
+              <a:t>Output</a:t>
+            </a:r>
+            <a:endParaRPr lang="en-IN" dirty="0">
+              <a:solidFill>
+                <a:schemeClr val="tx1"/>
+              </a:solidFill>
+            </a:endParaRPr>
+          </a:p>
+        </p:txBody>
+      </p:sp>
+      <p:pic>
+        <p:nvPicPr>
+          <p:cNvPr id="4" name="Picture 3">
+            <a:extLst>
+              <a:ext uri="{FF2B5EF4-FFF2-40B4-BE49-F238E27FC236}">
+                <a16:creationId xmlns:a16="http://schemas.microsoft.com/office/drawing/2014/main" id="{F35F3F32-60F3-7D6F-B8FD-DE2D4D82DC93}"/>
+              </a:ext>
+            </a:extLst>
+          </p:cNvPr>
+          <p:cNvPicPr>
+            <a:picLocks noChangeAspect="1"/>
+          </p:cNvPicPr>
+          <p:nvPr/>
+        </p:nvPicPr>
+        <p:blipFill>
+          <a:blip r:embed="rId2"/>
+          <a:stretch>
+            <a:fillRect/>
+          </a:stretch>
+        </p:blipFill>
+        <p:spPr>
+          <a:xfrm>
+            <a:off x="155841" y="2323322"/>
+            <a:ext cx="5143946" cy="685859"/>
+          </a:xfrm>
+          <a:prstGeom prst="rect">
+            <a:avLst/>
+          </a:prstGeom>
+        </p:spPr>
+      </p:pic>
+      <p:pic>
+        <p:nvPicPr>
+          <p:cNvPr id="7" name="Picture 6">
+            <a:extLst>
+              <a:ext uri="{FF2B5EF4-FFF2-40B4-BE49-F238E27FC236}">
+                <a16:creationId xmlns:a16="http://schemas.microsoft.com/office/drawing/2014/main" id="{0428046F-260F-7814-597D-6A0288F3311D}"/>
+              </a:ext>
+            </a:extLst>
+          </p:cNvPr>
+          <p:cNvPicPr>
+            <a:picLocks noChangeAspect="1"/>
+          </p:cNvPicPr>
+          <p:nvPr/>
+        </p:nvPicPr>
+        <p:blipFill>
+          <a:blip r:embed="rId3"/>
+          <a:stretch>
+            <a:fillRect/>
+          </a:stretch>
+        </p:blipFill>
+        <p:spPr>
+          <a:xfrm>
+            <a:off x="3578033" y="3734636"/>
+            <a:ext cx="7704488" cy="2225233"/>
+          </a:xfrm>
+          <a:prstGeom prst="rect">
+            <a:avLst/>
+          </a:prstGeom>
+        </p:spPr>
+      </p:pic>
+    </p:spTree>
+    <p:extLst>
+      <p:ext uri="{BB962C8B-B14F-4D97-AF65-F5344CB8AC3E}">
+        <p14:creationId xmlns:p14="http://schemas.microsoft.com/office/powerpoint/2010/main" val="3472780227"/>
+      </p:ext>
+    </p:extLst>
+  </p:cSld>
+  <p:clrMapOvr>
+    <a:masterClrMapping/>
+  </p:clrMapOvr>
+</p:sld>
+</file>
+
+<file path=ppt/slides/slide24.xml><?xml version="1.0" encoding="utf-8"?>
+<p:sld xmlns:a="http://schemas.openxmlformats.org/drawingml/2006/main" xmlns:r="http://schemas.openxmlformats.org/officeDocument/2006/relationships" xmlns:p="http://schemas.openxmlformats.org/presentationml/2006/main">
+  <p:cSld>
+    <p:spTree>
+      <p:nvGrpSpPr>
+        <p:cNvPr id="1" name=""/>
+        <p:cNvGrpSpPr/>
+        <p:nvPr/>
+      </p:nvGrpSpPr>
+      <p:grpSpPr>
+        <a:xfrm>
+          <a:off x="0" y="0"/>
+          <a:ext cx="0" cy="0"/>
+          <a:chOff x="0" y="0"/>
+          <a:chExt cx="0" cy="0"/>
+        </a:xfrm>
+      </p:grpSpPr>
+      <p:sp>
+        <p:nvSpPr>
+          <p:cNvPr id="101" name="Footer Placeholder 100">
+            <a:extLst>
+              <a:ext uri="{FF2B5EF4-FFF2-40B4-BE49-F238E27FC236}">
+                <a16:creationId xmlns:a16="http://schemas.microsoft.com/office/drawing/2014/main" id="{A45E958A-ABCE-B639-C555-90CCC88988C5}"/>
+              </a:ext>
+            </a:extLst>
+          </p:cNvPr>
+          <p:cNvSpPr>
+            <a:spLocks noGrp="1"/>
+          </p:cNvSpPr>
+          <p:nvPr>
+            <p:ph type="ftr" sz="quarter" idx="11"/>
+          </p:nvPr>
+        </p:nvSpPr>
+        <p:spPr/>
+        <p:txBody>
+          <a:bodyPr/>
+          <a:lstStyle/>
+          <a:p>
+            <a:r>
+              <a:rPr lang="en-US"/>
+              <a:t>Presentation title</a:t>
+            </a:r>
+            <a:endParaRPr lang="en-US" dirty="0"/>
+          </a:p>
+        </p:txBody>
+      </p:sp>
+      <p:sp>
+        <p:nvSpPr>
+          <p:cNvPr id="102" name="Slide Number Placeholder 101">
+            <a:extLst>
+              <a:ext uri="{FF2B5EF4-FFF2-40B4-BE49-F238E27FC236}">
+                <a16:creationId xmlns:a16="http://schemas.microsoft.com/office/drawing/2014/main" id="{51BDF1B8-4D26-9C08-3102-6224AA6A4D20}"/>
+              </a:ext>
+            </a:extLst>
+          </p:cNvPr>
+          <p:cNvSpPr>
+            <a:spLocks noGrp="1"/>
+          </p:cNvSpPr>
+          <p:nvPr>
+            <p:ph type="sldNum" sz="quarter" idx="12"/>
+          </p:nvPr>
+        </p:nvSpPr>
+        <p:spPr/>
+        <p:txBody>
+          <a:bodyPr/>
+          <a:lstStyle/>
+          <a:p>
+            <a:fld id="{48F63A3B-78C7-47BE-AE5E-E10140E04643}" type="slidenum">
+              <a:rPr lang="en-US" smtClean="0"/>
+              <a:pPr/>
+              <a:t>24</a:t>
+            </a:fld>
+            <a:endParaRPr lang="en-US" dirty="0"/>
+          </a:p>
+        </p:txBody>
+      </p:sp>
+      <p:sp>
+        <p:nvSpPr>
+          <p:cNvPr id="3" name="Title 2">
+            <a:extLst>
+              <a:ext uri="{FF2B5EF4-FFF2-40B4-BE49-F238E27FC236}">
+                <a16:creationId xmlns:a16="http://schemas.microsoft.com/office/drawing/2014/main" id="{192DCAB3-89B5-B430-5ED6-4980EC61A638}"/>
+              </a:ext>
+            </a:extLst>
+          </p:cNvPr>
+          <p:cNvSpPr>
+            <a:spLocks noGrp="1"/>
+          </p:cNvSpPr>
+          <p:nvPr>
+            <p:ph type="title"/>
+          </p:nvPr>
+        </p:nvSpPr>
+        <p:spPr>
+          <a:xfrm>
+            <a:off x="652956" y="1045028"/>
+            <a:ext cx="5443044" cy="379009"/>
+          </a:xfrm>
+        </p:spPr>
+        <p:txBody>
+          <a:bodyPr/>
+          <a:lstStyle/>
+          <a:p>
+            <a:r>
+              <a:rPr lang="en-US" sz="1600" dirty="0"/>
+              <a:t>2. chi-square test for independence</a:t>
+            </a:r>
+            <a:endParaRPr lang="en-IN" sz="1600" dirty="0"/>
+          </a:p>
+        </p:txBody>
+      </p:sp>
+      <p:sp>
+        <p:nvSpPr>
+          <p:cNvPr id="6" name="Arrow: Right 5">
+            <a:extLst>
+              <a:ext uri="{FF2B5EF4-FFF2-40B4-BE49-F238E27FC236}">
+                <a16:creationId xmlns:a16="http://schemas.microsoft.com/office/drawing/2014/main" id="{C6733BB6-4C6C-371A-5472-DAE81BB4C458}"/>
+              </a:ext>
+            </a:extLst>
+          </p:cNvPr>
+          <p:cNvSpPr/>
+          <p:nvPr/>
+        </p:nvSpPr>
+        <p:spPr>
+          <a:xfrm>
+            <a:off x="8640706" y="2502976"/>
+            <a:ext cx="2304662" cy="1175658"/>
+          </a:xfrm>
+          <a:prstGeom prst="rightArrow">
+            <a:avLst/>
+          </a:prstGeom>
+          <a:solidFill>
+            <a:schemeClr val="accent3">
+              <a:lumMod val="40000"/>
+              <a:lumOff val="60000"/>
+            </a:schemeClr>
+          </a:solidFill>
+        </p:spPr>
+        <p:style>
+          <a:lnRef idx="2">
+            <a:schemeClr val="dk1">
+              <a:shade val="15000"/>
+            </a:schemeClr>
+          </a:lnRef>
+          <a:fillRef idx="1">
+            <a:schemeClr val="dk1"/>
+          </a:fillRef>
+          <a:effectRef idx="0">
+            <a:schemeClr val="dk1"/>
+          </a:effectRef>
+          <a:fontRef idx="minor">
+            <a:schemeClr val="lt1"/>
+          </a:fontRef>
+        </p:style>
+        <p:txBody>
+          <a:bodyPr rtlCol="0" anchor="ctr"/>
+          <a:lstStyle/>
+          <a:p>
+            <a:pPr algn="ctr"/>
+            <a:r>
+              <a:rPr lang="en-US" dirty="0">
+                <a:solidFill>
+                  <a:schemeClr val="tx1"/>
+                </a:solidFill>
+              </a:rPr>
+              <a:t>Output</a:t>
+            </a:r>
+            <a:endParaRPr lang="en-IN" dirty="0">
+              <a:solidFill>
+                <a:schemeClr val="tx1"/>
+              </a:solidFill>
+            </a:endParaRPr>
+          </a:p>
+        </p:txBody>
+      </p:sp>
+      <p:pic>
+        <p:nvPicPr>
+          <p:cNvPr id="4" name="Picture 3">
+            <a:extLst>
+              <a:ext uri="{FF2B5EF4-FFF2-40B4-BE49-F238E27FC236}">
+                <a16:creationId xmlns:a16="http://schemas.microsoft.com/office/drawing/2014/main" id="{1B9AF656-F5CB-D107-1AA9-B37A7C636AF6}"/>
+              </a:ext>
+            </a:extLst>
+          </p:cNvPr>
+          <p:cNvPicPr>
+            <a:picLocks noChangeAspect="1"/>
+          </p:cNvPicPr>
+          <p:nvPr/>
+        </p:nvPicPr>
+        <p:blipFill>
+          <a:blip r:embed="rId2"/>
+          <a:stretch>
+            <a:fillRect/>
+          </a:stretch>
+        </p:blipFill>
+        <p:spPr>
+          <a:xfrm>
+            <a:off x="3702483" y="4761321"/>
+            <a:ext cx="8550381" cy="2103302"/>
+          </a:xfrm>
+          <a:prstGeom prst="rect">
+            <a:avLst/>
+          </a:prstGeom>
+        </p:spPr>
+      </p:pic>
+      <p:pic>
+        <p:nvPicPr>
+          <p:cNvPr id="7" name="Picture 6">
+            <a:extLst>
+              <a:ext uri="{FF2B5EF4-FFF2-40B4-BE49-F238E27FC236}">
+                <a16:creationId xmlns:a16="http://schemas.microsoft.com/office/drawing/2014/main" id="{AF7C76B0-4DA7-E4AB-4F75-565D13CC3BED}"/>
+              </a:ext>
+            </a:extLst>
+          </p:cNvPr>
+          <p:cNvPicPr>
+            <a:picLocks noChangeAspect="1"/>
+          </p:cNvPicPr>
+          <p:nvPr/>
+        </p:nvPicPr>
+        <p:blipFill>
+          <a:blip r:embed="rId3"/>
+          <a:stretch>
+            <a:fillRect/>
+          </a:stretch>
+        </p:blipFill>
+        <p:spPr>
+          <a:xfrm>
+            <a:off x="351218" y="1562863"/>
+            <a:ext cx="7626456" cy="3055885"/>
+          </a:xfrm>
+          <a:prstGeom prst="rect">
+            <a:avLst/>
+          </a:prstGeom>
+        </p:spPr>
+      </p:pic>
+    </p:spTree>
+    <p:extLst>
+      <p:ext uri="{BB962C8B-B14F-4D97-AF65-F5344CB8AC3E}">
+        <p14:creationId xmlns:p14="http://schemas.microsoft.com/office/powerpoint/2010/main" val="1392347117"/>
+      </p:ext>
+    </p:extLst>
+  </p:cSld>
+  <p:clrMapOvr>
+    <a:masterClrMapping/>
+  </p:clrMapOvr>
+</p:sld>
+</file>
+
+<file path=ppt/slides/slide25.xml><?xml version="1.0" encoding="utf-8"?>
+<p:sld xmlns:a="http://schemas.openxmlformats.org/drawingml/2006/main" xmlns:r="http://schemas.openxmlformats.org/officeDocument/2006/relationships" xmlns:p="http://schemas.openxmlformats.org/presentationml/2006/main">
+  <p:cSld>
+    <p:spTree>
+      <p:nvGrpSpPr>
+        <p:cNvPr id="1" name=""/>
+        <p:cNvGrpSpPr/>
+        <p:nvPr/>
+      </p:nvGrpSpPr>
+      <p:grpSpPr>
+        <a:xfrm>
+          <a:off x="0" y="0"/>
+          <a:ext cx="0" cy="0"/>
+          <a:chOff x="0" y="0"/>
+          <a:chExt cx="0" cy="0"/>
+        </a:xfrm>
+      </p:grpSpPr>
+      <p:sp>
+        <p:nvSpPr>
+          <p:cNvPr id="101" name="Footer Placeholder 100">
+            <a:extLst>
+              <a:ext uri="{FF2B5EF4-FFF2-40B4-BE49-F238E27FC236}">
+                <a16:creationId xmlns:a16="http://schemas.microsoft.com/office/drawing/2014/main" id="{A45E958A-ABCE-B639-C555-90CCC88988C5}"/>
+              </a:ext>
+            </a:extLst>
+          </p:cNvPr>
+          <p:cNvSpPr>
+            <a:spLocks noGrp="1"/>
+          </p:cNvSpPr>
+          <p:nvPr>
+            <p:ph type="ftr" sz="quarter" idx="11"/>
+          </p:nvPr>
+        </p:nvSpPr>
+        <p:spPr/>
+        <p:txBody>
+          <a:bodyPr/>
+          <a:lstStyle/>
+          <a:p>
+            <a:r>
+              <a:rPr lang="en-US"/>
+              <a:t>Presentation title</a:t>
+            </a:r>
+            <a:endParaRPr lang="en-US" dirty="0"/>
+          </a:p>
+        </p:txBody>
+      </p:sp>
+      <p:sp>
+        <p:nvSpPr>
+          <p:cNvPr id="102" name="Slide Number Placeholder 101">
+            <a:extLst>
+              <a:ext uri="{FF2B5EF4-FFF2-40B4-BE49-F238E27FC236}">
+                <a16:creationId xmlns:a16="http://schemas.microsoft.com/office/drawing/2014/main" id="{51BDF1B8-4D26-9C08-3102-6224AA6A4D20}"/>
+              </a:ext>
+            </a:extLst>
+          </p:cNvPr>
+          <p:cNvSpPr>
+            <a:spLocks noGrp="1"/>
+          </p:cNvSpPr>
+          <p:nvPr>
+            <p:ph type="sldNum" sz="quarter" idx="12"/>
+          </p:nvPr>
+        </p:nvSpPr>
+        <p:spPr/>
+        <p:txBody>
+          <a:bodyPr/>
+          <a:lstStyle/>
+          <a:p>
+            <a:fld id="{48F63A3B-78C7-47BE-AE5E-E10140E04643}" type="slidenum">
+              <a:rPr lang="en-US" smtClean="0"/>
+              <a:pPr/>
+              <a:t>25</a:t>
+            </a:fld>
+            <a:endParaRPr lang="en-US" dirty="0"/>
+          </a:p>
+        </p:txBody>
+      </p:sp>
+      <p:sp>
+        <p:nvSpPr>
+          <p:cNvPr id="3" name="Title 2">
+            <a:extLst>
+              <a:ext uri="{FF2B5EF4-FFF2-40B4-BE49-F238E27FC236}">
+                <a16:creationId xmlns:a16="http://schemas.microsoft.com/office/drawing/2014/main" id="{192DCAB3-89B5-B430-5ED6-4980EC61A638}"/>
+              </a:ext>
+            </a:extLst>
+          </p:cNvPr>
+          <p:cNvSpPr>
+            <a:spLocks noGrp="1"/>
+          </p:cNvSpPr>
+          <p:nvPr>
+            <p:ph type="title"/>
+          </p:nvPr>
+        </p:nvSpPr>
+        <p:spPr>
+          <a:xfrm>
+            <a:off x="652955" y="1054359"/>
+            <a:ext cx="5374621" cy="379009"/>
+          </a:xfrm>
+        </p:spPr>
+        <p:txBody>
+          <a:bodyPr/>
+          <a:lstStyle/>
+          <a:p>
+            <a:r>
+              <a:rPr lang="en-US" sz="1600" dirty="0"/>
+              <a:t>3. Chi-square test for homogeneity</a:t>
+            </a:r>
+            <a:endParaRPr lang="en-IN" sz="1600" dirty="0"/>
+          </a:p>
+        </p:txBody>
+      </p:sp>
+      <p:sp>
+        <p:nvSpPr>
+          <p:cNvPr id="6" name="Arrow: Right 5">
+            <a:extLst>
+              <a:ext uri="{FF2B5EF4-FFF2-40B4-BE49-F238E27FC236}">
+                <a16:creationId xmlns:a16="http://schemas.microsoft.com/office/drawing/2014/main" id="{C6733BB6-4C6C-371A-5472-DAE81BB4C458}"/>
+              </a:ext>
+            </a:extLst>
+          </p:cNvPr>
+          <p:cNvSpPr/>
+          <p:nvPr/>
+        </p:nvSpPr>
+        <p:spPr>
+          <a:xfrm>
+            <a:off x="5355771" y="2323322"/>
+            <a:ext cx="2304662" cy="1175658"/>
+          </a:xfrm>
+          <a:prstGeom prst="rightArrow">
+            <a:avLst/>
+          </a:prstGeom>
+          <a:solidFill>
+            <a:schemeClr val="accent3">
+              <a:lumMod val="40000"/>
+              <a:lumOff val="60000"/>
+            </a:schemeClr>
+          </a:solidFill>
+        </p:spPr>
+        <p:style>
+          <a:lnRef idx="2">
+            <a:schemeClr val="dk1">
+              <a:shade val="15000"/>
+            </a:schemeClr>
+          </a:lnRef>
+          <a:fillRef idx="1">
+            <a:schemeClr val="dk1"/>
+          </a:fillRef>
+          <a:effectRef idx="0">
+            <a:schemeClr val="dk1"/>
+          </a:effectRef>
+          <a:fontRef idx="minor">
+            <a:schemeClr val="lt1"/>
+          </a:fontRef>
+        </p:style>
+        <p:txBody>
+          <a:bodyPr rtlCol="0" anchor="ctr"/>
+          <a:lstStyle/>
+          <a:p>
+            <a:pPr algn="ctr"/>
+            <a:r>
+              <a:rPr lang="en-US" dirty="0">
+                <a:solidFill>
+                  <a:schemeClr val="tx1"/>
+                </a:solidFill>
+              </a:rPr>
+              <a:t>Output</a:t>
+            </a:r>
+            <a:endParaRPr lang="en-IN" dirty="0">
+              <a:solidFill>
+                <a:schemeClr val="tx1"/>
+              </a:solidFill>
+            </a:endParaRPr>
+          </a:p>
+        </p:txBody>
+      </p:sp>
+      <p:pic>
+        <p:nvPicPr>
+          <p:cNvPr id="4" name="Picture 3">
+            <a:extLst>
+              <a:ext uri="{FF2B5EF4-FFF2-40B4-BE49-F238E27FC236}">
+                <a16:creationId xmlns:a16="http://schemas.microsoft.com/office/drawing/2014/main" id="{1F859815-1DD9-8878-92FF-51F74FE2AE07}"/>
+              </a:ext>
+            </a:extLst>
+          </p:cNvPr>
+          <p:cNvPicPr>
+            <a:picLocks noChangeAspect="1"/>
+          </p:cNvPicPr>
+          <p:nvPr/>
+        </p:nvPicPr>
+        <p:blipFill>
+          <a:blip r:embed="rId2"/>
+          <a:stretch>
+            <a:fillRect/>
+          </a:stretch>
+        </p:blipFill>
+        <p:spPr>
+          <a:xfrm>
+            <a:off x="231344" y="1433368"/>
+            <a:ext cx="4861981" cy="3200677"/>
+          </a:xfrm>
+          <a:prstGeom prst="rect">
+            <a:avLst/>
+          </a:prstGeom>
+        </p:spPr>
+      </p:pic>
+      <p:pic>
+        <p:nvPicPr>
+          <p:cNvPr id="7" name="Picture 6">
+            <a:extLst>
+              <a:ext uri="{FF2B5EF4-FFF2-40B4-BE49-F238E27FC236}">
+                <a16:creationId xmlns:a16="http://schemas.microsoft.com/office/drawing/2014/main" id="{48A59875-2CCC-10DA-9E1E-97BCE94E86B7}"/>
+              </a:ext>
+            </a:extLst>
+          </p:cNvPr>
+          <p:cNvPicPr>
+            <a:picLocks noChangeAspect="1"/>
+          </p:cNvPicPr>
+          <p:nvPr/>
+        </p:nvPicPr>
+        <p:blipFill>
+          <a:blip r:embed="rId3"/>
+          <a:stretch>
+            <a:fillRect/>
+          </a:stretch>
+        </p:blipFill>
+        <p:spPr>
+          <a:xfrm>
+            <a:off x="3635540" y="4811467"/>
+            <a:ext cx="8466554" cy="1425063"/>
+          </a:xfrm>
+          <a:prstGeom prst="rect">
+            <a:avLst/>
+          </a:prstGeom>
+        </p:spPr>
+      </p:pic>
+    </p:spTree>
+    <p:extLst>
+      <p:ext uri="{BB962C8B-B14F-4D97-AF65-F5344CB8AC3E}">
+        <p14:creationId xmlns:p14="http://schemas.microsoft.com/office/powerpoint/2010/main" val="246868058"/>
+      </p:ext>
+    </p:extLst>
+  </p:cSld>
+  <p:clrMapOvr>
+    <a:masterClrMapping/>
+  </p:clrMapOvr>
+</p:sld>
+</file>
+
+<file path=ppt/slides/slide26.xml><?xml version="1.0" encoding="utf-8"?>
+<p:sld xmlns:a="http://schemas.openxmlformats.org/drawingml/2006/main" xmlns:r="http://schemas.openxmlformats.org/officeDocument/2006/relationships" xmlns:p="http://schemas.openxmlformats.org/presentationml/2006/main">
+  <p:cSld>
+    <p:spTree>
+      <p:nvGrpSpPr>
+        <p:cNvPr id="1" name=""/>
+        <p:cNvGrpSpPr/>
+        <p:nvPr/>
+      </p:nvGrpSpPr>
+      <p:grpSpPr>
+        <a:xfrm>
+          <a:off x="0" y="0"/>
+          <a:ext cx="0" cy="0"/>
+          <a:chOff x="0" y="0"/>
+          <a:chExt cx="0" cy="0"/>
+        </a:xfrm>
+      </p:grpSpPr>
+      <p:sp>
+        <p:nvSpPr>
+          <p:cNvPr id="101" name="Footer Placeholder 100">
+            <a:extLst>
+              <a:ext uri="{FF2B5EF4-FFF2-40B4-BE49-F238E27FC236}">
+                <a16:creationId xmlns:a16="http://schemas.microsoft.com/office/drawing/2014/main" id="{A45E958A-ABCE-B639-C555-90CCC88988C5}"/>
+              </a:ext>
+            </a:extLst>
+          </p:cNvPr>
+          <p:cNvSpPr>
+            <a:spLocks noGrp="1"/>
+          </p:cNvSpPr>
+          <p:nvPr>
+            <p:ph type="ftr" sz="quarter" idx="11"/>
+          </p:nvPr>
+        </p:nvSpPr>
+        <p:spPr/>
+        <p:txBody>
+          <a:bodyPr/>
+          <a:lstStyle/>
+          <a:p>
+            <a:r>
+              <a:rPr lang="en-US"/>
+              <a:t>Presentation title</a:t>
+            </a:r>
+            <a:endParaRPr lang="en-US" dirty="0"/>
+          </a:p>
+        </p:txBody>
+      </p:sp>
+      <p:sp>
+        <p:nvSpPr>
+          <p:cNvPr id="102" name="Slide Number Placeholder 101">
+            <a:extLst>
+              <a:ext uri="{FF2B5EF4-FFF2-40B4-BE49-F238E27FC236}">
+                <a16:creationId xmlns:a16="http://schemas.microsoft.com/office/drawing/2014/main" id="{51BDF1B8-4D26-9C08-3102-6224AA6A4D20}"/>
+              </a:ext>
+            </a:extLst>
+          </p:cNvPr>
+          <p:cNvSpPr>
+            <a:spLocks noGrp="1"/>
+          </p:cNvSpPr>
+          <p:nvPr>
+            <p:ph type="sldNum" sz="quarter" idx="12"/>
+          </p:nvPr>
+        </p:nvSpPr>
+        <p:spPr/>
+        <p:txBody>
+          <a:bodyPr/>
+          <a:lstStyle/>
+          <a:p>
+            <a:fld id="{48F63A3B-78C7-47BE-AE5E-E10140E04643}" type="slidenum">
+              <a:rPr lang="en-US" smtClean="0"/>
+              <a:pPr/>
+              <a:t>26</a:t>
+            </a:fld>
+            <a:endParaRPr lang="en-US" dirty="0"/>
+          </a:p>
+        </p:txBody>
+      </p:sp>
+      <p:sp>
+        <p:nvSpPr>
+          <p:cNvPr id="3" name="Title 2">
+            <a:extLst>
+              <a:ext uri="{FF2B5EF4-FFF2-40B4-BE49-F238E27FC236}">
+                <a16:creationId xmlns:a16="http://schemas.microsoft.com/office/drawing/2014/main" id="{192DCAB3-89B5-B430-5ED6-4980EC61A638}"/>
+              </a:ext>
+            </a:extLst>
+          </p:cNvPr>
+          <p:cNvSpPr>
+            <a:spLocks noGrp="1"/>
+          </p:cNvSpPr>
+          <p:nvPr>
+            <p:ph type="title"/>
+          </p:nvPr>
+        </p:nvSpPr>
+        <p:spPr>
+          <a:xfrm>
+            <a:off x="652955" y="1045028"/>
+            <a:ext cx="5281313" cy="379009"/>
+          </a:xfrm>
+        </p:spPr>
+        <p:txBody>
+          <a:bodyPr/>
+          <a:lstStyle/>
+          <a:p>
+            <a:r>
+              <a:rPr lang="en-US" sz="1600" dirty="0"/>
+              <a:t>4. chi-square 2x2 contingency test</a:t>
+            </a:r>
+            <a:endParaRPr lang="en-IN" sz="1600" dirty="0"/>
+          </a:p>
+        </p:txBody>
+      </p:sp>
+      <p:sp>
+        <p:nvSpPr>
+          <p:cNvPr id="6" name="Arrow: Right 5">
+            <a:extLst>
+              <a:ext uri="{FF2B5EF4-FFF2-40B4-BE49-F238E27FC236}">
+                <a16:creationId xmlns:a16="http://schemas.microsoft.com/office/drawing/2014/main" id="{C6733BB6-4C6C-371A-5472-DAE81BB4C458}"/>
+              </a:ext>
+            </a:extLst>
+          </p:cNvPr>
+          <p:cNvSpPr/>
+          <p:nvPr/>
+        </p:nvSpPr>
+        <p:spPr>
+          <a:xfrm>
+            <a:off x="4366726" y="2132045"/>
+            <a:ext cx="2304662" cy="1175658"/>
+          </a:xfrm>
+          <a:prstGeom prst="rightArrow">
+            <a:avLst/>
+          </a:prstGeom>
+          <a:solidFill>
+            <a:schemeClr val="accent3">
+              <a:lumMod val="40000"/>
+              <a:lumOff val="60000"/>
+            </a:schemeClr>
+          </a:solidFill>
+        </p:spPr>
+        <p:style>
+          <a:lnRef idx="2">
+            <a:schemeClr val="dk1">
+              <a:shade val="15000"/>
+            </a:schemeClr>
+          </a:lnRef>
+          <a:fillRef idx="1">
+            <a:schemeClr val="dk1"/>
+          </a:fillRef>
+          <a:effectRef idx="0">
+            <a:schemeClr val="dk1"/>
+          </a:effectRef>
+          <a:fontRef idx="minor">
+            <a:schemeClr val="lt1"/>
+          </a:fontRef>
+        </p:style>
+        <p:txBody>
+          <a:bodyPr rtlCol="0" anchor="ctr"/>
+          <a:lstStyle/>
+          <a:p>
+            <a:pPr algn="ctr"/>
+            <a:r>
+              <a:rPr lang="en-US" dirty="0">
+                <a:solidFill>
+                  <a:schemeClr val="tx1"/>
+                </a:solidFill>
+              </a:rPr>
+              <a:t>Output</a:t>
+            </a:r>
+            <a:endParaRPr lang="en-IN" dirty="0">
+              <a:solidFill>
+                <a:schemeClr val="tx1"/>
+              </a:solidFill>
+            </a:endParaRPr>
+          </a:p>
+        </p:txBody>
+      </p:sp>
+      <p:pic>
+        <p:nvPicPr>
+          <p:cNvPr id="7" name="Picture 6">
+            <a:extLst>
+              <a:ext uri="{FF2B5EF4-FFF2-40B4-BE49-F238E27FC236}">
+                <a16:creationId xmlns:a16="http://schemas.microsoft.com/office/drawing/2014/main" id="{CC1747C5-C566-2B45-C25D-05B269F35CA8}"/>
+              </a:ext>
+            </a:extLst>
+          </p:cNvPr>
+          <p:cNvPicPr>
+            <a:picLocks noChangeAspect="1"/>
+          </p:cNvPicPr>
+          <p:nvPr/>
+        </p:nvPicPr>
+        <p:blipFill>
+          <a:blip r:embed="rId2"/>
+          <a:stretch>
+            <a:fillRect/>
+          </a:stretch>
+        </p:blipFill>
+        <p:spPr>
+          <a:xfrm>
+            <a:off x="522446" y="1809205"/>
+            <a:ext cx="3299746" cy="1821338"/>
+          </a:xfrm>
+          <a:prstGeom prst="rect">
+            <a:avLst/>
+          </a:prstGeom>
+        </p:spPr>
+      </p:pic>
+      <p:pic>
+        <p:nvPicPr>
+          <p:cNvPr id="9" name="Picture 8">
+            <a:extLst>
+              <a:ext uri="{FF2B5EF4-FFF2-40B4-BE49-F238E27FC236}">
+                <a16:creationId xmlns:a16="http://schemas.microsoft.com/office/drawing/2014/main" id="{1D861021-5306-9D99-C35A-3B1BCB9AC4B9}"/>
+              </a:ext>
+            </a:extLst>
+          </p:cNvPr>
+          <p:cNvPicPr>
+            <a:picLocks noChangeAspect="1"/>
+          </p:cNvPicPr>
+          <p:nvPr/>
+        </p:nvPicPr>
+        <p:blipFill>
+          <a:blip r:embed="rId3"/>
+          <a:stretch>
+            <a:fillRect/>
+          </a:stretch>
+        </p:blipFill>
+        <p:spPr>
+          <a:xfrm>
+            <a:off x="5070971" y="3868038"/>
+            <a:ext cx="6790008" cy="1044030"/>
+          </a:xfrm>
+          <a:prstGeom prst="rect">
+            <a:avLst/>
+          </a:prstGeom>
+        </p:spPr>
+      </p:pic>
+    </p:spTree>
+    <p:extLst>
+      <p:ext uri="{BB962C8B-B14F-4D97-AF65-F5344CB8AC3E}">
+        <p14:creationId xmlns:p14="http://schemas.microsoft.com/office/powerpoint/2010/main" val="2229332119"/>
+      </p:ext>
+    </p:extLst>
+  </p:cSld>
+  <p:clrMapOvr>
+    <a:masterClrMapping/>
+  </p:clrMapOvr>
+</p:sld>
+</file>
+
+<file path=ppt/slides/slide27.xml><?xml version="1.0" encoding="utf-8"?>
+<p:sld xmlns:a="http://schemas.openxmlformats.org/drawingml/2006/main" xmlns:r="http://schemas.openxmlformats.org/officeDocument/2006/relationships" xmlns:p="http://schemas.openxmlformats.org/presentationml/2006/main">
+  <p:cSld>
+    <p:spTree>
+      <p:nvGrpSpPr>
+        <p:cNvPr id="1" name=""/>
+        <p:cNvGrpSpPr/>
+        <p:nvPr/>
+      </p:nvGrpSpPr>
+      <p:grpSpPr>
+        <a:xfrm>
+          <a:off x="0" y="0"/>
+          <a:ext cx="0" cy="0"/>
+          <a:chOff x="0" y="0"/>
+          <a:chExt cx="0" cy="0"/>
+        </a:xfrm>
+      </p:grpSpPr>
+      <p:sp>
+        <p:nvSpPr>
+          <p:cNvPr id="101" name="Footer Placeholder 100">
+            <a:extLst>
+              <a:ext uri="{FF2B5EF4-FFF2-40B4-BE49-F238E27FC236}">
+                <a16:creationId xmlns:a16="http://schemas.microsoft.com/office/drawing/2014/main" id="{A45E958A-ABCE-B639-C555-90CCC88988C5}"/>
+              </a:ext>
+            </a:extLst>
+          </p:cNvPr>
+          <p:cNvSpPr>
+            <a:spLocks noGrp="1"/>
+          </p:cNvSpPr>
+          <p:nvPr>
+            <p:ph type="ftr" sz="quarter" idx="11"/>
+          </p:nvPr>
+        </p:nvSpPr>
+        <p:spPr/>
+        <p:txBody>
+          <a:bodyPr/>
+          <a:lstStyle/>
+          <a:p>
+            <a:r>
+              <a:rPr lang="en-US"/>
+              <a:t>Presentation title</a:t>
+            </a:r>
+            <a:endParaRPr lang="en-US" dirty="0"/>
+          </a:p>
+        </p:txBody>
+      </p:sp>
+      <p:sp>
+        <p:nvSpPr>
+          <p:cNvPr id="102" name="Slide Number Placeholder 101">
+            <a:extLst>
+              <a:ext uri="{FF2B5EF4-FFF2-40B4-BE49-F238E27FC236}">
+                <a16:creationId xmlns:a16="http://schemas.microsoft.com/office/drawing/2014/main" id="{51BDF1B8-4D26-9C08-3102-6224AA6A4D20}"/>
+              </a:ext>
+            </a:extLst>
+          </p:cNvPr>
+          <p:cNvSpPr>
+            <a:spLocks noGrp="1"/>
+          </p:cNvSpPr>
+          <p:nvPr>
+            <p:ph type="sldNum" sz="quarter" idx="12"/>
+          </p:nvPr>
+        </p:nvSpPr>
+        <p:spPr/>
+        <p:txBody>
+          <a:bodyPr/>
+          <a:lstStyle/>
+          <a:p>
+            <a:fld id="{48F63A3B-78C7-47BE-AE5E-E10140E04643}" type="slidenum">
+              <a:rPr lang="en-US" smtClean="0"/>
+              <a:pPr/>
+              <a:t>27</a:t>
+            </a:fld>
+            <a:endParaRPr lang="en-US" dirty="0"/>
+          </a:p>
+        </p:txBody>
+      </p:sp>
+      <p:sp>
+        <p:nvSpPr>
+          <p:cNvPr id="3" name="Title 2">
+            <a:extLst>
+              <a:ext uri="{FF2B5EF4-FFF2-40B4-BE49-F238E27FC236}">
+                <a16:creationId xmlns:a16="http://schemas.microsoft.com/office/drawing/2014/main" id="{192DCAB3-89B5-B430-5ED6-4980EC61A638}"/>
+              </a:ext>
+            </a:extLst>
+          </p:cNvPr>
+          <p:cNvSpPr>
+            <a:spLocks noGrp="1"/>
+          </p:cNvSpPr>
+          <p:nvPr>
+            <p:ph type="title"/>
+          </p:nvPr>
+        </p:nvSpPr>
+        <p:spPr>
+          <a:xfrm>
+            <a:off x="652956" y="1045028"/>
+            <a:ext cx="8864268" cy="379009"/>
+          </a:xfrm>
+        </p:spPr>
+        <p:txBody>
+          <a:bodyPr/>
+          <a:lstStyle/>
+          <a:p>
+            <a:r>
+              <a:rPr lang="en-US" sz="1600" dirty="0"/>
+              <a:t>5. chi-square 2x2 contingency test with yate’s correction</a:t>
+            </a:r>
+            <a:endParaRPr lang="en-IN" sz="1600" dirty="0"/>
+          </a:p>
+        </p:txBody>
+      </p:sp>
+      <p:sp>
+        <p:nvSpPr>
+          <p:cNvPr id="6" name="Arrow: Right 5">
+            <a:extLst>
+              <a:ext uri="{FF2B5EF4-FFF2-40B4-BE49-F238E27FC236}">
+                <a16:creationId xmlns:a16="http://schemas.microsoft.com/office/drawing/2014/main" id="{C6733BB6-4C6C-371A-5472-DAE81BB4C458}"/>
+              </a:ext>
+            </a:extLst>
+          </p:cNvPr>
+          <p:cNvSpPr/>
+          <p:nvPr/>
+        </p:nvSpPr>
+        <p:spPr>
+          <a:xfrm>
+            <a:off x="4665306" y="2323322"/>
+            <a:ext cx="2304662" cy="1175658"/>
+          </a:xfrm>
+          <a:prstGeom prst="rightArrow">
+            <a:avLst/>
+          </a:prstGeom>
+          <a:solidFill>
+            <a:schemeClr val="accent3">
+              <a:lumMod val="40000"/>
+              <a:lumOff val="60000"/>
+            </a:schemeClr>
+          </a:solidFill>
+        </p:spPr>
+        <p:style>
+          <a:lnRef idx="2">
+            <a:schemeClr val="dk1">
+              <a:shade val="15000"/>
+            </a:schemeClr>
+          </a:lnRef>
+          <a:fillRef idx="1">
+            <a:schemeClr val="dk1"/>
+          </a:fillRef>
+          <a:effectRef idx="0">
+            <a:schemeClr val="dk1"/>
+          </a:effectRef>
+          <a:fontRef idx="minor">
+            <a:schemeClr val="lt1"/>
+          </a:fontRef>
+        </p:style>
+        <p:txBody>
+          <a:bodyPr rtlCol="0" anchor="ctr"/>
+          <a:lstStyle/>
+          <a:p>
+            <a:pPr algn="ctr"/>
+            <a:r>
+              <a:rPr lang="en-US" dirty="0">
+                <a:solidFill>
+                  <a:schemeClr val="tx1"/>
+                </a:solidFill>
+              </a:rPr>
+              <a:t>Output</a:t>
+            </a:r>
+            <a:endParaRPr lang="en-IN" dirty="0">
+              <a:solidFill>
+                <a:schemeClr val="tx1"/>
+              </a:solidFill>
+            </a:endParaRPr>
+          </a:p>
+        </p:txBody>
+      </p:sp>
+      <p:pic>
+        <p:nvPicPr>
+          <p:cNvPr id="7" name="Picture 6">
+            <a:extLst>
+              <a:ext uri="{FF2B5EF4-FFF2-40B4-BE49-F238E27FC236}">
+                <a16:creationId xmlns:a16="http://schemas.microsoft.com/office/drawing/2014/main" id="{4DCE110D-7FA0-F8FF-C3CA-38EEB144C5A0}"/>
+              </a:ext>
+            </a:extLst>
+          </p:cNvPr>
+          <p:cNvPicPr>
+            <a:picLocks noChangeAspect="1"/>
+          </p:cNvPicPr>
+          <p:nvPr/>
+        </p:nvPicPr>
+        <p:blipFill>
+          <a:blip r:embed="rId2"/>
+          <a:stretch>
+            <a:fillRect/>
+          </a:stretch>
+        </p:blipFill>
+        <p:spPr>
+          <a:xfrm>
+            <a:off x="652956" y="1969999"/>
+            <a:ext cx="3665538" cy="1882303"/>
+          </a:xfrm>
+          <a:prstGeom prst="rect">
+            <a:avLst/>
+          </a:prstGeom>
+        </p:spPr>
+      </p:pic>
+      <p:pic>
+        <p:nvPicPr>
+          <p:cNvPr id="9" name="Picture 8">
+            <a:extLst>
+              <a:ext uri="{FF2B5EF4-FFF2-40B4-BE49-F238E27FC236}">
+                <a16:creationId xmlns:a16="http://schemas.microsoft.com/office/drawing/2014/main" id="{FF6AA19F-6CCC-4757-37D1-09447B568B07}"/>
+              </a:ext>
+            </a:extLst>
+          </p:cNvPr>
+          <p:cNvPicPr>
+            <a:picLocks noChangeAspect="1"/>
+          </p:cNvPicPr>
+          <p:nvPr/>
+        </p:nvPicPr>
+        <p:blipFill>
+          <a:blip r:embed="rId3"/>
+          <a:stretch>
+            <a:fillRect/>
+          </a:stretch>
+        </p:blipFill>
+        <p:spPr>
+          <a:xfrm>
+            <a:off x="4825494" y="4060170"/>
+            <a:ext cx="6889077" cy="1051651"/>
+          </a:xfrm>
+          <a:prstGeom prst="rect">
+            <a:avLst/>
+          </a:prstGeom>
+        </p:spPr>
+      </p:pic>
+    </p:spTree>
+    <p:extLst>
+      <p:ext uri="{BB962C8B-B14F-4D97-AF65-F5344CB8AC3E}">
+        <p14:creationId xmlns:p14="http://schemas.microsoft.com/office/powerpoint/2010/main" val="2826677837"/>
+      </p:ext>
+    </p:extLst>
+  </p:cSld>
+  <p:clrMapOvr>
+    <a:masterClrMapping/>
+  </p:clrMapOvr>
+</p:sld>
+</file>
+
+<file path=ppt/slides/slide28.xml><?xml version="1.0" encoding="utf-8"?>
+<p:sld xmlns:a="http://schemas.openxmlformats.org/drawingml/2006/main" xmlns:r="http://schemas.openxmlformats.org/officeDocument/2006/relationships" xmlns:p="http://schemas.openxmlformats.org/presentationml/2006/main">
+  <p:cSld>
+    <p:spTree>
+      <p:nvGrpSpPr>
+        <p:cNvPr id="1" name=""/>
+        <p:cNvGrpSpPr/>
+        <p:nvPr/>
+      </p:nvGrpSpPr>
+      <p:grpSpPr>
+        <a:xfrm>
+          <a:off x="0" y="0"/>
+          <a:ext cx="0" cy="0"/>
+          <a:chOff x="0" y="0"/>
+          <a:chExt cx="0" cy="0"/>
+        </a:xfrm>
+      </p:grpSpPr>
+      <p:sp>
+        <p:nvSpPr>
+          <p:cNvPr id="101" name="Footer Placeholder 100">
+            <a:extLst>
+              <a:ext uri="{FF2B5EF4-FFF2-40B4-BE49-F238E27FC236}">
+                <a16:creationId xmlns:a16="http://schemas.microsoft.com/office/drawing/2014/main" id="{A45E958A-ABCE-B639-C555-90CCC88988C5}"/>
+              </a:ext>
+            </a:extLst>
+          </p:cNvPr>
+          <p:cNvSpPr>
+            <a:spLocks noGrp="1"/>
+          </p:cNvSpPr>
+          <p:nvPr>
+            <p:ph type="ftr" sz="quarter" idx="11"/>
+          </p:nvPr>
+        </p:nvSpPr>
+        <p:spPr/>
+        <p:txBody>
+          <a:bodyPr/>
+          <a:lstStyle/>
+          <a:p>
+            <a:r>
+              <a:rPr lang="en-US"/>
+              <a:t>Presentation title</a:t>
+            </a:r>
+            <a:endParaRPr lang="en-US" dirty="0"/>
+          </a:p>
+        </p:txBody>
+      </p:sp>
+      <p:sp>
+        <p:nvSpPr>
+          <p:cNvPr id="102" name="Slide Number Placeholder 101">
+            <a:extLst>
+              <a:ext uri="{FF2B5EF4-FFF2-40B4-BE49-F238E27FC236}">
+                <a16:creationId xmlns:a16="http://schemas.microsoft.com/office/drawing/2014/main" id="{51BDF1B8-4D26-9C08-3102-6224AA6A4D20}"/>
+              </a:ext>
+            </a:extLst>
+          </p:cNvPr>
+          <p:cNvSpPr>
+            <a:spLocks noGrp="1"/>
+          </p:cNvSpPr>
+          <p:nvPr>
+            <p:ph type="sldNum" sz="quarter" idx="12"/>
+          </p:nvPr>
+        </p:nvSpPr>
+        <p:spPr/>
+        <p:txBody>
+          <a:bodyPr/>
+          <a:lstStyle/>
+          <a:p>
+            <a:fld id="{48F63A3B-78C7-47BE-AE5E-E10140E04643}" type="slidenum">
+              <a:rPr lang="en-US" smtClean="0"/>
+              <a:pPr/>
+              <a:t>28</a:t>
+            </a:fld>
+            <a:endParaRPr lang="en-US" dirty="0"/>
+          </a:p>
+        </p:txBody>
+      </p:sp>
+      <p:sp>
+        <p:nvSpPr>
+          <p:cNvPr id="29" name="TextBox 28">
+            <a:extLst>
+              <a:ext uri="{FF2B5EF4-FFF2-40B4-BE49-F238E27FC236}">
+                <a16:creationId xmlns:a16="http://schemas.microsoft.com/office/drawing/2014/main" id="{18DA91F8-18F2-D3C6-6ABB-0FFB2CD8EBCF}"/>
+              </a:ext>
+            </a:extLst>
+          </p:cNvPr>
+          <p:cNvSpPr txBox="1"/>
+          <p:nvPr/>
+        </p:nvSpPr>
+        <p:spPr>
+          <a:xfrm>
+            <a:off x="5047099" y="3136612"/>
+            <a:ext cx="2097802" cy="584775"/>
+          </a:xfrm>
+          <a:prstGeom prst="rect">
+            <a:avLst/>
+          </a:prstGeom>
+          <a:noFill/>
+        </p:spPr>
+        <p:txBody>
+          <a:bodyPr wrap="square" rtlCol="0">
+            <a:spAutoFit/>
+          </a:bodyPr>
+          <a:lstStyle/>
+          <a:p>
+            <a:r>
+              <a:rPr lang="en-US" sz="3200" dirty="0">
+                <a:latin typeface="+mj-lt"/>
+              </a:rPr>
+              <a:t>Unit-V</a:t>
+            </a:r>
+          </a:p>
+        </p:txBody>
+      </p:sp>
+    </p:spTree>
+    <p:extLst>
+      <p:ext uri="{BB962C8B-B14F-4D97-AF65-F5344CB8AC3E}">
+        <p14:creationId xmlns:p14="http://schemas.microsoft.com/office/powerpoint/2010/main" val="3128914477"/>
+      </p:ext>
+    </p:extLst>
+  </p:cSld>
+  <p:clrMapOvr>
+    <a:masterClrMapping/>
+  </p:clrMapOvr>
+</p:sld>
+</file>
+
+<file path=ppt/slides/slide29.xml><?xml version="1.0" encoding="utf-8"?>
+<p:sld xmlns:a="http://schemas.openxmlformats.org/drawingml/2006/main" xmlns:r="http://schemas.openxmlformats.org/officeDocument/2006/relationships" xmlns:p="http://schemas.openxmlformats.org/presentationml/2006/main">
+  <p:cSld>
+    <p:spTree>
+      <p:nvGrpSpPr>
+        <p:cNvPr id="1" name=""/>
+        <p:cNvGrpSpPr/>
+        <p:nvPr/>
+      </p:nvGrpSpPr>
+      <p:grpSpPr>
+        <a:xfrm>
+          <a:off x="0" y="0"/>
+          <a:ext cx="0" cy="0"/>
+          <a:chOff x="0" y="0"/>
+          <a:chExt cx="0" cy="0"/>
+        </a:xfrm>
+      </p:grpSpPr>
+      <p:sp>
+        <p:nvSpPr>
+          <p:cNvPr id="101" name="Footer Placeholder 100">
+            <a:extLst>
+              <a:ext uri="{FF2B5EF4-FFF2-40B4-BE49-F238E27FC236}">
+                <a16:creationId xmlns:a16="http://schemas.microsoft.com/office/drawing/2014/main" id="{A45E958A-ABCE-B639-C555-90CCC88988C5}"/>
+              </a:ext>
+            </a:extLst>
+          </p:cNvPr>
+          <p:cNvSpPr>
+            <a:spLocks noGrp="1"/>
+          </p:cNvSpPr>
+          <p:nvPr>
+            <p:ph type="ftr" sz="quarter" idx="11"/>
+          </p:nvPr>
+        </p:nvSpPr>
+        <p:spPr/>
+        <p:txBody>
+          <a:bodyPr/>
+          <a:lstStyle/>
+          <a:p>
+            <a:r>
+              <a:rPr lang="en-US"/>
+              <a:t>Presentation title</a:t>
+            </a:r>
+            <a:endParaRPr lang="en-US" dirty="0"/>
+          </a:p>
+        </p:txBody>
+      </p:sp>
+      <p:sp>
+        <p:nvSpPr>
+          <p:cNvPr id="102" name="Slide Number Placeholder 101">
+            <a:extLst>
+              <a:ext uri="{FF2B5EF4-FFF2-40B4-BE49-F238E27FC236}">
+                <a16:creationId xmlns:a16="http://schemas.microsoft.com/office/drawing/2014/main" id="{51BDF1B8-4D26-9C08-3102-6224AA6A4D20}"/>
+              </a:ext>
+            </a:extLst>
+          </p:cNvPr>
+          <p:cNvSpPr>
+            <a:spLocks noGrp="1"/>
+          </p:cNvSpPr>
+          <p:nvPr>
+            <p:ph type="sldNum" sz="quarter" idx="12"/>
+          </p:nvPr>
+        </p:nvSpPr>
+        <p:spPr/>
+        <p:txBody>
+          <a:bodyPr/>
+          <a:lstStyle/>
+          <a:p>
+            <a:fld id="{48F63A3B-78C7-47BE-AE5E-E10140E04643}" type="slidenum">
+              <a:rPr lang="en-US" smtClean="0"/>
+              <a:pPr/>
+              <a:t>29</a:t>
+            </a:fld>
+            <a:endParaRPr lang="en-US" dirty="0"/>
+          </a:p>
+        </p:txBody>
+      </p:sp>
+      <p:sp>
+        <p:nvSpPr>
+          <p:cNvPr id="3" name="Title 2">
+            <a:extLst>
+              <a:ext uri="{FF2B5EF4-FFF2-40B4-BE49-F238E27FC236}">
+                <a16:creationId xmlns:a16="http://schemas.microsoft.com/office/drawing/2014/main" id="{192DCAB3-89B5-B430-5ED6-4980EC61A638}"/>
+              </a:ext>
+            </a:extLst>
+          </p:cNvPr>
+          <p:cNvSpPr>
+            <a:spLocks noGrp="1"/>
+          </p:cNvSpPr>
+          <p:nvPr>
+            <p:ph type="title"/>
+          </p:nvPr>
+        </p:nvSpPr>
+        <p:spPr>
+          <a:xfrm>
+            <a:off x="652955" y="1045028"/>
+            <a:ext cx="7128775" cy="379009"/>
+          </a:xfrm>
+        </p:spPr>
+        <p:txBody>
+          <a:bodyPr/>
+          <a:lstStyle/>
+          <a:p>
+            <a:r>
+              <a:rPr lang="en-US" sz="1600" dirty="0"/>
+              <a:t>1. Sample size estimation for z-test single mean</a:t>
+            </a:r>
+            <a:endParaRPr lang="en-IN" sz="1600" dirty="0"/>
+          </a:p>
+        </p:txBody>
+      </p:sp>
+      <p:sp>
+        <p:nvSpPr>
+          <p:cNvPr id="6" name="Arrow: Right 5">
+            <a:extLst>
+              <a:ext uri="{FF2B5EF4-FFF2-40B4-BE49-F238E27FC236}">
+                <a16:creationId xmlns:a16="http://schemas.microsoft.com/office/drawing/2014/main" id="{C6733BB6-4C6C-371A-5472-DAE81BB4C458}"/>
+              </a:ext>
+            </a:extLst>
+          </p:cNvPr>
+          <p:cNvSpPr/>
+          <p:nvPr/>
+        </p:nvSpPr>
+        <p:spPr>
+          <a:xfrm>
+            <a:off x="4767943" y="2444620"/>
+            <a:ext cx="2304662" cy="1175658"/>
+          </a:xfrm>
+          <a:prstGeom prst="rightArrow">
+            <a:avLst/>
+          </a:prstGeom>
+          <a:solidFill>
+            <a:schemeClr val="accent3">
+              <a:lumMod val="40000"/>
+              <a:lumOff val="60000"/>
+            </a:schemeClr>
+          </a:solidFill>
+        </p:spPr>
+        <p:style>
+          <a:lnRef idx="2">
+            <a:schemeClr val="dk1">
+              <a:shade val="15000"/>
+            </a:schemeClr>
+          </a:lnRef>
+          <a:fillRef idx="1">
+            <a:schemeClr val="dk1"/>
+          </a:fillRef>
+          <a:effectRef idx="0">
+            <a:schemeClr val="dk1"/>
+          </a:effectRef>
+          <a:fontRef idx="minor">
+            <a:schemeClr val="lt1"/>
+          </a:fontRef>
+        </p:style>
+        <p:txBody>
+          <a:bodyPr rtlCol="0" anchor="ctr"/>
+          <a:lstStyle/>
+          <a:p>
+            <a:pPr algn="ctr"/>
+            <a:r>
+              <a:rPr lang="en-US" dirty="0">
+                <a:solidFill>
+                  <a:schemeClr val="tx1"/>
+                </a:solidFill>
+              </a:rPr>
+              <a:t>Output</a:t>
+            </a:r>
+            <a:endParaRPr lang="en-IN" dirty="0">
+              <a:solidFill>
+                <a:schemeClr val="tx1"/>
+              </a:solidFill>
+            </a:endParaRPr>
+          </a:p>
+        </p:txBody>
+      </p:sp>
+      <p:pic>
+        <p:nvPicPr>
+          <p:cNvPr id="4" name="Picture 3">
+            <a:extLst>
+              <a:ext uri="{FF2B5EF4-FFF2-40B4-BE49-F238E27FC236}">
+                <a16:creationId xmlns:a16="http://schemas.microsoft.com/office/drawing/2014/main" id="{D27454F4-9BE2-03E3-5140-7822F38DDA59}"/>
+              </a:ext>
+            </a:extLst>
+          </p:cNvPr>
+          <p:cNvPicPr>
+            <a:picLocks noChangeAspect="1"/>
+          </p:cNvPicPr>
+          <p:nvPr/>
+        </p:nvPicPr>
+        <p:blipFill>
+          <a:blip r:embed="rId2"/>
+          <a:stretch>
+            <a:fillRect/>
+          </a:stretch>
+        </p:blipFill>
+        <p:spPr>
+          <a:xfrm>
+            <a:off x="0" y="2183363"/>
+            <a:ext cx="4393090" cy="1546060"/>
+          </a:xfrm>
+          <a:prstGeom prst="rect">
+            <a:avLst/>
+          </a:prstGeom>
+        </p:spPr>
+      </p:pic>
+      <p:pic>
+        <p:nvPicPr>
+          <p:cNvPr id="7" name="Picture 6">
+            <a:extLst>
+              <a:ext uri="{FF2B5EF4-FFF2-40B4-BE49-F238E27FC236}">
+                <a16:creationId xmlns:a16="http://schemas.microsoft.com/office/drawing/2014/main" id="{DA32AD4A-4420-C7F6-1A14-358B8CBF71EA}"/>
+              </a:ext>
+            </a:extLst>
+          </p:cNvPr>
+          <p:cNvPicPr>
+            <a:picLocks noChangeAspect="1"/>
+          </p:cNvPicPr>
+          <p:nvPr/>
+        </p:nvPicPr>
+        <p:blipFill>
+          <a:blip r:embed="rId3"/>
+          <a:stretch>
+            <a:fillRect/>
+          </a:stretch>
+        </p:blipFill>
+        <p:spPr>
+          <a:xfrm>
+            <a:off x="1147665" y="5049912"/>
+            <a:ext cx="10785255" cy="765279"/>
+          </a:xfrm>
+          <a:prstGeom prst="rect">
+            <a:avLst/>
+          </a:prstGeom>
+        </p:spPr>
+      </p:pic>
+    </p:spTree>
+    <p:extLst>
+      <p:ext uri="{BB962C8B-B14F-4D97-AF65-F5344CB8AC3E}">
+        <p14:creationId xmlns:p14="http://schemas.microsoft.com/office/powerpoint/2010/main" val="2029269290"/>
+      </p:ext>
+    </p:extLst>
+  </p:cSld>
+  <p:clrMapOvr>
+    <a:masterClrMapping/>
+  </p:clrMapOvr>
+</p:sld>
+</file>
+
 <file path=ppt/slides/slide3.xml><?xml version="1.0" encoding="utf-8"?>
 <p:sld xmlns:a="http://schemas.openxmlformats.org/drawingml/2006/main" xmlns:r="http://schemas.openxmlformats.org/officeDocument/2006/relationships" xmlns:p="http://schemas.openxmlformats.org/presentationml/2006/main">
   <p:cSld>
@@ -23415,6 +28030,9 @@
               <a:t>Today , nearly each and every home in Indian Families have at least one member is suffering from  diabetes. So we have performed Case Study Analysis over the Diabetes causes and reasons. Also the dataset is consisting of some other factors which we will discuss.</a:t>
             </a:r>
           </a:p>
+          <a:p>
+            <a:endParaRPr lang="en-US" dirty="0"/>
+          </a:p>
         </p:txBody>
       </p:sp>
       <p:sp>
@@ -23433,20 +28051,16 @@
             <p:ph type="ftr" sz="quarter" idx="11"/>
           </p:nvPr>
         </p:nvSpPr>
-        <p:spPr>
-          <a:xfrm>
-            <a:off x="4224528" y="457200"/>
-            <a:ext cx="3200400" cy="274320"/>
-          </a:xfrm>
-        </p:spPr>
+        <p:spPr/>
         <p:txBody>
           <a:bodyPr/>
           <a:lstStyle/>
           <a:p>
             <a:r>
-              <a:rPr lang="en-US" dirty="0"/>
-              <a:t>Statistics Case Study</a:t>
+              <a:rPr lang="en-US"/>
+              <a:t>Presentation title</a:t>
             </a:r>
+            <a:endParaRPr lang="en-US" dirty="0"/>
           </a:p>
         </p:txBody>
       </p:sp>
@@ -23483,6 +28097,993 @@
     <p:extLst>
       <p:ext uri="{BB962C8B-B14F-4D97-AF65-F5344CB8AC3E}">
         <p14:creationId xmlns:p14="http://schemas.microsoft.com/office/powerpoint/2010/main" val="979622006"/>
+      </p:ext>
+    </p:extLst>
+  </p:cSld>
+  <p:clrMapOvr>
+    <a:masterClrMapping/>
+  </p:clrMapOvr>
+</p:sld>
+</file>
+
+<file path=ppt/slides/slide30.xml><?xml version="1.0" encoding="utf-8"?>
+<p:sld xmlns:a="http://schemas.openxmlformats.org/drawingml/2006/main" xmlns:r="http://schemas.openxmlformats.org/officeDocument/2006/relationships" xmlns:p="http://schemas.openxmlformats.org/presentationml/2006/main">
+  <p:cSld>
+    <p:spTree>
+      <p:nvGrpSpPr>
+        <p:cNvPr id="1" name=""/>
+        <p:cNvGrpSpPr/>
+        <p:nvPr/>
+      </p:nvGrpSpPr>
+      <p:grpSpPr>
+        <a:xfrm>
+          <a:off x="0" y="0"/>
+          <a:ext cx="0" cy="0"/>
+          <a:chOff x="0" y="0"/>
+          <a:chExt cx="0" cy="0"/>
+        </a:xfrm>
+      </p:grpSpPr>
+      <p:sp>
+        <p:nvSpPr>
+          <p:cNvPr id="101" name="Footer Placeholder 100">
+            <a:extLst>
+              <a:ext uri="{FF2B5EF4-FFF2-40B4-BE49-F238E27FC236}">
+                <a16:creationId xmlns:a16="http://schemas.microsoft.com/office/drawing/2014/main" id="{A45E958A-ABCE-B639-C555-90CCC88988C5}"/>
+              </a:ext>
+            </a:extLst>
+          </p:cNvPr>
+          <p:cNvSpPr>
+            <a:spLocks noGrp="1"/>
+          </p:cNvSpPr>
+          <p:nvPr>
+            <p:ph type="ftr" sz="quarter" idx="11"/>
+          </p:nvPr>
+        </p:nvSpPr>
+        <p:spPr/>
+        <p:txBody>
+          <a:bodyPr/>
+          <a:lstStyle/>
+          <a:p>
+            <a:r>
+              <a:rPr lang="en-US"/>
+              <a:t>Presentation title</a:t>
+            </a:r>
+            <a:endParaRPr lang="en-US" dirty="0"/>
+          </a:p>
+        </p:txBody>
+      </p:sp>
+      <p:sp>
+        <p:nvSpPr>
+          <p:cNvPr id="102" name="Slide Number Placeholder 101">
+            <a:extLst>
+              <a:ext uri="{FF2B5EF4-FFF2-40B4-BE49-F238E27FC236}">
+                <a16:creationId xmlns:a16="http://schemas.microsoft.com/office/drawing/2014/main" id="{51BDF1B8-4D26-9C08-3102-6224AA6A4D20}"/>
+              </a:ext>
+            </a:extLst>
+          </p:cNvPr>
+          <p:cNvSpPr>
+            <a:spLocks noGrp="1"/>
+          </p:cNvSpPr>
+          <p:nvPr>
+            <p:ph type="sldNum" sz="quarter" idx="12"/>
+          </p:nvPr>
+        </p:nvSpPr>
+        <p:spPr/>
+        <p:txBody>
+          <a:bodyPr/>
+          <a:lstStyle/>
+          <a:p>
+            <a:fld id="{48F63A3B-78C7-47BE-AE5E-E10140E04643}" type="slidenum">
+              <a:rPr lang="en-US" smtClean="0"/>
+              <a:pPr/>
+              <a:t>30</a:t>
+            </a:fld>
+            <a:endParaRPr lang="en-US" dirty="0"/>
+          </a:p>
+        </p:txBody>
+      </p:sp>
+      <p:sp>
+        <p:nvSpPr>
+          <p:cNvPr id="3" name="Title 2">
+            <a:extLst>
+              <a:ext uri="{FF2B5EF4-FFF2-40B4-BE49-F238E27FC236}">
+                <a16:creationId xmlns:a16="http://schemas.microsoft.com/office/drawing/2014/main" id="{192DCAB3-89B5-B430-5ED6-4980EC61A638}"/>
+              </a:ext>
+            </a:extLst>
+          </p:cNvPr>
+          <p:cNvSpPr>
+            <a:spLocks noGrp="1"/>
+          </p:cNvSpPr>
+          <p:nvPr>
+            <p:ph type="title"/>
+          </p:nvPr>
+        </p:nvSpPr>
+        <p:spPr>
+          <a:xfrm>
+            <a:off x="652956" y="1045028"/>
+            <a:ext cx="8313762" cy="379009"/>
+          </a:xfrm>
+        </p:spPr>
+        <p:txBody>
+          <a:bodyPr/>
+          <a:lstStyle/>
+          <a:p>
+            <a:r>
+              <a:rPr lang="en-US" sz="1600" dirty="0"/>
+              <a:t>2. Sample size estimation for z-test single proportion</a:t>
+            </a:r>
+            <a:endParaRPr lang="en-IN" sz="1600" dirty="0"/>
+          </a:p>
+        </p:txBody>
+      </p:sp>
+      <p:sp>
+        <p:nvSpPr>
+          <p:cNvPr id="6" name="Arrow: Right 5">
+            <a:extLst>
+              <a:ext uri="{FF2B5EF4-FFF2-40B4-BE49-F238E27FC236}">
+                <a16:creationId xmlns:a16="http://schemas.microsoft.com/office/drawing/2014/main" id="{C6733BB6-4C6C-371A-5472-DAE81BB4C458}"/>
+              </a:ext>
+            </a:extLst>
+          </p:cNvPr>
+          <p:cNvSpPr/>
+          <p:nvPr/>
+        </p:nvSpPr>
+        <p:spPr>
+          <a:xfrm>
+            <a:off x="5355771" y="2323322"/>
+            <a:ext cx="2304662" cy="1175658"/>
+          </a:xfrm>
+          <a:prstGeom prst="rightArrow">
+            <a:avLst/>
+          </a:prstGeom>
+          <a:solidFill>
+            <a:schemeClr val="accent3">
+              <a:lumMod val="40000"/>
+              <a:lumOff val="60000"/>
+            </a:schemeClr>
+          </a:solidFill>
+        </p:spPr>
+        <p:style>
+          <a:lnRef idx="2">
+            <a:schemeClr val="dk1">
+              <a:shade val="15000"/>
+            </a:schemeClr>
+          </a:lnRef>
+          <a:fillRef idx="1">
+            <a:schemeClr val="dk1"/>
+          </a:fillRef>
+          <a:effectRef idx="0">
+            <a:schemeClr val="dk1"/>
+          </a:effectRef>
+          <a:fontRef idx="minor">
+            <a:schemeClr val="lt1"/>
+          </a:fontRef>
+        </p:style>
+        <p:txBody>
+          <a:bodyPr rtlCol="0" anchor="ctr"/>
+          <a:lstStyle/>
+          <a:p>
+            <a:pPr algn="ctr"/>
+            <a:r>
+              <a:rPr lang="en-US" dirty="0">
+                <a:solidFill>
+                  <a:schemeClr val="tx1"/>
+                </a:solidFill>
+              </a:rPr>
+              <a:t>Output</a:t>
+            </a:r>
+            <a:endParaRPr lang="en-IN" dirty="0">
+              <a:solidFill>
+                <a:schemeClr val="tx1"/>
+              </a:solidFill>
+            </a:endParaRPr>
+          </a:p>
+        </p:txBody>
+      </p:sp>
+      <p:pic>
+        <p:nvPicPr>
+          <p:cNvPr id="4" name="Picture 3">
+            <a:extLst>
+              <a:ext uri="{FF2B5EF4-FFF2-40B4-BE49-F238E27FC236}">
+                <a16:creationId xmlns:a16="http://schemas.microsoft.com/office/drawing/2014/main" id="{5CC08B66-8299-3703-061E-69DF252C5E16}"/>
+              </a:ext>
+            </a:extLst>
+          </p:cNvPr>
+          <p:cNvPicPr>
+            <a:picLocks noChangeAspect="1"/>
+          </p:cNvPicPr>
+          <p:nvPr/>
+        </p:nvPicPr>
+        <p:blipFill>
+          <a:blip r:embed="rId2"/>
+          <a:stretch>
+            <a:fillRect/>
+          </a:stretch>
+        </p:blipFill>
+        <p:spPr>
+          <a:xfrm>
+            <a:off x="94227" y="1922106"/>
+            <a:ext cx="4449781" cy="1450911"/>
+          </a:xfrm>
+          <a:prstGeom prst="rect">
+            <a:avLst/>
+          </a:prstGeom>
+        </p:spPr>
+      </p:pic>
+      <p:pic>
+        <p:nvPicPr>
+          <p:cNvPr id="7" name="Picture 6">
+            <a:extLst>
+              <a:ext uri="{FF2B5EF4-FFF2-40B4-BE49-F238E27FC236}">
+                <a16:creationId xmlns:a16="http://schemas.microsoft.com/office/drawing/2014/main" id="{7E88D7DA-1835-6E97-0268-6C4C549FAE10}"/>
+              </a:ext>
+            </a:extLst>
+          </p:cNvPr>
+          <p:cNvPicPr>
+            <a:picLocks noChangeAspect="1"/>
+          </p:cNvPicPr>
+          <p:nvPr/>
+        </p:nvPicPr>
+        <p:blipFill>
+          <a:blip r:embed="rId3"/>
+          <a:stretch>
+            <a:fillRect/>
+          </a:stretch>
+        </p:blipFill>
+        <p:spPr>
+          <a:xfrm>
+            <a:off x="251280" y="4850463"/>
+            <a:ext cx="11689439" cy="379009"/>
+          </a:xfrm>
+          <a:prstGeom prst="rect">
+            <a:avLst/>
+          </a:prstGeom>
+        </p:spPr>
+      </p:pic>
+    </p:spTree>
+    <p:extLst>
+      <p:ext uri="{BB962C8B-B14F-4D97-AF65-F5344CB8AC3E}">
+        <p14:creationId xmlns:p14="http://schemas.microsoft.com/office/powerpoint/2010/main" val="502971976"/>
+      </p:ext>
+    </p:extLst>
+  </p:cSld>
+  <p:clrMapOvr>
+    <a:masterClrMapping/>
+  </p:clrMapOvr>
+</p:sld>
+</file>
+
+<file path=ppt/slides/slide31.xml><?xml version="1.0" encoding="utf-8"?>
+<p:sld xmlns:a="http://schemas.openxmlformats.org/drawingml/2006/main" xmlns:r="http://schemas.openxmlformats.org/officeDocument/2006/relationships" xmlns:p="http://schemas.openxmlformats.org/presentationml/2006/main">
+  <p:cSld>
+    <p:spTree>
+      <p:nvGrpSpPr>
+        <p:cNvPr id="1" name=""/>
+        <p:cNvGrpSpPr/>
+        <p:nvPr/>
+      </p:nvGrpSpPr>
+      <p:grpSpPr>
+        <a:xfrm>
+          <a:off x="0" y="0"/>
+          <a:ext cx="0" cy="0"/>
+          <a:chOff x="0" y="0"/>
+          <a:chExt cx="0" cy="0"/>
+        </a:xfrm>
+      </p:grpSpPr>
+      <p:sp>
+        <p:nvSpPr>
+          <p:cNvPr id="101" name="Footer Placeholder 100">
+            <a:extLst>
+              <a:ext uri="{FF2B5EF4-FFF2-40B4-BE49-F238E27FC236}">
+                <a16:creationId xmlns:a16="http://schemas.microsoft.com/office/drawing/2014/main" id="{A45E958A-ABCE-B639-C555-90CCC88988C5}"/>
+              </a:ext>
+            </a:extLst>
+          </p:cNvPr>
+          <p:cNvSpPr>
+            <a:spLocks noGrp="1"/>
+          </p:cNvSpPr>
+          <p:nvPr>
+            <p:ph type="ftr" sz="quarter" idx="11"/>
+          </p:nvPr>
+        </p:nvSpPr>
+        <p:spPr/>
+        <p:txBody>
+          <a:bodyPr/>
+          <a:lstStyle/>
+          <a:p>
+            <a:r>
+              <a:rPr lang="en-US"/>
+              <a:t>Presentation title</a:t>
+            </a:r>
+            <a:endParaRPr lang="en-US" dirty="0"/>
+          </a:p>
+        </p:txBody>
+      </p:sp>
+      <p:sp>
+        <p:nvSpPr>
+          <p:cNvPr id="102" name="Slide Number Placeholder 101">
+            <a:extLst>
+              <a:ext uri="{FF2B5EF4-FFF2-40B4-BE49-F238E27FC236}">
+                <a16:creationId xmlns:a16="http://schemas.microsoft.com/office/drawing/2014/main" id="{51BDF1B8-4D26-9C08-3102-6224AA6A4D20}"/>
+              </a:ext>
+            </a:extLst>
+          </p:cNvPr>
+          <p:cNvSpPr>
+            <a:spLocks noGrp="1"/>
+          </p:cNvSpPr>
+          <p:nvPr>
+            <p:ph type="sldNum" sz="quarter" idx="12"/>
+          </p:nvPr>
+        </p:nvSpPr>
+        <p:spPr/>
+        <p:txBody>
+          <a:bodyPr/>
+          <a:lstStyle/>
+          <a:p>
+            <a:fld id="{48F63A3B-78C7-47BE-AE5E-E10140E04643}" type="slidenum">
+              <a:rPr lang="en-US" smtClean="0"/>
+              <a:pPr/>
+              <a:t>31</a:t>
+            </a:fld>
+            <a:endParaRPr lang="en-US" dirty="0"/>
+          </a:p>
+        </p:txBody>
+      </p:sp>
+      <p:sp>
+        <p:nvSpPr>
+          <p:cNvPr id="3" name="Title 2">
+            <a:extLst>
+              <a:ext uri="{FF2B5EF4-FFF2-40B4-BE49-F238E27FC236}">
+                <a16:creationId xmlns:a16="http://schemas.microsoft.com/office/drawing/2014/main" id="{192DCAB3-89B5-B430-5ED6-4980EC61A638}"/>
+              </a:ext>
+            </a:extLst>
+          </p:cNvPr>
+          <p:cNvSpPr>
+            <a:spLocks noGrp="1"/>
+          </p:cNvSpPr>
+          <p:nvPr>
+            <p:ph type="title"/>
+          </p:nvPr>
+        </p:nvSpPr>
+        <p:spPr>
+          <a:xfrm>
+            <a:off x="643625" y="1045028"/>
+            <a:ext cx="6727558" cy="379009"/>
+          </a:xfrm>
+        </p:spPr>
+        <p:txBody>
+          <a:bodyPr/>
+          <a:lstStyle/>
+          <a:p>
+            <a:r>
+              <a:rPr lang="en-US" sz="1600" dirty="0"/>
+              <a:t>3. Sample size estimation for z-test two mean</a:t>
+            </a:r>
+            <a:endParaRPr lang="en-IN" sz="1600" dirty="0"/>
+          </a:p>
+        </p:txBody>
+      </p:sp>
+      <p:sp>
+        <p:nvSpPr>
+          <p:cNvPr id="6" name="Arrow: Right 5">
+            <a:extLst>
+              <a:ext uri="{FF2B5EF4-FFF2-40B4-BE49-F238E27FC236}">
+                <a16:creationId xmlns:a16="http://schemas.microsoft.com/office/drawing/2014/main" id="{C6733BB6-4C6C-371A-5472-DAE81BB4C458}"/>
+              </a:ext>
+            </a:extLst>
+          </p:cNvPr>
+          <p:cNvSpPr/>
+          <p:nvPr/>
+        </p:nvSpPr>
+        <p:spPr>
+          <a:xfrm>
+            <a:off x="5355771" y="2323322"/>
+            <a:ext cx="2304662" cy="1175658"/>
+          </a:xfrm>
+          <a:prstGeom prst="rightArrow">
+            <a:avLst/>
+          </a:prstGeom>
+          <a:solidFill>
+            <a:schemeClr val="accent3">
+              <a:lumMod val="40000"/>
+              <a:lumOff val="60000"/>
+            </a:schemeClr>
+          </a:solidFill>
+        </p:spPr>
+        <p:style>
+          <a:lnRef idx="2">
+            <a:schemeClr val="dk1">
+              <a:shade val="15000"/>
+            </a:schemeClr>
+          </a:lnRef>
+          <a:fillRef idx="1">
+            <a:schemeClr val="dk1"/>
+          </a:fillRef>
+          <a:effectRef idx="0">
+            <a:schemeClr val="dk1"/>
+          </a:effectRef>
+          <a:fontRef idx="minor">
+            <a:schemeClr val="lt1"/>
+          </a:fontRef>
+        </p:style>
+        <p:txBody>
+          <a:bodyPr rtlCol="0" anchor="ctr"/>
+          <a:lstStyle/>
+          <a:p>
+            <a:pPr algn="ctr"/>
+            <a:r>
+              <a:rPr lang="en-US" dirty="0">
+                <a:solidFill>
+                  <a:schemeClr val="tx1"/>
+                </a:solidFill>
+              </a:rPr>
+              <a:t>Output</a:t>
+            </a:r>
+            <a:endParaRPr lang="en-IN" dirty="0">
+              <a:solidFill>
+                <a:schemeClr val="tx1"/>
+              </a:solidFill>
+            </a:endParaRPr>
+          </a:p>
+        </p:txBody>
+      </p:sp>
+      <p:pic>
+        <p:nvPicPr>
+          <p:cNvPr id="4" name="Picture 3">
+            <a:extLst>
+              <a:ext uri="{FF2B5EF4-FFF2-40B4-BE49-F238E27FC236}">
+                <a16:creationId xmlns:a16="http://schemas.microsoft.com/office/drawing/2014/main" id="{3FDEB6A2-8BB4-207F-5B62-4033285751FF}"/>
+              </a:ext>
+            </a:extLst>
+          </p:cNvPr>
+          <p:cNvPicPr>
+            <a:picLocks noChangeAspect="1"/>
+          </p:cNvPicPr>
+          <p:nvPr/>
+        </p:nvPicPr>
+        <p:blipFill>
+          <a:blip r:embed="rId2"/>
+          <a:stretch>
+            <a:fillRect/>
+          </a:stretch>
+        </p:blipFill>
+        <p:spPr>
+          <a:xfrm>
+            <a:off x="145827" y="1742170"/>
+            <a:ext cx="4979586" cy="1756810"/>
+          </a:xfrm>
+          <a:prstGeom prst="rect">
+            <a:avLst/>
+          </a:prstGeom>
+        </p:spPr>
+      </p:pic>
+      <p:pic>
+        <p:nvPicPr>
+          <p:cNvPr id="7" name="Picture 6">
+            <a:extLst>
+              <a:ext uri="{FF2B5EF4-FFF2-40B4-BE49-F238E27FC236}">
+                <a16:creationId xmlns:a16="http://schemas.microsoft.com/office/drawing/2014/main" id="{C99C9E0C-BA51-1383-E358-E95A4F61AFC3}"/>
+              </a:ext>
+            </a:extLst>
+          </p:cNvPr>
+          <p:cNvPicPr>
+            <a:picLocks noChangeAspect="1"/>
+          </p:cNvPicPr>
+          <p:nvPr/>
+        </p:nvPicPr>
+        <p:blipFill>
+          <a:blip r:embed="rId3"/>
+          <a:stretch>
+            <a:fillRect/>
+          </a:stretch>
+        </p:blipFill>
+        <p:spPr>
+          <a:xfrm>
+            <a:off x="1007408" y="4128563"/>
+            <a:ext cx="10631217" cy="379009"/>
+          </a:xfrm>
+          <a:prstGeom prst="rect">
+            <a:avLst/>
+          </a:prstGeom>
+        </p:spPr>
+      </p:pic>
+    </p:spTree>
+    <p:extLst>
+      <p:ext uri="{BB962C8B-B14F-4D97-AF65-F5344CB8AC3E}">
+        <p14:creationId xmlns:p14="http://schemas.microsoft.com/office/powerpoint/2010/main" val="3272330854"/>
+      </p:ext>
+    </p:extLst>
+  </p:cSld>
+  <p:clrMapOvr>
+    <a:masterClrMapping/>
+  </p:clrMapOvr>
+</p:sld>
+</file>
+
+<file path=ppt/slides/slide32.xml><?xml version="1.0" encoding="utf-8"?>
+<p:sld xmlns:a="http://schemas.openxmlformats.org/drawingml/2006/main" xmlns:r="http://schemas.openxmlformats.org/officeDocument/2006/relationships" xmlns:p="http://schemas.openxmlformats.org/presentationml/2006/main">
+  <p:cSld>
+    <p:spTree>
+      <p:nvGrpSpPr>
+        <p:cNvPr id="1" name=""/>
+        <p:cNvGrpSpPr/>
+        <p:nvPr/>
+      </p:nvGrpSpPr>
+      <p:grpSpPr>
+        <a:xfrm>
+          <a:off x="0" y="0"/>
+          <a:ext cx="0" cy="0"/>
+          <a:chOff x="0" y="0"/>
+          <a:chExt cx="0" cy="0"/>
+        </a:xfrm>
+      </p:grpSpPr>
+      <p:sp>
+        <p:nvSpPr>
+          <p:cNvPr id="101" name="Footer Placeholder 100">
+            <a:extLst>
+              <a:ext uri="{FF2B5EF4-FFF2-40B4-BE49-F238E27FC236}">
+                <a16:creationId xmlns:a16="http://schemas.microsoft.com/office/drawing/2014/main" id="{A45E958A-ABCE-B639-C555-90CCC88988C5}"/>
+              </a:ext>
+            </a:extLst>
+          </p:cNvPr>
+          <p:cNvSpPr>
+            <a:spLocks noGrp="1"/>
+          </p:cNvSpPr>
+          <p:nvPr>
+            <p:ph type="ftr" sz="quarter" idx="11"/>
+          </p:nvPr>
+        </p:nvSpPr>
+        <p:spPr/>
+        <p:txBody>
+          <a:bodyPr/>
+          <a:lstStyle/>
+          <a:p>
+            <a:r>
+              <a:rPr lang="en-US"/>
+              <a:t>Presentation title</a:t>
+            </a:r>
+            <a:endParaRPr lang="en-US" dirty="0"/>
+          </a:p>
+        </p:txBody>
+      </p:sp>
+      <p:sp>
+        <p:nvSpPr>
+          <p:cNvPr id="102" name="Slide Number Placeholder 101">
+            <a:extLst>
+              <a:ext uri="{FF2B5EF4-FFF2-40B4-BE49-F238E27FC236}">
+                <a16:creationId xmlns:a16="http://schemas.microsoft.com/office/drawing/2014/main" id="{51BDF1B8-4D26-9C08-3102-6224AA6A4D20}"/>
+              </a:ext>
+            </a:extLst>
+          </p:cNvPr>
+          <p:cNvSpPr>
+            <a:spLocks noGrp="1"/>
+          </p:cNvSpPr>
+          <p:nvPr>
+            <p:ph type="sldNum" sz="quarter" idx="12"/>
+          </p:nvPr>
+        </p:nvSpPr>
+        <p:spPr/>
+        <p:txBody>
+          <a:bodyPr/>
+          <a:lstStyle/>
+          <a:p>
+            <a:fld id="{48F63A3B-78C7-47BE-AE5E-E10140E04643}" type="slidenum">
+              <a:rPr lang="en-US" smtClean="0"/>
+              <a:pPr/>
+              <a:t>32</a:t>
+            </a:fld>
+            <a:endParaRPr lang="en-US" dirty="0"/>
+          </a:p>
+        </p:txBody>
+      </p:sp>
+      <p:sp>
+        <p:nvSpPr>
+          <p:cNvPr id="3" name="Title 2">
+            <a:extLst>
+              <a:ext uri="{FF2B5EF4-FFF2-40B4-BE49-F238E27FC236}">
+                <a16:creationId xmlns:a16="http://schemas.microsoft.com/office/drawing/2014/main" id="{192DCAB3-89B5-B430-5ED6-4980EC61A638}"/>
+              </a:ext>
+            </a:extLst>
+          </p:cNvPr>
+          <p:cNvSpPr>
+            <a:spLocks noGrp="1"/>
+          </p:cNvSpPr>
+          <p:nvPr>
+            <p:ph type="title"/>
+          </p:nvPr>
+        </p:nvSpPr>
+        <p:spPr>
+          <a:xfrm>
+            <a:off x="652955" y="1045028"/>
+            <a:ext cx="8696318" cy="379009"/>
+          </a:xfrm>
+        </p:spPr>
+        <p:txBody>
+          <a:bodyPr/>
+          <a:lstStyle/>
+          <a:p>
+            <a:r>
+              <a:rPr lang="en-US" sz="1600" dirty="0"/>
+              <a:t>4. Sample size estimation for z-test two sample proportion</a:t>
+            </a:r>
+            <a:endParaRPr lang="en-IN" sz="1600" dirty="0"/>
+          </a:p>
+        </p:txBody>
+      </p:sp>
+      <p:sp>
+        <p:nvSpPr>
+          <p:cNvPr id="6" name="Arrow: Right 5">
+            <a:extLst>
+              <a:ext uri="{FF2B5EF4-FFF2-40B4-BE49-F238E27FC236}">
+                <a16:creationId xmlns:a16="http://schemas.microsoft.com/office/drawing/2014/main" id="{C6733BB6-4C6C-371A-5472-DAE81BB4C458}"/>
+              </a:ext>
+            </a:extLst>
+          </p:cNvPr>
+          <p:cNvSpPr/>
+          <p:nvPr/>
+        </p:nvSpPr>
+        <p:spPr>
+          <a:xfrm>
+            <a:off x="5355771" y="2323322"/>
+            <a:ext cx="2304662" cy="1175658"/>
+          </a:xfrm>
+          <a:prstGeom prst="rightArrow">
+            <a:avLst/>
+          </a:prstGeom>
+          <a:solidFill>
+            <a:schemeClr val="accent3">
+              <a:lumMod val="40000"/>
+              <a:lumOff val="60000"/>
+            </a:schemeClr>
+          </a:solidFill>
+        </p:spPr>
+        <p:style>
+          <a:lnRef idx="2">
+            <a:schemeClr val="dk1">
+              <a:shade val="15000"/>
+            </a:schemeClr>
+          </a:lnRef>
+          <a:fillRef idx="1">
+            <a:schemeClr val="dk1"/>
+          </a:fillRef>
+          <a:effectRef idx="0">
+            <a:schemeClr val="dk1"/>
+          </a:effectRef>
+          <a:fontRef idx="minor">
+            <a:schemeClr val="lt1"/>
+          </a:fontRef>
+        </p:style>
+        <p:txBody>
+          <a:bodyPr rtlCol="0" anchor="ctr"/>
+          <a:lstStyle/>
+          <a:p>
+            <a:pPr algn="ctr"/>
+            <a:r>
+              <a:rPr lang="en-US" dirty="0">
+                <a:solidFill>
+                  <a:schemeClr val="tx1"/>
+                </a:solidFill>
+              </a:rPr>
+              <a:t>Output</a:t>
+            </a:r>
+            <a:endParaRPr lang="en-IN" dirty="0">
+              <a:solidFill>
+                <a:schemeClr val="tx1"/>
+              </a:solidFill>
+            </a:endParaRPr>
+          </a:p>
+        </p:txBody>
+      </p:sp>
+      <p:pic>
+        <p:nvPicPr>
+          <p:cNvPr id="4" name="Picture 3">
+            <a:extLst>
+              <a:ext uri="{FF2B5EF4-FFF2-40B4-BE49-F238E27FC236}">
+                <a16:creationId xmlns:a16="http://schemas.microsoft.com/office/drawing/2014/main" id="{E38175CE-8FAB-D552-2328-4031D92C62CB}"/>
+              </a:ext>
+            </a:extLst>
+          </p:cNvPr>
+          <p:cNvPicPr>
+            <a:picLocks noChangeAspect="1"/>
+          </p:cNvPicPr>
+          <p:nvPr/>
+        </p:nvPicPr>
+        <p:blipFill>
+          <a:blip r:embed="rId2"/>
+          <a:stretch>
+            <a:fillRect/>
+          </a:stretch>
+        </p:blipFill>
+        <p:spPr>
+          <a:xfrm>
+            <a:off x="212850" y="1604865"/>
+            <a:ext cx="5094853" cy="2376989"/>
+          </a:xfrm>
+          <a:prstGeom prst="rect">
+            <a:avLst/>
+          </a:prstGeom>
+        </p:spPr>
+      </p:pic>
+      <p:pic>
+        <p:nvPicPr>
+          <p:cNvPr id="7" name="Picture 6">
+            <a:extLst>
+              <a:ext uri="{FF2B5EF4-FFF2-40B4-BE49-F238E27FC236}">
+                <a16:creationId xmlns:a16="http://schemas.microsoft.com/office/drawing/2014/main" id="{83393521-E863-EA80-3196-89A1FD6AD9B9}"/>
+              </a:ext>
+            </a:extLst>
+          </p:cNvPr>
+          <p:cNvPicPr>
+            <a:picLocks noChangeAspect="1"/>
+          </p:cNvPicPr>
+          <p:nvPr/>
+        </p:nvPicPr>
+        <p:blipFill>
+          <a:blip r:embed="rId3"/>
+          <a:stretch>
+            <a:fillRect/>
+          </a:stretch>
+        </p:blipFill>
+        <p:spPr>
+          <a:xfrm>
+            <a:off x="1893650" y="4463409"/>
+            <a:ext cx="8908552" cy="391790"/>
+          </a:xfrm>
+          <a:prstGeom prst="rect">
+            <a:avLst/>
+          </a:prstGeom>
+        </p:spPr>
+      </p:pic>
+    </p:spTree>
+    <p:extLst>
+      <p:ext uri="{BB962C8B-B14F-4D97-AF65-F5344CB8AC3E}">
+        <p14:creationId xmlns:p14="http://schemas.microsoft.com/office/powerpoint/2010/main" val="1565050547"/>
+      </p:ext>
+    </p:extLst>
+  </p:cSld>
+  <p:clrMapOvr>
+    <a:masterClrMapping/>
+  </p:clrMapOvr>
+</p:sld>
+</file>
+
+<file path=ppt/slides/slide33.xml><?xml version="1.0" encoding="utf-8"?>
+<p:sld xmlns:a="http://schemas.openxmlformats.org/drawingml/2006/main" xmlns:r="http://schemas.openxmlformats.org/officeDocument/2006/relationships" xmlns:p="http://schemas.openxmlformats.org/presentationml/2006/main">
+  <p:cSld>
+    <p:spTree>
+      <p:nvGrpSpPr>
+        <p:cNvPr id="1" name=""/>
+        <p:cNvGrpSpPr/>
+        <p:nvPr/>
+      </p:nvGrpSpPr>
+      <p:grpSpPr>
+        <a:xfrm>
+          <a:off x="0" y="0"/>
+          <a:ext cx="0" cy="0"/>
+          <a:chOff x="0" y="0"/>
+          <a:chExt cx="0" cy="0"/>
+        </a:xfrm>
+      </p:grpSpPr>
+      <p:sp>
+        <p:nvSpPr>
+          <p:cNvPr id="2" name="Title 1">
+            <a:extLst>
+              <a:ext uri="{FF2B5EF4-FFF2-40B4-BE49-F238E27FC236}">
+                <a16:creationId xmlns:a16="http://schemas.microsoft.com/office/drawing/2014/main" id="{B83F7D2E-080D-DBDD-73C4-3C38A2B77908}"/>
+              </a:ext>
+            </a:extLst>
+          </p:cNvPr>
+          <p:cNvSpPr>
+            <a:spLocks noGrp="1"/>
+          </p:cNvSpPr>
+          <p:nvPr>
+            <p:ph type="title"/>
+          </p:nvPr>
+        </p:nvSpPr>
+        <p:spPr/>
+        <p:txBody>
+          <a:bodyPr/>
+          <a:lstStyle/>
+          <a:p>
+            <a:r>
+              <a:rPr lang="en-US" dirty="0"/>
+              <a:t>SUMMARY </a:t>
+            </a:r>
+          </a:p>
+        </p:txBody>
+      </p:sp>
+      <p:sp>
+        <p:nvSpPr>
+          <p:cNvPr id="4" name="Footer Placeholder 3">
+            <a:extLst>
+              <a:ext uri="{FF2B5EF4-FFF2-40B4-BE49-F238E27FC236}">
+                <a16:creationId xmlns:a16="http://schemas.microsoft.com/office/drawing/2014/main" id="{D5BA2433-990B-A170-369A-3DF4A9B33BFA}"/>
+              </a:ext>
+            </a:extLst>
+          </p:cNvPr>
+          <p:cNvSpPr>
+            <a:spLocks noGrp="1"/>
+          </p:cNvSpPr>
+          <p:nvPr>
+            <p:ph type="ftr" sz="quarter" idx="13"/>
+          </p:nvPr>
+        </p:nvSpPr>
+        <p:spPr/>
+        <p:txBody>
+          <a:bodyPr/>
+          <a:lstStyle/>
+          <a:p>
+            <a:r>
+              <a:rPr lang="en-US"/>
+              <a:t>Presentation title</a:t>
+            </a:r>
+            <a:endParaRPr lang="en-US" dirty="0"/>
+          </a:p>
+        </p:txBody>
+      </p:sp>
+      <p:sp>
+        <p:nvSpPr>
+          <p:cNvPr id="5" name="Slide Number Placeholder 4">
+            <a:extLst>
+              <a:ext uri="{FF2B5EF4-FFF2-40B4-BE49-F238E27FC236}">
+                <a16:creationId xmlns:a16="http://schemas.microsoft.com/office/drawing/2014/main" id="{BF7F20BE-640F-EFAB-3A43-2AA146DB42BF}"/>
+              </a:ext>
+            </a:extLst>
+          </p:cNvPr>
+          <p:cNvSpPr>
+            <a:spLocks noGrp="1"/>
+          </p:cNvSpPr>
+          <p:nvPr>
+            <p:ph type="sldNum" sz="quarter" idx="12"/>
+          </p:nvPr>
+        </p:nvSpPr>
+        <p:spPr/>
+        <p:txBody>
+          <a:bodyPr/>
+          <a:lstStyle/>
+          <a:p>
+            <a:fld id="{48F63A3B-78C7-47BE-AE5E-E10140E04643}" type="slidenum">
+              <a:rPr lang="en-US" smtClean="0"/>
+              <a:pPr/>
+              <a:t>33</a:t>
+            </a:fld>
+            <a:endParaRPr lang="en-US" dirty="0"/>
+          </a:p>
+        </p:txBody>
+      </p:sp>
+      <p:sp>
+        <p:nvSpPr>
+          <p:cNvPr id="3" name="Content Placeholder 2">
+            <a:extLst>
+              <a:ext uri="{FF2B5EF4-FFF2-40B4-BE49-F238E27FC236}">
+                <a16:creationId xmlns:a16="http://schemas.microsoft.com/office/drawing/2014/main" id="{2BE8FDE3-DBA4-6A04-C75D-E56FE92EF368}"/>
+              </a:ext>
+            </a:extLst>
+          </p:cNvPr>
+          <p:cNvSpPr>
+            <a:spLocks noGrp="1"/>
+          </p:cNvSpPr>
+          <p:nvPr>
+            <p:ph idx="1"/>
+          </p:nvPr>
+        </p:nvSpPr>
+        <p:spPr/>
+        <p:txBody>
+          <a:bodyPr/>
+          <a:lstStyle/>
+          <a:p>
+            <a:r>
+              <a:rPr lang="en-US" dirty="0"/>
+              <a:t>At Contoso, we believe in giving 110%. By using our next-generation data architecture, we help organizations virtually manage agile workflows. We thrive because of our market knowledge and great team behind our product. As our CEO says, "Efficiencies will come from proactively transforming how we do business."</a:t>
+            </a:r>
+          </a:p>
+          <a:p>
+            <a:endParaRPr lang="en-US" dirty="0"/>
+          </a:p>
+        </p:txBody>
+      </p:sp>
+    </p:spTree>
+    <p:extLst>
+      <p:ext uri="{BB962C8B-B14F-4D97-AF65-F5344CB8AC3E}">
+        <p14:creationId xmlns:p14="http://schemas.microsoft.com/office/powerpoint/2010/main" val="94818171"/>
+      </p:ext>
+    </p:extLst>
+  </p:cSld>
+  <p:clrMapOvr>
+    <a:masterClrMapping/>
+  </p:clrMapOvr>
+</p:sld>
+</file>
+
+<file path=ppt/slides/slide34.xml><?xml version="1.0" encoding="utf-8"?>
+<p:sld xmlns:a="http://schemas.openxmlformats.org/drawingml/2006/main" xmlns:r="http://schemas.openxmlformats.org/officeDocument/2006/relationships" xmlns:p="http://schemas.openxmlformats.org/presentationml/2006/main">
+  <p:cSld>
+    <p:spTree>
+      <p:nvGrpSpPr>
+        <p:cNvPr id="1" name=""/>
+        <p:cNvGrpSpPr/>
+        <p:nvPr/>
+      </p:nvGrpSpPr>
+      <p:grpSpPr>
+        <a:xfrm>
+          <a:off x="0" y="0"/>
+          <a:ext cx="0" cy="0"/>
+          <a:chOff x="0" y="0"/>
+          <a:chExt cx="0" cy="0"/>
+        </a:xfrm>
+      </p:grpSpPr>
+      <p:sp>
+        <p:nvSpPr>
+          <p:cNvPr id="2" name="Title 1">
+            <a:extLst>
+              <a:ext uri="{FF2B5EF4-FFF2-40B4-BE49-F238E27FC236}">
+                <a16:creationId xmlns:a16="http://schemas.microsoft.com/office/drawing/2014/main" id="{800AB426-5B7C-607E-D413-5D2C9495CC0A}"/>
+              </a:ext>
+            </a:extLst>
+          </p:cNvPr>
+          <p:cNvSpPr>
+            <a:spLocks noGrp="1"/>
+          </p:cNvSpPr>
+          <p:nvPr>
+            <p:ph type="ctrTitle"/>
+          </p:nvPr>
+        </p:nvSpPr>
+        <p:spPr/>
+        <p:txBody>
+          <a:bodyPr/>
+          <a:lstStyle/>
+          <a:p>
+            <a:r>
+              <a:rPr lang="en-US" dirty="0"/>
+              <a:t>THANK YOU</a:t>
+            </a:r>
+          </a:p>
+        </p:txBody>
+      </p:sp>
+      <p:sp>
+        <p:nvSpPr>
+          <p:cNvPr id="3" name="Subtitle 2">
+            <a:extLst>
+              <a:ext uri="{FF2B5EF4-FFF2-40B4-BE49-F238E27FC236}">
+                <a16:creationId xmlns:a16="http://schemas.microsoft.com/office/drawing/2014/main" id="{B787DFD8-D262-D485-B1F2-817C5A0928C5}"/>
+              </a:ext>
+            </a:extLst>
+          </p:cNvPr>
+          <p:cNvSpPr>
+            <a:spLocks noGrp="1"/>
+          </p:cNvSpPr>
+          <p:nvPr>
+            <p:ph type="subTitle" idx="1"/>
+          </p:nvPr>
+        </p:nvSpPr>
+        <p:spPr/>
+        <p:txBody>
+          <a:bodyPr/>
+          <a:lstStyle/>
+          <a:p>
+            <a:r>
+              <a:rPr lang="en-US" dirty="0"/>
+              <a:t>Mirjam Nilsson​</a:t>
+            </a:r>
+          </a:p>
+          <a:p>
+            <a:r>
+              <a:rPr lang="en-US" dirty="0"/>
+              <a:t>mirjam@contoso.com</a:t>
+            </a:r>
+          </a:p>
+          <a:p>
+            <a:r>
+              <a:rPr lang="en-US" dirty="0"/>
+              <a:t>www.contoso.com</a:t>
+            </a:r>
+          </a:p>
+        </p:txBody>
+      </p:sp>
+    </p:spTree>
+    <p:extLst>
+      <p:ext uri="{BB962C8B-B14F-4D97-AF65-F5344CB8AC3E}">
+        <p14:creationId xmlns:p14="http://schemas.microsoft.com/office/powerpoint/2010/main" val="1003962426"/>
       </p:ext>
     </p:extLst>
   </p:cSld>
@@ -23559,7 +29160,12 @@
             <p:ph type="body" idx="1"/>
           </p:nvPr>
         </p:nvSpPr>
-        <p:spPr/>
+        <p:spPr>
+          <a:xfrm>
+            <a:off x="2895599" y="4718304"/>
+            <a:ext cx="7293429" cy="1281280"/>
+          </a:xfrm>
+        </p:spPr>
         <p:txBody>
           <a:bodyPr/>
           <a:lstStyle/>
@@ -23580,7 +29186,41 @@
                 <a:latin typeface="Sabon Next LT" panose="02000500000000000000" pitchFamily="2" charset="0"/>
                 <a:cs typeface="Sabon Next LT" panose="02000500000000000000" pitchFamily="2" charset="0"/>
               </a:rPr>
-              <a:t>t</a:t>
+              <a:t>t </a:t>
+            </a:r>
+          </a:p>
+          <a:p>
+            <a:pPr algn="ctr"/>
+            <a:r>
+              <a:rPr lang="en-US" dirty="0">
+                <a:latin typeface="Sabon Next LT" panose="02000500000000000000" pitchFamily="2" charset="0"/>
+                <a:cs typeface="Sabon Next LT" panose="02000500000000000000" pitchFamily="2" charset="0"/>
+              </a:rPr>
+              <a:t>(from </a:t>
+            </a:r>
+            <a:r>
+              <a:rPr lang="en-US" dirty="0">
+                <a:solidFill>
+                  <a:schemeClr val="tx1"/>
+                </a:solidFill>
+                <a:latin typeface="Sabon Next LT" panose="02000500000000000000" pitchFamily="2" charset="0"/>
+                <a:cs typeface="Sabon Next LT" panose="02000500000000000000" pitchFamily="2" charset="0"/>
+                <a:hlinkClick r:id="rId2">
+                  <a:extLst>
+                    <a:ext uri="{A12FA001-AC4F-418D-AE19-62706E023703}">
+                      <ahyp:hlinkClr xmlns:ahyp="http://schemas.microsoft.com/office/drawing/2018/hyperlinkcolor" val="tx"/>
+                    </a:ext>
+                  </a:extLst>
+                </a:hlinkClick>
+              </a:rPr>
+              <a:t>https://www.cdc.gov/diabetes/data/index.html</a:t>
+            </a:r>
+            <a:r>
+              <a:rPr lang="en-US" dirty="0">
+                <a:latin typeface="Sabon Next LT" panose="02000500000000000000" pitchFamily="2" charset="0"/>
+                <a:cs typeface="Sabon Next LT" panose="02000500000000000000" pitchFamily="2" charset="0"/>
+              </a:rPr>
+              <a:t>)</a:t>
             </a:r>
             <a:endParaRPr lang="en-US" sz="2400" dirty="0">
               <a:solidFill>
@@ -23595,7 +29235,7 @@
     </p:spTree>
     <p:extLst>
       <p:ext uri="{BB962C8B-B14F-4D97-AF65-F5344CB8AC3E}">
-        <p14:creationId xmlns:p14="http://schemas.microsoft.com/office/powerpoint/2010/main" val="2952923800"/>
+        <p14:creationId xmlns:p14="http://schemas.microsoft.com/office/powerpoint/2010/main" val="1275644102"/>
       </p:ext>
     </p:extLst>
   </p:cSld>
@@ -23704,8 +29344,8 @@
         </p:blipFill>
         <p:spPr>
           <a:xfrm>
-            <a:off x="3596721" y="2118050"/>
-            <a:ext cx="7457617" cy="3256384"/>
+            <a:off x="1246187" y="2118050"/>
+            <a:ext cx="9808152" cy="4282750"/>
           </a:xfrm>
         </p:spPr>
       </p:pic>
@@ -23727,8 +29367,8 @@
         </p:nvSpPr>
         <p:spPr>
           <a:xfrm>
-            <a:off x="712298" y="1574259"/>
-            <a:ext cx="2539190" cy="648665"/>
+            <a:off x="4541053" y="809149"/>
+            <a:ext cx="3109894" cy="1056974"/>
           </a:xfrm>
         </p:spPr>
         <p:txBody>
@@ -23736,7 +29376,7 @@
           <a:lstStyle/>
           <a:p>
             <a:r>
-              <a:rPr lang="en-US" sz="1400" dirty="0"/>
+              <a:rPr lang="en-US" sz="2000" dirty="0"/>
               <a:t>Actual dataset preview</a:t>
             </a:r>
           </a:p>
@@ -23745,7 +29385,7 @@
     </p:spTree>
     <p:extLst>
       <p:ext uri="{BB962C8B-B14F-4D97-AF65-F5344CB8AC3E}">
-        <p14:creationId xmlns:p14="http://schemas.microsoft.com/office/powerpoint/2010/main" val="2886474736"/>
+        <p14:creationId xmlns:p14="http://schemas.microsoft.com/office/powerpoint/2010/main" val="4065555057"/>
       </p:ext>
     </p:extLst>
   </p:cSld>
@@ -23857,7 +29497,7 @@
           <a:lstStyle/>
           <a:p>
             <a:r>
-              <a:rPr lang="en-US" sz="1400" dirty="0"/>
+              <a:rPr lang="en-US" sz="2000" dirty="0"/>
               <a:t>Modified Data</a:t>
             </a:r>
           </a:p>
@@ -23887,11 +29527,88 @@
         </p:blipFill>
         <p:spPr>
           <a:xfrm>
-            <a:off x="4299270" y="1421867"/>
+            <a:off x="4227251" y="1664463"/>
             <a:ext cx="1796730" cy="4685440"/>
           </a:xfrm>
         </p:spPr>
       </p:pic>
+      <p:sp>
+        <p:nvSpPr>
+          <p:cNvPr id="2" name="TextBox 1">
+            <a:extLst>
+              <a:ext uri="{FF2B5EF4-FFF2-40B4-BE49-F238E27FC236}">
+                <a16:creationId xmlns:a16="http://schemas.microsoft.com/office/drawing/2014/main" id="{D56E0F48-AC66-855A-3FA5-67B6A1DA7F31}"/>
+              </a:ext>
+            </a:extLst>
+          </p:cNvPr>
+          <p:cNvSpPr txBox="1"/>
+          <p:nvPr/>
+        </p:nvSpPr>
+        <p:spPr>
+          <a:xfrm>
+            <a:off x="7237320" y="3351522"/>
+            <a:ext cx="4201824" cy="646331"/>
+          </a:xfrm>
+          <a:prstGeom prst="rect">
+            <a:avLst/>
+          </a:prstGeom>
+          <a:noFill/>
+        </p:spPr>
+        <p:txBody>
+          <a:bodyPr wrap="square" rtlCol="0">
+            <a:spAutoFit/>
+          </a:bodyPr>
+          <a:lstStyle/>
+          <a:p>
+            <a:r>
+              <a:rPr lang="en-US" dirty="0"/>
+              <a:t>This is the added for performing all the dependency tests , such as paired-sign test.</a:t>
+            </a:r>
+            <a:endParaRPr lang="en-IN" dirty="0"/>
+          </a:p>
+        </p:txBody>
+      </p:sp>
+      <p:cxnSp>
+        <p:nvCxnSpPr>
+          <p:cNvPr id="4" name="Connector: Elbow 3">
+            <a:extLst>
+              <a:ext uri="{FF2B5EF4-FFF2-40B4-BE49-F238E27FC236}">
+                <a16:creationId xmlns:a16="http://schemas.microsoft.com/office/drawing/2014/main" id="{8FD9BC16-6765-1A55-031E-EB3AC03C20FF}"/>
+              </a:ext>
+            </a:extLst>
+          </p:cNvPr>
+          <p:cNvCxnSpPr>
+            <a:cxnSpLocks/>
+          </p:cNvCxnSpPr>
+          <p:nvPr/>
+        </p:nvCxnSpPr>
+        <p:spPr>
+          <a:xfrm rot="10800000">
+            <a:off x="6168021" y="3096049"/>
+            <a:ext cx="1069300" cy="510946"/>
+          </a:xfrm>
+          <a:prstGeom prst="bentConnector3">
+            <a:avLst/>
+          </a:prstGeom>
+          <a:ln>
+            <a:tailEnd type="triangle"/>
+          </a:ln>
+        </p:spPr>
+        <p:style>
+          <a:lnRef idx="3">
+            <a:schemeClr val="dk1"/>
+          </a:lnRef>
+          <a:fillRef idx="0">
+            <a:schemeClr val="dk1"/>
+          </a:fillRef>
+          <a:effectRef idx="2">
+            <a:schemeClr val="dk1"/>
+          </a:effectRef>
+          <a:fontRef idx="minor">
+            <a:schemeClr val="tx1"/>
+          </a:fontRef>
+        </p:style>
+      </p:cxnSp>
     </p:spTree>
     <p:extLst>
       <p:ext uri="{BB962C8B-B14F-4D97-AF65-F5344CB8AC3E}">
@@ -23924,10 +29641,10 @@
       </p:grpSpPr>
       <p:sp>
         <p:nvSpPr>
-          <p:cNvPr id="5" name="Title 4">
-            <a:extLst>
-              <a:ext uri="{FF2B5EF4-FFF2-40B4-BE49-F238E27FC236}">
-                <a16:creationId xmlns:a16="http://schemas.microsoft.com/office/drawing/2014/main" id="{C371CEB5-0F43-BA22-C4E7-3A84E631DA11}"/>
+          <p:cNvPr id="2" name="Title 1">
+            <a:extLst>
+              <a:ext uri="{FF2B5EF4-FFF2-40B4-BE49-F238E27FC236}">
+                <a16:creationId xmlns:a16="http://schemas.microsoft.com/office/drawing/2014/main" id="{86B309B0-6209-D3D0-9D5E-308B9F6E7303}"/>
               </a:ext>
             </a:extLst>
           </p:cNvPr>
@@ -23938,62 +29655,28 @@
             <p:ph type="title"/>
           </p:nvPr>
         </p:nvSpPr>
-        <p:spPr>
-          <a:xfrm>
-            <a:off x="758952" y="2682364"/>
-            <a:ext cx="10671048" cy="768096"/>
-          </a:xfrm>
-        </p:spPr>
+        <p:spPr/>
         <p:txBody>
           <a:bodyPr/>
           <a:lstStyle/>
           <a:p>
             <a:r>
               <a:rPr lang="en-US" dirty="0"/>
-              <a:t>Code</a:t>
+              <a:t>AREAS OF FOCUS</a:t>
             </a:r>
-          </a:p>
-        </p:txBody>
-      </p:sp>
-      <p:sp>
-        <p:nvSpPr>
-          <p:cNvPr id="101" name="Footer Placeholder 100">
-            <a:extLst>
-              <a:ext uri="{FF2B5EF4-FFF2-40B4-BE49-F238E27FC236}">
-                <a16:creationId xmlns:a16="http://schemas.microsoft.com/office/drawing/2014/main" id="{A45E958A-ABCE-B639-C555-90CCC88988C5}"/>
-              </a:ext>
-            </a:extLst>
-          </p:cNvPr>
-          <p:cNvSpPr>
-            <a:spLocks noGrp="1"/>
-          </p:cNvSpPr>
-          <p:nvPr>
-            <p:ph type="ftr" sz="quarter" idx="11"/>
-          </p:nvPr>
-        </p:nvSpPr>
-        <p:spPr>
-          <a:xfrm>
-            <a:off x="621792" y="438539"/>
-            <a:ext cx="3200400" cy="274320"/>
-          </a:xfrm>
-        </p:spPr>
-        <p:txBody>
-          <a:bodyPr/>
-          <a:lstStyle/>
-          <a:p>
-            <a:r>
+            <a:br>
               <a:rPr lang="en-US" dirty="0"/>
-              <a:t>Statistics Case Study</a:t>
-            </a:r>
-          </a:p>
-        </p:txBody>
-      </p:sp>
-      <p:sp>
-        <p:nvSpPr>
-          <p:cNvPr id="102" name="Slide Number Placeholder 101">
-            <a:extLst>
-              <a:ext uri="{FF2B5EF4-FFF2-40B4-BE49-F238E27FC236}">
-                <a16:creationId xmlns:a16="http://schemas.microsoft.com/office/drawing/2014/main" id="{51BDF1B8-4D26-9C08-3102-6224AA6A4D20}"/>
+            </a:br>
+            <a:endParaRPr lang="en-US" dirty="0"/>
+          </a:p>
+        </p:txBody>
+      </p:sp>
+      <p:sp>
+        <p:nvSpPr>
+          <p:cNvPr id="25" name="Slide Number Placeholder 24">
+            <a:extLst>
+              <a:ext uri="{FF2B5EF4-FFF2-40B4-BE49-F238E27FC236}">
+                <a16:creationId xmlns:a16="http://schemas.microsoft.com/office/drawing/2014/main" id="{5058AE03-D409-0714-CCED-4548A9C92023}"/>
               </a:ext>
             </a:extLst>
           </p:cNvPr>
@@ -24011,17 +29694,160 @@
           <a:p>
             <a:fld id="{48F63A3B-78C7-47BE-AE5E-E10140E04643}" type="slidenum">
               <a:rPr lang="en-US" smtClean="0"/>
-              <a:pPr/>
               <a:t>7</a:t>
             </a:fld>
             <a:endParaRPr lang="en-US" dirty="0"/>
           </a:p>
         </p:txBody>
       </p:sp>
+      <p:sp>
+        <p:nvSpPr>
+          <p:cNvPr id="11" name="Text Placeholder 10">
+            <a:extLst>
+              <a:ext uri="{FF2B5EF4-FFF2-40B4-BE49-F238E27FC236}">
+                <a16:creationId xmlns:a16="http://schemas.microsoft.com/office/drawing/2014/main" id="{A2C39DD0-CD86-2929-7808-58D17FC2C0A6}"/>
+              </a:ext>
+            </a:extLst>
+          </p:cNvPr>
+          <p:cNvSpPr>
+            <a:spLocks noGrp="1"/>
+          </p:cNvSpPr>
+          <p:nvPr>
+            <p:ph type="body" idx="1"/>
+          </p:nvPr>
+        </p:nvSpPr>
+        <p:spPr/>
+        <p:txBody>
+          <a:bodyPr/>
+          <a:lstStyle/>
+          <a:p>
+            <a:r>
+              <a:rPr lang="en-US" dirty="0"/>
+              <a:t>B2B MARKET SCENARIOS</a:t>
+            </a:r>
+          </a:p>
+        </p:txBody>
+      </p:sp>
+      <p:sp>
+        <p:nvSpPr>
+          <p:cNvPr id="12" name="Content Placeholder 11">
+            <a:extLst>
+              <a:ext uri="{FF2B5EF4-FFF2-40B4-BE49-F238E27FC236}">
+                <a16:creationId xmlns:a16="http://schemas.microsoft.com/office/drawing/2014/main" id="{CE3C1BFF-2275-1E7D-0604-E6F5CFEC01F6}"/>
+              </a:ext>
+            </a:extLst>
+          </p:cNvPr>
+          <p:cNvSpPr>
+            <a:spLocks noGrp="1"/>
+          </p:cNvSpPr>
+          <p:nvPr>
+            <p:ph sz="half" idx="2"/>
+          </p:nvPr>
+        </p:nvSpPr>
+        <p:spPr/>
+        <p:txBody>
+          <a:bodyPr/>
+          <a:lstStyle/>
+          <a:p>
+            <a:r>
+              <a:rPr lang="en-US" dirty="0"/>
+              <a:t>Develop winning strategies to keep ahead of the competition</a:t>
+            </a:r>
+          </a:p>
+          <a:p>
+            <a:r>
+              <a:rPr lang="en-US" dirty="0"/>
+              <a:t>Capitalize on low-hanging fruit to identify a ballpark value</a:t>
+            </a:r>
+          </a:p>
+          <a:p>
+            <a:r>
+              <a:rPr lang="en-US" dirty="0"/>
+              <a:t>Visualize customer directed convergence</a:t>
+            </a:r>
+          </a:p>
+          <a:p>
+            <a:endParaRPr lang="en-US" dirty="0"/>
+          </a:p>
+        </p:txBody>
+      </p:sp>
+      <p:sp>
+        <p:nvSpPr>
+          <p:cNvPr id="13" name="Text Placeholder 12">
+            <a:extLst>
+              <a:ext uri="{FF2B5EF4-FFF2-40B4-BE49-F238E27FC236}">
+                <a16:creationId xmlns:a16="http://schemas.microsoft.com/office/drawing/2014/main" id="{F618F075-837C-1005-19D6-8DC90759CD53}"/>
+              </a:ext>
+            </a:extLst>
+          </p:cNvPr>
+          <p:cNvSpPr>
+            <a:spLocks noGrp="1"/>
+          </p:cNvSpPr>
+          <p:nvPr>
+            <p:ph type="body" sz="quarter" idx="3"/>
+          </p:nvPr>
+        </p:nvSpPr>
+        <p:spPr/>
+        <p:txBody>
+          <a:bodyPr/>
+          <a:lstStyle/>
+          <a:p>
+            <a:r>
+              <a:rPr lang="en-US" dirty="0"/>
+              <a:t>CLOUD-BASED</a:t>
+            </a:r>
+            <a:r>
+              <a:rPr lang="zh-CN" altLang="en-US"/>
+              <a:t> </a:t>
+            </a:r>
+            <a:r>
+              <a:rPr lang="en-US" dirty="0"/>
+              <a:t>OPPORTUNITIES</a:t>
+            </a:r>
+          </a:p>
+        </p:txBody>
+      </p:sp>
+      <p:sp>
+        <p:nvSpPr>
+          <p:cNvPr id="14" name="Content Placeholder 13">
+            <a:extLst>
+              <a:ext uri="{FF2B5EF4-FFF2-40B4-BE49-F238E27FC236}">
+                <a16:creationId xmlns:a16="http://schemas.microsoft.com/office/drawing/2014/main" id="{DD1D0BF9-FCAA-67DA-79AB-E6E7E6D2B6A1}"/>
+              </a:ext>
+            </a:extLst>
+          </p:cNvPr>
+          <p:cNvSpPr>
+            <a:spLocks noGrp="1"/>
+          </p:cNvSpPr>
+          <p:nvPr>
+            <p:ph sz="quarter" idx="4"/>
+          </p:nvPr>
+        </p:nvSpPr>
+        <p:spPr/>
+        <p:txBody>
+          <a:bodyPr/>
+          <a:lstStyle/>
+          <a:p>
+            <a:r>
+              <a:rPr lang="en-US" dirty="0"/>
+              <a:t>Iterative approaches to corporate strategy</a:t>
+            </a:r>
+          </a:p>
+          <a:p>
+            <a:r>
+              <a:rPr lang="en-US" dirty="0"/>
+              <a:t>Establish a management framework from the inside</a:t>
+            </a:r>
+          </a:p>
+          <a:p>
+            <a:endParaRPr lang="en-US" dirty="0"/>
+          </a:p>
+        </p:txBody>
+      </p:sp>
     </p:spTree>
     <p:extLst>
       <p:ext uri="{BB962C8B-B14F-4D97-AF65-F5344CB8AC3E}">
-        <p14:creationId xmlns:p14="http://schemas.microsoft.com/office/powerpoint/2010/main" val="249904479"/>
+        <p14:creationId xmlns:p14="http://schemas.microsoft.com/office/powerpoint/2010/main" val="3170280394"/>
       </p:ext>
     </p:extLst>
   </p:cSld>
@@ -24050,10 +29876,69 @@
       </p:grpSpPr>
       <p:sp>
         <p:nvSpPr>
-          <p:cNvPr id="2" name="Title 1">
-            <a:extLst>
-              <a:ext uri="{FF2B5EF4-FFF2-40B4-BE49-F238E27FC236}">
-                <a16:creationId xmlns:a16="http://schemas.microsoft.com/office/drawing/2014/main" id="{B83F7D2E-080D-DBDD-73C4-3C38A2B77908}"/>
+          <p:cNvPr id="101" name="Footer Placeholder 100">
+            <a:extLst>
+              <a:ext uri="{FF2B5EF4-FFF2-40B4-BE49-F238E27FC236}">
+                <a16:creationId xmlns:a16="http://schemas.microsoft.com/office/drawing/2014/main" id="{A45E958A-ABCE-B639-C555-90CCC88988C5}"/>
+              </a:ext>
+            </a:extLst>
+          </p:cNvPr>
+          <p:cNvSpPr>
+            <a:spLocks noGrp="1"/>
+          </p:cNvSpPr>
+          <p:nvPr>
+            <p:ph type="ftr" sz="quarter" idx="11"/>
+          </p:nvPr>
+        </p:nvSpPr>
+        <p:spPr/>
+        <p:txBody>
+          <a:bodyPr/>
+          <a:lstStyle/>
+          <a:p>
+            <a:r>
+              <a:rPr lang="en-US"/>
+              <a:t>Presentation title</a:t>
+            </a:r>
+            <a:endParaRPr lang="en-US" dirty="0"/>
+          </a:p>
+        </p:txBody>
+      </p:sp>
+      <p:sp>
+        <p:nvSpPr>
+          <p:cNvPr id="102" name="Slide Number Placeholder 101">
+            <a:extLst>
+              <a:ext uri="{FF2B5EF4-FFF2-40B4-BE49-F238E27FC236}">
+                <a16:creationId xmlns:a16="http://schemas.microsoft.com/office/drawing/2014/main" id="{51BDF1B8-4D26-9C08-3102-6224AA6A4D20}"/>
+              </a:ext>
+            </a:extLst>
+          </p:cNvPr>
+          <p:cNvSpPr>
+            <a:spLocks noGrp="1"/>
+          </p:cNvSpPr>
+          <p:nvPr>
+            <p:ph type="sldNum" sz="quarter" idx="12"/>
+          </p:nvPr>
+        </p:nvSpPr>
+        <p:spPr/>
+        <p:txBody>
+          <a:bodyPr/>
+          <a:lstStyle/>
+          <a:p>
+            <a:fld id="{48F63A3B-78C7-47BE-AE5E-E10140E04643}" type="slidenum">
+              <a:rPr lang="en-US" smtClean="0"/>
+              <a:pPr/>
+              <a:t>8</a:t>
+            </a:fld>
+            <a:endParaRPr lang="en-US" dirty="0"/>
+          </a:p>
+        </p:txBody>
+      </p:sp>
+      <p:sp>
+        <p:nvSpPr>
+          <p:cNvPr id="28" name="Title 27">
+            <a:extLst>
+              <a:ext uri="{FF2B5EF4-FFF2-40B4-BE49-F238E27FC236}">
+                <a16:creationId xmlns:a16="http://schemas.microsoft.com/office/drawing/2014/main" id="{18BB6089-2AB4-156C-41AC-884C8C8A908E}"/>
               </a:ext>
             </a:extLst>
           </p:cNvPr>
@@ -24064,81 +29949,71 @@
             <p:ph type="title"/>
           </p:nvPr>
         </p:nvSpPr>
-        <p:spPr/>
+        <p:spPr>
+          <a:xfrm>
+            <a:off x="758952" y="2369977"/>
+            <a:ext cx="10671048" cy="768096"/>
+          </a:xfrm>
+        </p:spPr>
         <p:txBody>
           <a:bodyPr/>
           <a:lstStyle/>
           <a:p>
             <a:r>
               <a:rPr lang="en-US" dirty="0"/>
-              <a:t>SUMMARY </a:t>
+              <a:t>C</a:t>
             </a:r>
-          </a:p>
-        </p:txBody>
-      </p:sp>
-      <p:sp>
-        <p:nvSpPr>
-          <p:cNvPr id="4" name="Footer Placeholder 3">
-            <a:extLst>
-              <a:ext uri="{FF2B5EF4-FFF2-40B4-BE49-F238E27FC236}">
-                <a16:creationId xmlns:a16="http://schemas.microsoft.com/office/drawing/2014/main" id="{D5BA2433-990B-A170-369A-3DF4A9B33BFA}"/>
-              </a:ext>
-            </a:extLst>
-          </p:cNvPr>
-          <p:cNvSpPr>
-            <a:spLocks noGrp="1"/>
-          </p:cNvSpPr>
-          <p:nvPr>
-            <p:ph type="ftr" sz="quarter" idx="13"/>
-          </p:nvPr>
-        </p:nvSpPr>
-        <p:spPr/>
-        <p:txBody>
-          <a:bodyPr/>
+            <a:r>
+              <a:rPr lang="en-IN" dirty="0"/>
+              <a:t>ode</a:t>
+            </a:r>
+          </a:p>
+        </p:txBody>
+      </p:sp>
+      <p:sp>
+        <p:nvSpPr>
+          <p:cNvPr id="29" name="TextBox 28">
+            <a:extLst>
+              <a:ext uri="{FF2B5EF4-FFF2-40B4-BE49-F238E27FC236}">
+                <a16:creationId xmlns:a16="http://schemas.microsoft.com/office/drawing/2014/main" id="{18DA91F8-18F2-D3C6-6ABB-0FFB2CD8EBCF}"/>
+              </a:ext>
+            </a:extLst>
+          </p:cNvPr>
+          <p:cNvSpPr txBox="1"/>
+          <p:nvPr/>
+        </p:nvSpPr>
+        <p:spPr>
+          <a:xfrm>
+            <a:off x="5301374" y="3181996"/>
+            <a:ext cx="1586204" cy="584775"/>
+          </a:xfrm>
+          <a:prstGeom prst="rect">
+            <a:avLst/>
+          </a:prstGeom>
+          <a:noFill/>
+        </p:spPr>
+        <p:txBody>
+          <a:bodyPr wrap="square" rtlCol="0">
+            <a:spAutoFit/>
+          </a:bodyPr>
           <a:lstStyle/>
           <a:p>
             <a:r>
-              <a:rPr lang="en-US"/>
-              <a:t>Presentation title</a:t>
+              <a:rPr lang="en-US" sz="3200" dirty="0">
+                <a:latin typeface="+mj-lt"/>
+              </a:rPr>
+              <a:t>Unit-II</a:t>
             </a:r>
-            <a:endParaRPr lang="en-US" dirty="0"/>
-          </a:p>
-        </p:txBody>
-      </p:sp>
-      <p:sp>
-        <p:nvSpPr>
-          <p:cNvPr id="5" name="Slide Number Placeholder 4">
-            <a:extLst>
-              <a:ext uri="{FF2B5EF4-FFF2-40B4-BE49-F238E27FC236}">
-                <a16:creationId xmlns:a16="http://schemas.microsoft.com/office/drawing/2014/main" id="{BF7F20BE-640F-EFAB-3A43-2AA146DB42BF}"/>
-              </a:ext>
-            </a:extLst>
-          </p:cNvPr>
-          <p:cNvSpPr>
-            <a:spLocks noGrp="1"/>
-          </p:cNvSpPr>
-          <p:nvPr>
-            <p:ph type="sldNum" sz="quarter" idx="12"/>
-          </p:nvPr>
-        </p:nvSpPr>
-        <p:spPr/>
-        <p:txBody>
-          <a:bodyPr/>
-          <a:lstStyle/>
-          <a:p>
-            <a:fld id="{48F63A3B-78C7-47BE-AE5E-E10140E04643}" type="slidenum">
-              <a:rPr lang="en-US" smtClean="0"/>
-              <a:pPr/>
-              <a:t>8</a:t>
-            </a:fld>
-            <a:endParaRPr lang="en-US" dirty="0"/>
+            <a:endParaRPr lang="en-IN" sz="3200" dirty="0">
+              <a:latin typeface="+mj-lt"/>
+            </a:endParaRPr>
           </a:p>
         </p:txBody>
       </p:sp>
     </p:spTree>
     <p:extLst>
       <p:ext uri="{BB962C8B-B14F-4D97-AF65-F5344CB8AC3E}">
-        <p14:creationId xmlns:p14="http://schemas.microsoft.com/office/powerpoint/2010/main" val="94818171"/>
+        <p14:creationId xmlns:p14="http://schemas.microsoft.com/office/powerpoint/2010/main" val="249904479"/>
       </p:ext>
     </p:extLst>
   </p:cSld>
@@ -24167,10 +30042,10 @@
       </p:grpSpPr>
       <p:sp>
         <p:nvSpPr>
-          <p:cNvPr id="2" name="Title 1">
-            <a:extLst>
-              <a:ext uri="{FF2B5EF4-FFF2-40B4-BE49-F238E27FC236}">
-                <a16:creationId xmlns:a16="http://schemas.microsoft.com/office/drawing/2014/main" id="{800AB426-5B7C-607E-D413-5D2C9495CC0A}"/>
+          <p:cNvPr id="101" name="Footer Placeholder 100">
+            <a:extLst>
+              <a:ext uri="{FF2B5EF4-FFF2-40B4-BE49-F238E27FC236}">
+                <a16:creationId xmlns:a16="http://schemas.microsoft.com/office/drawing/2014/main" id="{A45E958A-ABCE-B639-C555-90CCC88988C5}"/>
               </a:ext>
             </a:extLst>
           </p:cNvPr>
@@ -24178,13 +30053,72 @@
             <a:spLocks noGrp="1"/>
           </p:cNvSpPr>
           <p:nvPr>
-            <p:ph type="ctrTitle"/>
+            <p:ph type="ftr" sz="quarter" idx="11"/>
+          </p:nvPr>
+        </p:nvSpPr>
+        <p:spPr/>
+        <p:txBody>
+          <a:bodyPr/>
+          <a:lstStyle/>
+          <a:p>
+            <a:r>
+              <a:rPr lang="en-US"/>
+              <a:t>Presentation title</a:t>
+            </a:r>
+            <a:endParaRPr lang="en-US" dirty="0"/>
+          </a:p>
+        </p:txBody>
+      </p:sp>
+      <p:sp>
+        <p:nvSpPr>
+          <p:cNvPr id="102" name="Slide Number Placeholder 101">
+            <a:extLst>
+              <a:ext uri="{FF2B5EF4-FFF2-40B4-BE49-F238E27FC236}">
+                <a16:creationId xmlns:a16="http://schemas.microsoft.com/office/drawing/2014/main" id="{51BDF1B8-4D26-9C08-3102-6224AA6A4D20}"/>
+              </a:ext>
+            </a:extLst>
+          </p:cNvPr>
+          <p:cNvSpPr>
+            <a:spLocks noGrp="1"/>
+          </p:cNvSpPr>
+          <p:nvPr>
+            <p:ph type="sldNum" sz="quarter" idx="12"/>
+          </p:nvPr>
+        </p:nvSpPr>
+        <p:spPr/>
+        <p:txBody>
+          <a:bodyPr/>
+          <a:lstStyle/>
+          <a:p>
+            <a:fld id="{48F63A3B-78C7-47BE-AE5E-E10140E04643}" type="slidenum">
+              <a:rPr lang="en-US" smtClean="0"/>
+              <a:pPr/>
+              <a:t>9</a:t>
+            </a:fld>
+            <a:endParaRPr lang="en-US" dirty="0"/>
+          </a:p>
+        </p:txBody>
+      </p:sp>
+      <p:sp>
+        <p:nvSpPr>
+          <p:cNvPr id="3" name="Title 2">
+            <a:extLst>
+              <a:ext uri="{FF2B5EF4-FFF2-40B4-BE49-F238E27FC236}">
+                <a16:creationId xmlns:a16="http://schemas.microsoft.com/office/drawing/2014/main" id="{192DCAB3-89B5-B430-5ED6-4980EC61A638}"/>
+              </a:ext>
+            </a:extLst>
+          </p:cNvPr>
+          <p:cNvSpPr>
+            <a:spLocks noGrp="1"/>
+          </p:cNvSpPr>
+          <p:nvPr>
+            <p:ph type="title"/>
           </p:nvPr>
         </p:nvSpPr>
         <p:spPr>
           <a:xfrm>
-            <a:off x="1527048" y="3122769"/>
-            <a:ext cx="4568952" cy="667512"/>
+            <a:off x="652955" y="1045028"/>
+            <a:ext cx="4170971" cy="379009"/>
           </a:xfrm>
         </p:spPr>
         <p:txBody>
@@ -24192,16 +30126,141 @@
           <a:lstStyle/>
           <a:p>
             <a:r>
-              <a:rPr lang="en-US" sz="4800" dirty="0"/>
-              <a:t>THANK YOU</a:t>
+              <a:rPr lang="en-US" sz="1600" dirty="0"/>
+              <a:t>1. Z-test Single Sample Mean</a:t>
             </a:r>
-          </a:p>
-        </p:txBody>
-      </p:sp>
+            <a:endParaRPr lang="en-IN" sz="1600" dirty="0"/>
+          </a:p>
+        </p:txBody>
+      </p:sp>
+      <p:pic>
+        <p:nvPicPr>
+          <p:cNvPr id="5" name="Picture 4" descr="A computer screen shot of text&#10;&#10;Description automatically generated">
+            <a:extLst>
+              <a:ext uri="{FF2B5EF4-FFF2-40B4-BE49-F238E27FC236}">
+                <a16:creationId xmlns:a16="http://schemas.microsoft.com/office/drawing/2014/main" id="{A2E61B5D-F318-044B-11E1-721041C6490F}"/>
+              </a:ext>
+            </a:extLst>
+          </p:cNvPr>
+          <p:cNvPicPr>
+            <a:picLocks noChangeAspect="1"/>
+          </p:cNvPicPr>
+          <p:nvPr/>
+        </p:nvPicPr>
+        <p:blipFill>
+          <a:blip r:embed="rId2"/>
+          <a:stretch>
+            <a:fillRect/>
+          </a:stretch>
+        </p:blipFill>
+        <p:spPr>
+          <a:xfrm>
+            <a:off x="140938" y="1737545"/>
+            <a:ext cx="5098304" cy="2759810"/>
+          </a:xfrm>
+          <a:prstGeom prst="rect">
+            <a:avLst/>
+          </a:prstGeom>
+        </p:spPr>
+      </p:pic>
+      <p:sp>
+        <p:nvSpPr>
+          <p:cNvPr id="6" name="Arrow: Right 5">
+            <a:extLst>
+              <a:ext uri="{FF2B5EF4-FFF2-40B4-BE49-F238E27FC236}">
+                <a16:creationId xmlns:a16="http://schemas.microsoft.com/office/drawing/2014/main" id="{C6733BB6-4C6C-371A-5472-DAE81BB4C458}"/>
+              </a:ext>
+            </a:extLst>
+          </p:cNvPr>
+          <p:cNvSpPr/>
+          <p:nvPr/>
+        </p:nvSpPr>
+        <p:spPr>
+          <a:xfrm>
+            <a:off x="5355771" y="2323322"/>
+            <a:ext cx="2304662" cy="1175658"/>
+          </a:xfrm>
+          <a:prstGeom prst="rightArrow">
+            <a:avLst/>
+          </a:prstGeom>
+          <a:solidFill>
+            <a:schemeClr val="accent3">
+              <a:lumMod val="40000"/>
+              <a:lumOff val="60000"/>
+            </a:schemeClr>
+          </a:solidFill>
+        </p:spPr>
+        <p:style>
+          <a:lnRef idx="2">
+            <a:schemeClr val="dk1">
+              <a:shade val="15000"/>
+            </a:schemeClr>
+          </a:lnRef>
+          <a:fillRef idx="1">
+            <a:schemeClr val="dk1"/>
+          </a:fillRef>
+          <a:effectRef idx="0">
+            <a:schemeClr val="dk1"/>
+          </a:effectRef>
+          <a:fontRef idx="minor">
+            <a:schemeClr val="lt1"/>
+          </a:fontRef>
+        </p:style>
+        <p:txBody>
+          <a:bodyPr rtlCol="0" anchor="ctr"/>
+          <a:lstStyle/>
+          <a:p>
+            <a:pPr algn="ctr"/>
+            <a:r>
+              <a:rPr lang="en-US" dirty="0">
+                <a:solidFill>
+                  <a:schemeClr val="tx1"/>
+                </a:solidFill>
+              </a:rPr>
+              <a:t>Output</a:t>
+            </a:r>
+            <a:endParaRPr lang="en-IN" dirty="0">
+              <a:solidFill>
+                <a:schemeClr val="tx1"/>
+              </a:solidFill>
+            </a:endParaRPr>
+          </a:p>
+        </p:txBody>
+      </p:sp>
+      <p:pic>
+        <p:nvPicPr>
+          <p:cNvPr id="8" name="Picture 7">
+            <a:extLst>
+              <a:ext uri="{FF2B5EF4-FFF2-40B4-BE49-F238E27FC236}">
+                <a16:creationId xmlns:a16="http://schemas.microsoft.com/office/drawing/2014/main" id="{77D1F08B-755D-4378-79DC-5A60B458278B}"/>
+              </a:ext>
+            </a:extLst>
+          </p:cNvPr>
+          <p:cNvPicPr>
+            <a:picLocks noChangeAspect="1"/>
+          </p:cNvPicPr>
+          <p:nvPr/>
+        </p:nvPicPr>
+        <p:blipFill>
+          <a:blip r:embed="rId3"/>
+          <a:stretch>
+            <a:fillRect/>
+          </a:stretch>
+        </p:blipFill>
+        <p:spPr>
+          <a:xfrm>
+            <a:off x="7815738" y="2435638"/>
+            <a:ext cx="4163951" cy="1175658"/>
+          </a:xfrm>
+          <a:prstGeom prst="rect">
+            <a:avLst/>
+          </a:prstGeom>
+        </p:spPr>
+      </p:pic>
     </p:spTree>
     <p:extLst>
       <p:ext uri="{BB962C8B-B14F-4D97-AF65-F5344CB8AC3E}">
-        <p14:creationId xmlns:p14="http://schemas.microsoft.com/office/powerpoint/2010/main" val="1003962426"/>
+        <p14:creationId xmlns:p14="http://schemas.microsoft.com/office/powerpoint/2010/main" val="4104114866"/>
       </p:ext>
     </p:extLst>
   </p:cSld>
